--- a/BSapp_aFrameWork4DataStandardReadiness.pptx
+++ b/BSapp_aFrameWork4DataStandardReadiness.pptx
@@ -5,10 +5,10 @@
     <p:sldMasterId id="2147483649" r:id="rId4"/>
   </p:sldMasterIdLst>
   <p:notesMasterIdLst>
-    <p:notesMasterId r:id="rId19"/>
+    <p:notesMasterId r:id="rId24"/>
   </p:notesMasterIdLst>
   <p:handoutMasterIdLst>
-    <p:handoutMasterId r:id="rId20"/>
+    <p:handoutMasterId r:id="rId25"/>
   </p:handoutMasterIdLst>
   <p:sldIdLst>
     <p:sldId id="256" r:id="rId5"/>
@@ -16,15 +16,20 @@
     <p:sldId id="258" r:id="rId7"/>
     <p:sldId id="267" r:id="rId8"/>
     <p:sldId id="268" r:id="rId9"/>
-    <p:sldId id="269" r:id="rId10"/>
-    <p:sldId id="261" r:id="rId11"/>
-    <p:sldId id="264" r:id="rId12"/>
-    <p:sldId id="265" r:id="rId13"/>
-    <p:sldId id="271" r:id="rId14"/>
-    <p:sldId id="272" r:id="rId15"/>
-    <p:sldId id="273" r:id="rId16"/>
-    <p:sldId id="274" r:id="rId17"/>
-    <p:sldId id="270" r:id="rId18"/>
+    <p:sldId id="275" r:id="rId10"/>
+    <p:sldId id="269" r:id="rId11"/>
+    <p:sldId id="261" r:id="rId12"/>
+    <p:sldId id="264" r:id="rId13"/>
+    <p:sldId id="265" r:id="rId14"/>
+    <p:sldId id="271" r:id="rId15"/>
+    <p:sldId id="272" r:id="rId16"/>
+    <p:sldId id="273" r:id="rId17"/>
+    <p:sldId id="276" r:id="rId18"/>
+    <p:sldId id="277" r:id="rId19"/>
+    <p:sldId id="278" r:id="rId20"/>
+    <p:sldId id="279" r:id="rId21"/>
+    <p:sldId id="274" r:id="rId22"/>
+    <p:sldId id="270" r:id="rId23"/>
   </p:sldIdLst>
   <p:sldSz cx="12192000" cy="6858000"/>
   <p:notesSz cx="6858000" cy="9144000"/>
@@ -171,6 +176,7 @@
         </p14:section>
         <p14:section name="ISO Framework" id="{7357D3F3-139D-2E41-B8F5-8289F5B0A486}">
           <p14:sldIdLst>
+            <p14:sldId id="275"/>
             <p14:sldId id="269"/>
             <p14:sldId id="261"/>
             <p14:sldId id="264"/>
@@ -182,6 +188,10 @@
           <p14:sldIdLst>
             <p14:sldId id="272"/>
             <p14:sldId id="273"/>
+            <p14:sldId id="276"/>
+            <p14:sldId id="277"/>
+            <p14:sldId id="278"/>
+            <p14:sldId id="279"/>
           </p14:sldIdLst>
         </p14:section>
         <p14:section name="Summary" id="{808901F5-E053-4D4B-93FA-2D545BD42871}">
@@ -265,6 +275,7 @@
           </a:p>
         </c:rich>
       </c:tx>
+      <c:layout/>
       <c:overlay val="0"/>
       <c:spPr>
         <a:noFill/>
@@ -500,6 +511,7 @@
     </c:plotArea>
     <c:plotVisOnly val="1"/>
     <c:dispBlanksAs val="gap"/>
+    <c:showDLblsOverMax val="0"/>
     <c:extLst>
       <c:ext xmlns:c16r3="http://schemas.microsoft.com/office/drawing/2017/03/chart" uri="{56B9EC1D-385E-4148-901F-78D8002777C0}">
         <c16r3:dataDisplayOptions16>
@@ -507,7 +519,6 @@
         </c16r3:dataDisplayOptions16>
       </c:ext>
     </c:extLst>
-    <c:showDLblsOverMax val="0"/>
   </c:chart>
   <c:spPr>
     <a:noFill/>
@@ -1177,7 +1188,7 @@
               <a:pPr>
                 <a:defRPr/>
               </a:pPr>
-              <a:t>9/12/19</a:t>
+              <a:t>9/15/2019</a:t>
             </a:fld>
             <a:endParaRPr lang="en-US"/>
           </a:p>
@@ -1775,7 +1786,7 @@
           <a:lstStyle/>
           <a:p>
             <a:r>
-              <a:rPr lang="en-US" sz="1200" b="0" i="0" u="none" strike="noStrike" kern="1200" baseline="0" dirty="0">
+              <a:rPr lang="en-US" sz="1200" b="0" i="0" u="none" strike="noStrike" kern="1200" baseline="0" dirty="0" smtClean="0">
                 <a:solidFill>
                   <a:schemeClr val="tx1"/>
                 </a:solidFill>
@@ -1783,12 +1794,12 @@
                 <a:ea typeface="+mn-ea"/>
                 <a:cs typeface="+mn-cs"/>
               </a:rPr>
-              <a:t>— for assessing the current situation of CII,</a:t>
-            </a:r>
-          </a:p>
-          <a:p>
-            <a:r>
-              <a:rPr lang="en-US" sz="1200" b="0" i="0" u="none" strike="noStrike" kern="1200" baseline="0" dirty="0">
+              <a:t>These standards serve as a framework and normalization guide for enterprises to promote the convergence of information technology into the processes of  production and operations management. </a:t>
+            </a:r>
+          </a:p>
+          <a:p>
+            <a:r>
+              <a:rPr lang="en-US" sz="1200" b="0" i="0" u="none" strike="noStrike" kern="1200" baseline="0" dirty="0" smtClean="0">
                 <a:solidFill>
                   <a:schemeClr val="tx1"/>
                 </a:solidFill>
@@ -1796,12 +1807,12 @@
                 <a:ea typeface="+mn-ea"/>
                 <a:cs typeface="+mn-cs"/>
               </a:rPr>
-              <a:t>— for finding weakness within the CII,</a:t>
-            </a:r>
-          </a:p>
-          <a:p>
-            <a:r>
-              <a:rPr lang="en-US" sz="1200" b="0" i="0" u="none" strike="noStrike" kern="1200" baseline="0" dirty="0">
+              <a:t> </a:t>
+            </a:r>
+          </a:p>
+          <a:p>
+            <a:r>
+              <a:rPr lang="en-US" sz="1200" b="0" i="0" u="none" strike="noStrike" kern="1200" baseline="0" dirty="0" smtClean="0">
                 <a:solidFill>
                   <a:schemeClr val="tx1"/>
                 </a:solidFill>
@@ -1809,8 +1820,161 @@
                 <a:ea typeface="+mn-ea"/>
                 <a:cs typeface="+mn-cs"/>
               </a:rPr>
-              <a:t>— for identifying ways to improve CII.</a:t>
-            </a:r>
+              <a:t>The purposes of this document include, but not limited to, providing industrial enterprises guidance for: </a:t>
+            </a:r>
+          </a:p>
+          <a:p>
+            <a:pPr marL="171450" indent="-171450">
+              <a:buFont typeface="Arial" panose="020B0604020202020204" pitchFamily="34" charset="0"/>
+              <a:buChar char="•"/>
+            </a:pPr>
+            <a:r>
+              <a:rPr lang="en-US" sz="1200" b="0" i="0" u="none" strike="noStrike" kern="1200" baseline="0" dirty="0" smtClean="0">
+                <a:solidFill>
+                  <a:schemeClr val="tx1"/>
+                </a:solidFill>
+                <a:latin typeface="Arial" charset="0"/>
+                <a:ea typeface="+mn-ea"/>
+                <a:cs typeface="+mn-cs"/>
+              </a:rPr>
+              <a:t>assessing the current situation of CII </a:t>
+            </a:r>
+          </a:p>
+          <a:p>
+            <a:pPr marL="171450" indent="-171450">
+              <a:buFont typeface="Arial" panose="020B0604020202020204" pitchFamily="34" charset="0"/>
+              <a:buChar char="•"/>
+            </a:pPr>
+            <a:r>
+              <a:rPr lang="en-US" sz="1200" b="0" i="0" u="none" strike="noStrike" kern="1200" baseline="0" dirty="0" smtClean="0">
+                <a:solidFill>
+                  <a:schemeClr val="tx1"/>
+                </a:solidFill>
+                <a:latin typeface="Arial" charset="0"/>
+                <a:ea typeface="+mn-ea"/>
+                <a:cs typeface="+mn-cs"/>
+              </a:rPr>
+              <a:t>finding weakness within the CII </a:t>
+            </a:r>
+          </a:p>
+          <a:p>
+            <a:pPr marL="171450" indent="-171450">
+              <a:buFont typeface="Arial" panose="020B0604020202020204" pitchFamily="34" charset="0"/>
+              <a:buChar char="•"/>
+            </a:pPr>
+            <a:r>
+              <a:rPr lang="en-US" sz="1200" b="0" i="0" u="none" strike="noStrike" kern="1200" baseline="0" dirty="0" smtClean="0">
+                <a:solidFill>
+                  <a:schemeClr val="tx1"/>
+                </a:solidFill>
+                <a:latin typeface="Arial" charset="0"/>
+                <a:ea typeface="+mn-ea"/>
+                <a:cs typeface="+mn-cs"/>
+              </a:rPr>
+              <a:t>identifying ways to improve CII  </a:t>
+            </a:r>
+          </a:p>
+          <a:p>
+            <a:endParaRPr lang="en-GB" sz="1200" b="0" i="0" u="none" strike="noStrike" kern="1200" baseline="0" dirty="0" smtClean="0">
+              <a:solidFill>
+                <a:schemeClr val="tx1"/>
+              </a:solidFill>
+              <a:latin typeface="Arial" charset="0"/>
+              <a:ea typeface="+mn-ea"/>
+              <a:cs typeface="+mn-cs"/>
+            </a:endParaRPr>
+          </a:p>
+          <a:p>
+            <a:endParaRPr lang="en-GB" dirty="0"/>
+          </a:p>
+        </p:txBody>
+      </p:sp>
+      <p:sp>
+        <p:nvSpPr>
+          <p:cNvPr id="4" name="Slide Number Placeholder 3"/>
+          <p:cNvSpPr>
+            <a:spLocks noGrp="1"/>
+          </p:cNvSpPr>
+          <p:nvPr>
+            <p:ph type="sldNum" sz="quarter" idx="10"/>
+          </p:nvPr>
+        </p:nvSpPr>
+        <p:spPr/>
+        <p:txBody>
+          <a:bodyPr/>
+          <a:lstStyle/>
+          <a:p>
+            <a:pPr>
+              <a:defRPr/>
+            </a:pPr>
+            <a:fld id="{F180046C-CA53-4229-907E-97AF4669782B}" type="slidenum">
+              <a:rPr lang="en-US" smtClean="0"/>
+              <a:pPr>
+                <a:defRPr/>
+              </a:pPr>
+              <a:t>6</a:t>
+            </a:fld>
+            <a:endParaRPr lang="en-US"/>
+          </a:p>
+        </p:txBody>
+      </p:sp>
+    </p:spTree>
+    <p:extLst>
+      <p:ext uri="{BB962C8B-B14F-4D97-AF65-F5344CB8AC3E}">
+        <p14:creationId xmlns:p14="http://schemas.microsoft.com/office/powerpoint/2010/main" val="4160220681"/>
+      </p:ext>
+    </p:extLst>
+  </p:cSld>
+  <p:clrMapOvr>
+    <a:masterClrMapping/>
+  </p:clrMapOvr>
+</p:notes>
+</file>
+
+<file path=ppt/notesSlides/notesSlide2.xml><?xml version="1.0" encoding="utf-8"?>
+<p:notes xmlns:a="http://schemas.openxmlformats.org/drawingml/2006/main" xmlns:r="http://schemas.openxmlformats.org/officeDocument/2006/relationships" xmlns:p="http://schemas.openxmlformats.org/presentationml/2006/main">
+  <p:cSld>
+    <p:spTree>
+      <p:nvGrpSpPr>
+        <p:cNvPr id="1" name=""/>
+        <p:cNvGrpSpPr/>
+        <p:nvPr/>
+      </p:nvGrpSpPr>
+      <p:grpSpPr>
+        <a:xfrm>
+          <a:off x="0" y="0"/>
+          <a:ext cx="0" cy="0"/>
+          <a:chOff x="0" y="0"/>
+          <a:chExt cx="0" cy="0"/>
+        </a:xfrm>
+      </p:grpSpPr>
+      <p:sp>
+        <p:nvSpPr>
+          <p:cNvPr id="2" name="Slide Image Placeholder 1"/>
+          <p:cNvSpPr>
+            <a:spLocks noGrp="1" noRot="1" noChangeAspect="1"/>
+          </p:cNvSpPr>
+          <p:nvPr>
+            <p:ph type="sldImg"/>
+          </p:nvPr>
+        </p:nvSpPr>
+        <p:spPr/>
+      </p:sp>
+      <p:sp>
+        <p:nvSpPr>
+          <p:cNvPr id="3" name="Notes Placeholder 2"/>
+          <p:cNvSpPr>
+            <a:spLocks noGrp="1"/>
+          </p:cNvSpPr>
+          <p:nvPr>
+            <p:ph type="body" idx="1"/>
+          </p:nvPr>
+        </p:nvSpPr>
+        <p:spPr/>
+        <p:txBody>
+          <a:bodyPr/>
+          <a:lstStyle/>
+          <a:p>
             <a:endParaRPr lang="en-US" dirty="0"/>
           </a:p>
         </p:txBody>
@@ -1838,7 +2002,7 @@
               <a:pPr>
                 <a:defRPr/>
               </a:pPr>
-              <a:t>6</a:t>
+              <a:t>7</a:t>
             </a:fld>
             <a:endParaRPr lang="en-US"/>
           </a:p>
@@ -1848,6 +2012,96 @@
     <p:extLst>
       <p:ext uri="{BB962C8B-B14F-4D97-AF65-F5344CB8AC3E}">
         <p14:creationId xmlns:p14="http://schemas.microsoft.com/office/powerpoint/2010/main" val="3976045627"/>
+      </p:ext>
+    </p:extLst>
+  </p:cSld>
+  <p:clrMapOvr>
+    <a:masterClrMapping/>
+  </p:clrMapOvr>
+</p:notes>
+</file>
+
+<file path=ppt/notesSlides/notesSlide3.xml><?xml version="1.0" encoding="utf-8"?>
+<p:notes xmlns:a="http://schemas.openxmlformats.org/drawingml/2006/main" xmlns:r="http://schemas.openxmlformats.org/officeDocument/2006/relationships" xmlns:p="http://schemas.openxmlformats.org/presentationml/2006/main">
+  <p:cSld>
+    <p:spTree>
+      <p:nvGrpSpPr>
+        <p:cNvPr id="1" name=""/>
+        <p:cNvGrpSpPr/>
+        <p:nvPr/>
+      </p:nvGrpSpPr>
+      <p:grpSpPr>
+        <a:xfrm>
+          <a:off x="0" y="0"/>
+          <a:ext cx="0" cy="0"/>
+          <a:chOff x="0" y="0"/>
+          <a:chExt cx="0" cy="0"/>
+        </a:xfrm>
+      </p:grpSpPr>
+      <p:sp>
+        <p:nvSpPr>
+          <p:cNvPr id="2" name="Slide Image Placeholder 1"/>
+          <p:cNvSpPr>
+            <a:spLocks noGrp="1" noRot="1" noChangeAspect="1"/>
+          </p:cNvSpPr>
+          <p:nvPr>
+            <p:ph type="sldImg"/>
+          </p:nvPr>
+        </p:nvSpPr>
+        <p:spPr/>
+      </p:sp>
+      <p:sp>
+        <p:nvSpPr>
+          <p:cNvPr id="3" name="Notes Placeholder 2"/>
+          <p:cNvSpPr>
+            <a:spLocks noGrp="1"/>
+          </p:cNvSpPr>
+          <p:nvPr>
+            <p:ph type="body" idx="1"/>
+          </p:nvPr>
+        </p:nvSpPr>
+        <p:spPr/>
+        <p:txBody>
+          <a:bodyPr/>
+          <a:lstStyle/>
+          <a:p>
+            <a:endParaRPr lang="en-GB" dirty="0"/>
+          </a:p>
+        </p:txBody>
+      </p:sp>
+      <p:sp>
+        <p:nvSpPr>
+          <p:cNvPr id="4" name="Slide Number Placeholder 3"/>
+          <p:cNvSpPr>
+            <a:spLocks noGrp="1"/>
+          </p:cNvSpPr>
+          <p:nvPr>
+            <p:ph type="sldNum" sz="quarter" idx="10"/>
+          </p:nvPr>
+        </p:nvSpPr>
+        <p:spPr/>
+        <p:txBody>
+          <a:bodyPr/>
+          <a:lstStyle/>
+          <a:p>
+            <a:pPr>
+              <a:defRPr/>
+            </a:pPr>
+            <a:fld id="{F180046C-CA53-4229-907E-97AF4669782B}" type="slidenum">
+              <a:rPr lang="en-US" smtClean="0"/>
+              <a:pPr>
+                <a:defRPr/>
+              </a:pPr>
+              <a:t>14</a:t>
+            </a:fld>
+            <a:endParaRPr lang="en-US"/>
+          </a:p>
+        </p:txBody>
+      </p:sp>
+    </p:spTree>
+    <p:extLst>
+      <p:ext uri="{BB962C8B-B14F-4D97-AF65-F5344CB8AC3E}">
+        <p14:creationId xmlns:p14="http://schemas.microsoft.com/office/powerpoint/2010/main" val="3534996820"/>
       </p:ext>
     </p:extLst>
   </p:cSld>
@@ -2080,62 +2334,6 @@
           </a:effectLst>
         </p:spPr>
       </p:pic>
-      <p:sp>
-        <p:nvSpPr>
-          <p:cNvPr id="9" name="TextBox 8">
-            <a:extLst>
-              <a:ext uri="{FF2B5EF4-FFF2-40B4-BE49-F238E27FC236}">
-                <a16:creationId xmlns:a16="http://schemas.microsoft.com/office/drawing/2014/main" id="{4DFE479C-6AD6-43BC-A39F-E167054FAD3C}"/>
-              </a:ext>
-            </a:extLst>
-          </p:cNvPr>
-          <p:cNvSpPr txBox="1"/>
-          <p:nvPr userDrawn="1"/>
-        </p:nvSpPr>
-        <p:spPr>
-          <a:xfrm>
-            <a:off x="8493304" y="6622204"/>
-            <a:ext cx="3698696" cy="184666"/>
-          </a:xfrm>
-          <a:prstGeom prst="rect">
-            <a:avLst/>
-          </a:prstGeom>
-          <a:noFill/>
-        </p:spPr>
-        <p:txBody>
-          <a:bodyPr wrap="square" rtlCol="0">
-            <a:spAutoFit/>
-          </a:bodyPr>
-          <a:lstStyle/>
-          <a:p>
-            <a:pPr algn="r"/>
-            <a:r>
-              <a:rPr lang="en-US" sz="600" dirty="0">
-                <a:solidFill>
-                  <a:schemeClr val="bg1"/>
-                </a:solidFill>
-              </a:rPr>
-              <a:t>Sapp-aFramework4DSreadiness.ppt | </a:t>
-            </a:r>
-            <a:fld id="{722087BA-F621-4EFD-97B4-BCAE5C7FA24B}" type="slidenum">
-              <a:rPr lang="en-US" sz="600" smtClean="0">
-                <a:solidFill>
-                  <a:schemeClr val="bg1"/>
-                </a:solidFill>
-              </a:rPr>
-              <a:pPr algn="r">
-                <a:defRPr/>
-              </a:pPr>
-              <a:t>‹#›</a:t>
-            </a:fld>
-            <a:endParaRPr lang="en-US" sz="600" dirty="0">
-              <a:solidFill>
-                <a:schemeClr val="bg1"/>
-              </a:solidFill>
-            </a:endParaRPr>
-          </a:p>
-        </p:txBody>
-      </p:sp>
     </p:spTree>
   </p:cSld>
   <p:clrMapOvr>
@@ -2213,6 +2411,33 @@
             <a:r>
               <a:rPr lang="en-US" dirty="0"/>
               <a:t>Fifth level</a:t>
+            </a:r>
+          </a:p>
+        </p:txBody>
+      </p:sp>
+      <p:sp>
+        <p:nvSpPr>
+          <p:cNvPr id="4" name="Title 1"/>
+          <p:cNvSpPr>
+            <a:spLocks noGrp="1"/>
+          </p:cNvSpPr>
+          <p:nvPr>
+            <p:ph type="title"/>
+          </p:nvPr>
+        </p:nvSpPr>
+        <p:spPr>
+          <a:xfrm>
+            <a:off x="0" y="2829"/>
+            <a:ext cx="12192000" cy="564257"/>
+          </a:xfrm>
+        </p:spPr>
+        <p:txBody>
+          <a:bodyPr/>
+          <a:lstStyle/>
+          <a:p>
+            <a:r>
+              <a:rPr lang="en-US" dirty="0"/>
+              <a:t>Click to edit Master title style</a:t>
             </a:r>
           </a:p>
         </p:txBody>
@@ -2379,7 +2604,7 @@
           <a:lstStyle/>
           <a:p>
             <a:r>
-              <a:rPr lang="en-US"/>
+              <a:rPr lang="en-US" dirty="0"/>
               <a:t>Click to edit Master title style</a:t>
             </a:r>
           </a:p>
@@ -2816,56 +3041,6 @@
               <a:rPr lang="en-US" dirty="0"/>
               <a:t>Slide Title</a:t>
             </a:r>
-          </a:p>
-        </p:txBody>
-      </p:sp>
-      <p:sp>
-        <p:nvSpPr>
-          <p:cNvPr id="18" name="TextBox 17"/>
-          <p:cNvSpPr txBox="1"/>
-          <p:nvPr/>
-        </p:nvSpPr>
-        <p:spPr>
-          <a:xfrm>
-            <a:off x="8493304" y="6622204"/>
-            <a:ext cx="3698696" cy="184666"/>
-          </a:xfrm>
-          <a:prstGeom prst="rect">
-            <a:avLst/>
-          </a:prstGeom>
-          <a:noFill/>
-        </p:spPr>
-        <p:txBody>
-          <a:bodyPr wrap="square" rtlCol="0">
-            <a:spAutoFit/>
-          </a:bodyPr>
-          <a:lstStyle/>
-          <a:p>
-            <a:pPr algn="r"/>
-            <a:r>
-              <a:rPr lang="en-US" sz="600" dirty="0">
-                <a:solidFill>
-                  <a:schemeClr val="bg1"/>
-                </a:solidFill>
-              </a:rPr>
-              <a:t>Sapp-aFramework4DSreadiness.ppt | </a:t>
-            </a:r>
-            <a:fld id="{722087BA-F621-4EFD-97B4-BCAE5C7FA24B}" type="slidenum">
-              <a:rPr lang="en-US" sz="600" smtClean="0">
-                <a:solidFill>
-                  <a:schemeClr val="bg1"/>
-                </a:solidFill>
-              </a:rPr>
-              <a:pPr algn="r">
-                <a:defRPr/>
-              </a:pPr>
-              <a:t>‹#›</a:t>
-            </a:fld>
-            <a:endParaRPr lang="en-US" sz="600" dirty="0">
-              <a:solidFill>
-                <a:schemeClr val="bg1"/>
-              </a:solidFill>
-            </a:endParaRPr>
           </a:p>
         </p:txBody>
       </p:sp>
@@ -3373,6 +3548,2565 @@
 </file>
 
 <file path=ppt/slides/slide10.xml><?xml version="1.0" encoding="utf-8"?>
+<p:sld xmlns:a="http://schemas.openxmlformats.org/drawingml/2006/main" xmlns:r="http://schemas.openxmlformats.org/officeDocument/2006/relationships" xmlns:p="http://schemas.openxmlformats.org/presentationml/2006/main">
+  <p:cSld>
+    <p:spTree>
+      <p:nvGrpSpPr>
+        <p:cNvPr id="1" name=""/>
+        <p:cNvGrpSpPr/>
+        <p:nvPr/>
+      </p:nvGrpSpPr>
+      <p:grpSpPr>
+        <a:xfrm>
+          <a:off x="0" y="0"/>
+          <a:ext cx="0" cy="0"/>
+          <a:chOff x="0" y="0"/>
+          <a:chExt cx="0" cy="0"/>
+        </a:xfrm>
+      </p:grpSpPr>
+      <p:sp>
+        <p:nvSpPr>
+          <p:cNvPr id="10" name="Title 9">
+            <a:extLst>
+              <a:ext uri="{FF2B5EF4-FFF2-40B4-BE49-F238E27FC236}">
+                <a16:creationId xmlns:a16="http://schemas.microsoft.com/office/drawing/2014/main" id="{316E12E7-B44B-4466-B6D8-34BFFE7434A0}"/>
+              </a:ext>
+            </a:extLst>
+          </p:cNvPr>
+          <p:cNvSpPr>
+            <a:spLocks noGrp="1"/>
+          </p:cNvSpPr>
+          <p:nvPr>
+            <p:ph type="title"/>
+          </p:nvPr>
+        </p:nvSpPr>
+        <p:spPr/>
+        <p:txBody>
+          <a:bodyPr/>
+          <a:lstStyle/>
+          <a:p>
+            <a:r>
+              <a:rPr lang="en-US" dirty="0"/>
+              <a:t>Assessment Method</a:t>
+            </a:r>
+          </a:p>
+        </p:txBody>
+      </p:sp>
+      <p:sp>
+        <p:nvSpPr>
+          <p:cNvPr id="13" name="Rectangle 12">
+            <a:extLst>
+              <a:ext uri="{FF2B5EF4-FFF2-40B4-BE49-F238E27FC236}">
+                <a16:creationId xmlns:a16="http://schemas.microsoft.com/office/drawing/2014/main" id="{914187C9-936F-4724-9AD6-3ABEFD5A6DC6}"/>
+              </a:ext>
+            </a:extLst>
+          </p:cNvPr>
+          <p:cNvSpPr/>
+          <p:nvPr/>
+        </p:nvSpPr>
+        <p:spPr bwMode="auto">
+          <a:xfrm>
+            <a:off x="411623" y="1876970"/>
+            <a:ext cx="1262170" cy="437151"/>
+          </a:xfrm>
+          <a:prstGeom prst="rect">
+            <a:avLst/>
+          </a:prstGeom>
+          <a:ln>
+            <a:solidFill>
+              <a:schemeClr val="bg1"/>
+            </a:solidFill>
+            <a:headEnd type="none" w="sm" len="sm"/>
+            <a:tailEnd type="none" w="sm" len="sm"/>
+          </a:ln>
+        </p:spPr>
+        <p:style>
+          <a:lnRef idx="2">
+            <a:schemeClr val="accent3"/>
+          </a:lnRef>
+          <a:fillRef idx="1">
+            <a:schemeClr val="lt1"/>
+          </a:fillRef>
+          <a:effectRef idx="0">
+            <a:schemeClr val="accent3"/>
+          </a:effectRef>
+          <a:fontRef idx="minor">
+            <a:schemeClr val="dk1"/>
+          </a:fontRef>
+        </p:style>
+        <p:txBody>
+          <a:bodyPr vert="horz" wrap="square" lIns="91440" tIns="45720" rIns="91440" bIns="45720" numCol="1" rtlCol="0" anchor="ctr" anchorCtr="0" compatLnSpc="1">
+            <a:prstTxWarp prst="textNoShape">
+              <a:avLst/>
+            </a:prstTxWarp>
+          </a:bodyPr>
+          <a:lstStyle/>
+          <a:p>
+            <a:pPr marL="0" marR="0" indent="0" algn="ctr" defTabSz="914400" rtl="0" eaLnBrk="0" fontAlgn="base" latinLnBrk="0" hangingPunct="0">
+              <a:lnSpc>
+                <a:spcPct val="100000"/>
+              </a:lnSpc>
+              <a:spcBef>
+                <a:spcPct val="0"/>
+              </a:spcBef>
+              <a:spcAft>
+                <a:spcPct val="0"/>
+              </a:spcAft>
+              <a:buClrTx/>
+              <a:buSzTx/>
+              <a:buFontTx/>
+              <a:buNone/>
+              <a:tabLst/>
+            </a:pPr>
+            <a:r>
+              <a:rPr lang="en-US" sz="1050" dirty="0">
+                <a:solidFill>
+                  <a:schemeClr val="tx1"/>
+                </a:solidFill>
+                <a:latin typeface="Arial" charset="0"/>
+              </a:rPr>
+              <a:t>Evaluate Level 1 Questions</a:t>
+            </a:r>
+            <a:endParaRPr kumimoji="0" lang="en-US" sz="1050" b="0" i="0" u="none" strike="noStrike" cap="none" normalizeH="0" baseline="0" dirty="0">
+              <a:ln>
+                <a:noFill/>
+              </a:ln>
+              <a:solidFill>
+                <a:schemeClr val="tx1"/>
+              </a:solidFill>
+              <a:effectLst/>
+              <a:latin typeface="Arial" charset="0"/>
+            </a:endParaRPr>
+          </a:p>
+        </p:txBody>
+      </p:sp>
+      <p:sp>
+        <p:nvSpPr>
+          <p:cNvPr id="24" name="Rectangle 23">
+            <a:extLst>
+              <a:ext uri="{FF2B5EF4-FFF2-40B4-BE49-F238E27FC236}">
+                <a16:creationId xmlns:a16="http://schemas.microsoft.com/office/drawing/2014/main" id="{82F68958-9DE7-45E1-863E-98FF8143B791}"/>
+              </a:ext>
+            </a:extLst>
+          </p:cNvPr>
+          <p:cNvSpPr/>
+          <p:nvPr/>
+        </p:nvSpPr>
+        <p:spPr bwMode="auto">
+          <a:xfrm>
+            <a:off x="2043711" y="2617009"/>
+            <a:ext cx="1262170" cy="437151"/>
+          </a:xfrm>
+          <a:prstGeom prst="rect">
+            <a:avLst/>
+          </a:prstGeom>
+          <a:ln>
+            <a:solidFill>
+              <a:schemeClr val="bg1"/>
+            </a:solidFill>
+            <a:headEnd type="none" w="sm" len="sm"/>
+            <a:tailEnd type="none" w="sm" len="sm"/>
+          </a:ln>
+        </p:spPr>
+        <p:style>
+          <a:lnRef idx="2">
+            <a:schemeClr val="accent3"/>
+          </a:lnRef>
+          <a:fillRef idx="1">
+            <a:schemeClr val="lt1"/>
+          </a:fillRef>
+          <a:effectRef idx="0">
+            <a:schemeClr val="accent3"/>
+          </a:effectRef>
+          <a:fontRef idx="minor">
+            <a:schemeClr val="dk1"/>
+          </a:fontRef>
+        </p:style>
+        <p:txBody>
+          <a:bodyPr vert="horz" wrap="square" lIns="91440" tIns="45720" rIns="91440" bIns="45720" numCol="1" rtlCol="0" anchor="ctr" anchorCtr="0" compatLnSpc="1">
+            <a:prstTxWarp prst="textNoShape">
+              <a:avLst/>
+            </a:prstTxWarp>
+          </a:bodyPr>
+          <a:lstStyle/>
+          <a:p>
+            <a:pPr marL="0" marR="0" indent="0" algn="ctr" defTabSz="914400" rtl="0" eaLnBrk="0" fontAlgn="base" latinLnBrk="0" hangingPunct="0">
+              <a:lnSpc>
+                <a:spcPct val="100000"/>
+              </a:lnSpc>
+              <a:spcBef>
+                <a:spcPct val="0"/>
+              </a:spcBef>
+              <a:spcAft>
+                <a:spcPct val="0"/>
+              </a:spcAft>
+              <a:buClrTx/>
+              <a:buSzTx/>
+              <a:buFontTx/>
+              <a:buNone/>
+              <a:tabLst/>
+            </a:pPr>
+            <a:r>
+              <a:rPr lang="en-US" sz="1050" dirty="0">
+                <a:solidFill>
+                  <a:schemeClr val="tx1"/>
+                </a:solidFill>
+                <a:latin typeface="Arial" charset="0"/>
+              </a:rPr>
+              <a:t>Evaluate Level 2 Questions</a:t>
+            </a:r>
+            <a:endParaRPr kumimoji="0" lang="en-US" sz="1050" b="0" i="0" u="none" strike="noStrike" cap="none" normalizeH="0" baseline="0" dirty="0">
+              <a:ln>
+                <a:noFill/>
+              </a:ln>
+              <a:solidFill>
+                <a:schemeClr val="tx1"/>
+              </a:solidFill>
+              <a:effectLst/>
+              <a:latin typeface="Arial" charset="0"/>
+            </a:endParaRPr>
+          </a:p>
+        </p:txBody>
+      </p:sp>
+      <p:sp>
+        <p:nvSpPr>
+          <p:cNvPr id="25" name="Rectangle 24">
+            <a:extLst>
+              <a:ext uri="{FF2B5EF4-FFF2-40B4-BE49-F238E27FC236}">
+                <a16:creationId xmlns:a16="http://schemas.microsoft.com/office/drawing/2014/main" id="{D982B3AB-52EA-40D5-A13E-F0CBC3C2BE2A}"/>
+              </a:ext>
+            </a:extLst>
+          </p:cNvPr>
+          <p:cNvSpPr/>
+          <p:nvPr/>
+        </p:nvSpPr>
+        <p:spPr bwMode="auto">
+          <a:xfrm>
+            <a:off x="3676449" y="3325954"/>
+            <a:ext cx="1262170" cy="437151"/>
+          </a:xfrm>
+          <a:prstGeom prst="rect">
+            <a:avLst/>
+          </a:prstGeom>
+          <a:ln>
+            <a:solidFill>
+              <a:schemeClr val="bg1"/>
+            </a:solidFill>
+            <a:headEnd type="none" w="sm" len="sm"/>
+            <a:tailEnd type="none" w="sm" len="sm"/>
+          </a:ln>
+        </p:spPr>
+        <p:style>
+          <a:lnRef idx="2">
+            <a:schemeClr val="accent3"/>
+          </a:lnRef>
+          <a:fillRef idx="1">
+            <a:schemeClr val="lt1"/>
+          </a:fillRef>
+          <a:effectRef idx="0">
+            <a:schemeClr val="accent3"/>
+          </a:effectRef>
+          <a:fontRef idx="minor">
+            <a:schemeClr val="dk1"/>
+          </a:fontRef>
+        </p:style>
+        <p:txBody>
+          <a:bodyPr vert="horz" wrap="square" lIns="91440" tIns="45720" rIns="91440" bIns="45720" numCol="1" rtlCol="0" anchor="ctr" anchorCtr="0" compatLnSpc="1">
+            <a:prstTxWarp prst="textNoShape">
+              <a:avLst/>
+            </a:prstTxWarp>
+          </a:bodyPr>
+          <a:lstStyle/>
+          <a:p>
+            <a:pPr marL="0" marR="0" indent="0" algn="ctr" defTabSz="914400" rtl="0" eaLnBrk="0" fontAlgn="base" latinLnBrk="0" hangingPunct="0">
+              <a:lnSpc>
+                <a:spcPct val="100000"/>
+              </a:lnSpc>
+              <a:spcBef>
+                <a:spcPct val="0"/>
+              </a:spcBef>
+              <a:spcAft>
+                <a:spcPct val="0"/>
+              </a:spcAft>
+              <a:buClrTx/>
+              <a:buSzTx/>
+              <a:buFontTx/>
+              <a:buNone/>
+              <a:tabLst/>
+            </a:pPr>
+            <a:r>
+              <a:rPr lang="en-US" sz="1050" dirty="0">
+                <a:solidFill>
+                  <a:schemeClr val="tx1"/>
+                </a:solidFill>
+                <a:latin typeface="Arial" charset="0"/>
+              </a:rPr>
+              <a:t>Evaluate Level 3 Questions</a:t>
+            </a:r>
+            <a:endParaRPr kumimoji="0" lang="en-US" sz="1050" b="0" i="0" u="none" strike="noStrike" cap="none" normalizeH="0" baseline="0" dirty="0">
+              <a:ln>
+                <a:noFill/>
+              </a:ln>
+              <a:solidFill>
+                <a:schemeClr val="tx1"/>
+              </a:solidFill>
+              <a:effectLst/>
+              <a:latin typeface="Arial" charset="0"/>
+            </a:endParaRPr>
+          </a:p>
+        </p:txBody>
+      </p:sp>
+      <p:sp>
+        <p:nvSpPr>
+          <p:cNvPr id="26" name="Rectangle 25">
+            <a:extLst>
+              <a:ext uri="{FF2B5EF4-FFF2-40B4-BE49-F238E27FC236}">
+                <a16:creationId xmlns:a16="http://schemas.microsoft.com/office/drawing/2014/main" id="{F3DA4185-AECB-46DC-85C4-312CA19B8BE5}"/>
+              </a:ext>
+            </a:extLst>
+          </p:cNvPr>
+          <p:cNvSpPr/>
+          <p:nvPr/>
+        </p:nvSpPr>
+        <p:spPr bwMode="auto">
+          <a:xfrm>
+            <a:off x="5364738" y="4052237"/>
+            <a:ext cx="1262170" cy="437151"/>
+          </a:xfrm>
+          <a:prstGeom prst="rect">
+            <a:avLst/>
+          </a:prstGeom>
+          <a:ln>
+            <a:solidFill>
+              <a:schemeClr val="bg1"/>
+            </a:solidFill>
+            <a:headEnd type="none" w="sm" len="sm"/>
+            <a:tailEnd type="none" w="sm" len="sm"/>
+          </a:ln>
+        </p:spPr>
+        <p:style>
+          <a:lnRef idx="2">
+            <a:schemeClr val="accent3"/>
+          </a:lnRef>
+          <a:fillRef idx="1">
+            <a:schemeClr val="lt1"/>
+          </a:fillRef>
+          <a:effectRef idx="0">
+            <a:schemeClr val="accent3"/>
+          </a:effectRef>
+          <a:fontRef idx="minor">
+            <a:schemeClr val="dk1"/>
+          </a:fontRef>
+        </p:style>
+        <p:txBody>
+          <a:bodyPr vert="horz" wrap="square" lIns="91440" tIns="45720" rIns="91440" bIns="45720" numCol="1" rtlCol="0" anchor="ctr" anchorCtr="0" compatLnSpc="1">
+            <a:prstTxWarp prst="textNoShape">
+              <a:avLst/>
+            </a:prstTxWarp>
+          </a:bodyPr>
+          <a:lstStyle/>
+          <a:p>
+            <a:pPr marL="0" marR="0" indent="0" algn="ctr" defTabSz="914400" rtl="0" eaLnBrk="0" fontAlgn="base" latinLnBrk="0" hangingPunct="0">
+              <a:lnSpc>
+                <a:spcPct val="100000"/>
+              </a:lnSpc>
+              <a:spcBef>
+                <a:spcPct val="0"/>
+              </a:spcBef>
+              <a:spcAft>
+                <a:spcPct val="0"/>
+              </a:spcAft>
+              <a:buClrTx/>
+              <a:buSzTx/>
+              <a:buFontTx/>
+              <a:buNone/>
+              <a:tabLst/>
+            </a:pPr>
+            <a:r>
+              <a:rPr lang="en-US" sz="1050" dirty="0">
+                <a:solidFill>
+                  <a:schemeClr val="tx1"/>
+                </a:solidFill>
+                <a:latin typeface="Arial" charset="0"/>
+              </a:rPr>
+              <a:t>Evaluate Level 4 Questions</a:t>
+            </a:r>
+            <a:endParaRPr kumimoji="0" lang="en-US" sz="1050" b="0" i="0" u="none" strike="noStrike" cap="none" normalizeH="0" baseline="0" dirty="0">
+              <a:ln>
+                <a:noFill/>
+              </a:ln>
+              <a:solidFill>
+                <a:schemeClr val="tx1"/>
+              </a:solidFill>
+              <a:effectLst/>
+              <a:latin typeface="Arial" charset="0"/>
+            </a:endParaRPr>
+          </a:p>
+        </p:txBody>
+      </p:sp>
+      <p:sp>
+        <p:nvSpPr>
+          <p:cNvPr id="27" name="Rectangle 26">
+            <a:extLst>
+              <a:ext uri="{FF2B5EF4-FFF2-40B4-BE49-F238E27FC236}">
+                <a16:creationId xmlns:a16="http://schemas.microsoft.com/office/drawing/2014/main" id="{5A6B6D8E-1610-4FA6-862B-D26343A1A8A2}"/>
+              </a:ext>
+            </a:extLst>
+          </p:cNvPr>
+          <p:cNvSpPr/>
+          <p:nvPr/>
+        </p:nvSpPr>
+        <p:spPr bwMode="auto">
+          <a:xfrm>
+            <a:off x="6952831" y="4787505"/>
+            <a:ext cx="1262170" cy="437151"/>
+          </a:xfrm>
+          <a:prstGeom prst="rect">
+            <a:avLst/>
+          </a:prstGeom>
+          <a:ln>
+            <a:solidFill>
+              <a:schemeClr val="bg1"/>
+            </a:solidFill>
+            <a:headEnd type="none" w="sm" len="sm"/>
+            <a:tailEnd type="none" w="sm" len="sm"/>
+          </a:ln>
+        </p:spPr>
+        <p:style>
+          <a:lnRef idx="2">
+            <a:schemeClr val="accent3"/>
+          </a:lnRef>
+          <a:fillRef idx="1">
+            <a:schemeClr val="lt1"/>
+          </a:fillRef>
+          <a:effectRef idx="0">
+            <a:schemeClr val="accent3"/>
+          </a:effectRef>
+          <a:fontRef idx="minor">
+            <a:schemeClr val="dk1"/>
+          </a:fontRef>
+        </p:style>
+        <p:txBody>
+          <a:bodyPr vert="horz" wrap="square" lIns="91440" tIns="45720" rIns="91440" bIns="45720" numCol="1" rtlCol="0" anchor="ctr" anchorCtr="0" compatLnSpc="1">
+            <a:prstTxWarp prst="textNoShape">
+              <a:avLst/>
+            </a:prstTxWarp>
+          </a:bodyPr>
+          <a:lstStyle/>
+          <a:p>
+            <a:pPr marL="0" marR="0" indent="0" algn="ctr" defTabSz="914400" rtl="0" eaLnBrk="0" fontAlgn="base" latinLnBrk="0" hangingPunct="0">
+              <a:lnSpc>
+                <a:spcPct val="100000"/>
+              </a:lnSpc>
+              <a:spcBef>
+                <a:spcPct val="0"/>
+              </a:spcBef>
+              <a:spcAft>
+                <a:spcPct val="0"/>
+              </a:spcAft>
+              <a:buClrTx/>
+              <a:buSzTx/>
+              <a:buFontTx/>
+              <a:buNone/>
+              <a:tabLst/>
+            </a:pPr>
+            <a:r>
+              <a:rPr lang="en-US" sz="1050" dirty="0">
+                <a:solidFill>
+                  <a:schemeClr val="tx1"/>
+                </a:solidFill>
+                <a:latin typeface="Arial" charset="0"/>
+              </a:rPr>
+              <a:t>Evaluate Level 5 Questions</a:t>
+            </a:r>
+            <a:endParaRPr kumimoji="0" lang="en-US" sz="1050" b="0" i="0" u="none" strike="noStrike" cap="none" normalizeH="0" baseline="0" dirty="0">
+              <a:ln>
+                <a:noFill/>
+              </a:ln>
+              <a:solidFill>
+                <a:schemeClr val="tx1"/>
+              </a:solidFill>
+              <a:effectLst/>
+              <a:latin typeface="Arial" charset="0"/>
+            </a:endParaRPr>
+          </a:p>
+        </p:txBody>
+      </p:sp>
+      <p:sp>
+        <p:nvSpPr>
+          <p:cNvPr id="28" name="Flowchart: Decision 27">
+            <a:extLst>
+              <a:ext uri="{FF2B5EF4-FFF2-40B4-BE49-F238E27FC236}">
+                <a16:creationId xmlns:a16="http://schemas.microsoft.com/office/drawing/2014/main" id="{19566EA7-8C29-4F2B-A82F-B2EC0FC3AE2B}"/>
+              </a:ext>
+            </a:extLst>
+          </p:cNvPr>
+          <p:cNvSpPr/>
+          <p:nvPr/>
+        </p:nvSpPr>
+        <p:spPr bwMode="auto">
+          <a:xfrm>
+            <a:off x="461594" y="2617009"/>
+            <a:ext cx="1162228" cy="437151"/>
+          </a:xfrm>
+          <a:prstGeom prst="flowChartDecision">
+            <a:avLst/>
+          </a:prstGeom>
+          <a:ln>
+            <a:solidFill>
+              <a:schemeClr val="bg1"/>
+            </a:solidFill>
+            <a:headEnd type="none" w="sm" len="sm"/>
+            <a:tailEnd type="none" w="sm" len="sm"/>
+          </a:ln>
+        </p:spPr>
+        <p:style>
+          <a:lnRef idx="2">
+            <a:schemeClr val="accent3"/>
+          </a:lnRef>
+          <a:fillRef idx="1">
+            <a:schemeClr val="lt1"/>
+          </a:fillRef>
+          <a:effectRef idx="0">
+            <a:schemeClr val="accent3"/>
+          </a:effectRef>
+          <a:fontRef idx="minor">
+            <a:schemeClr val="dk1"/>
+          </a:fontRef>
+        </p:style>
+        <p:txBody>
+          <a:bodyPr vert="horz" wrap="square" lIns="91440" tIns="45720" rIns="91440" bIns="45720" numCol="1" rtlCol="0" anchor="t" anchorCtr="0" compatLnSpc="1">
+            <a:prstTxWarp prst="textNoShape">
+              <a:avLst/>
+            </a:prstTxWarp>
+          </a:bodyPr>
+          <a:lstStyle/>
+          <a:p>
+            <a:pPr marL="0" marR="0" indent="0" algn="l" defTabSz="914400" rtl="0" eaLnBrk="0" fontAlgn="base" latinLnBrk="0" hangingPunct="0">
+              <a:lnSpc>
+                <a:spcPct val="100000"/>
+              </a:lnSpc>
+              <a:spcBef>
+                <a:spcPct val="0"/>
+              </a:spcBef>
+              <a:spcAft>
+                <a:spcPct val="0"/>
+              </a:spcAft>
+              <a:buClrTx/>
+              <a:buSzTx/>
+              <a:buFontTx/>
+              <a:buNone/>
+              <a:tabLst/>
+            </a:pPr>
+            <a:r>
+              <a:rPr kumimoji="0" lang="en-US" sz="900" b="0" i="0" u="none" strike="noStrike" cap="none" normalizeH="0" baseline="0" dirty="0">
+                <a:ln>
+                  <a:noFill/>
+                </a:ln>
+                <a:solidFill>
+                  <a:schemeClr val="tx1"/>
+                </a:solidFill>
+                <a:effectLst/>
+                <a:latin typeface="Arial" charset="0"/>
+              </a:rPr>
+              <a:t>All YES</a:t>
+            </a:r>
+          </a:p>
+        </p:txBody>
+      </p:sp>
+      <p:sp>
+        <p:nvSpPr>
+          <p:cNvPr id="29" name="Flowchart: Decision 28">
+            <a:extLst>
+              <a:ext uri="{FF2B5EF4-FFF2-40B4-BE49-F238E27FC236}">
+                <a16:creationId xmlns:a16="http://schemas.microsoft.com/office/drawing/2014/main" id="{BD4ED6D0-93D6-419F-9F8D-D5463B85BFD1}"/>
+              </a:ext>
+            </a:extLst>
+          </p:cNvPr>
+          <p:cNvSpPr/>
+          <p:nvPr/>
+        </p:nvSpPr>
+        <p:spPr bwMode="auto">
+          <a:xfrm>
+            <a:off x="2093682" y="3325954"/>
+            <a:ext cx="1162228" cy="437151"/>
+          </a:xfrm>
+          <a:prstGeom prst="flowChartDecision">
+            <a:avLst/>
+          </a:prstGeom>
+          <a:ln>
+            <a:solidFill>
+              <a:schemeClr val="bg1"/>
+            </a:solidFill>
+            <a:headEnd type="none" w="sm" len="sm"/>
+            <a:tailEnd type="none" w="sm" len="sm"/>
+          </a:ln>
+        </p:spPr>
+        <p:style>
+          <a:lnRef idx="2">
+            <a:schemeClr val="accent3"/>
+          </a:lnRef>
+          <a:fillRef idx="1">
+            <a:schemeClr val="lt1"/>
+          </a:fillRef>
+          <a:effectRef idx="0">
+            <a:schemeClr val="accent3"/>
+          </a:effectRef>
+          <a:fontRef idx="minor">
+            <a:schemeClr val="dk1"/>
+          </a:fontRef>
+        </p:style>
+        <p:txBody>
+          <a:bodyPr vert="horz" wrap="square" lIns="91440" tIns="45720" rIns="91440" bIns="45720" numCol="1" rtlCol="0" anchor="t" anchorCtr="0" compatLnSpc="1">
+            <a:prstTxWarp prst="textNoShape">
+              <a:avLst/>
+            </a:prstTxWarp>
+          </a:bodyPr>
+          <a:lstStyle/>
+          <a:p>
+            <a:pPr marL="0" marR="0" indent="0" algn="l" defTabSz="914400" rtl="0" eaLnBrk="0" fontAlgn="base" latinLnBrk="0" hangingPunct="0">
+              <a:lnSpc>
+                <a:spcPct val="100000"/>
+              </a:lnSpc>
+              <a:spcBef>
+                <a:spcPct val="0"/>
+              </a:spcBef>
+              <a:spcAft>
+                <a:spcPct val="0"/>
+              </a:spcAft>
+              <a:buClrTx/>
+              <a:buSzTx/>
+              <a:buFontTx/>
+              <a:buNone/>
+              <a:tabLst/>
+            </a:pPr>
+            <a:r>
+              <a:rPr kumimoji="0" lang="en-US" sz="900" b="0" i="0" u="none" strike="noStrike" cap="none" normalizeH="0" baseline="0" dirty="0">
+                <a:ln>
+                  <a:noFill/>
+                </a:ln>
+                <a:solidFill>
+                  <a:schemeClr val="tx1"/>
+                </a:solidFill>
+                <a:effectLst/>
+                <a:latin typeface="Arial" charset="0"/>
+              </a:rPr>
+              <a:t>All YES</a:t>
+            </a:r>
+          </a:p>
+        </p:txBody>
+      </p:sp>
+      <p:sp>
+        <p:nvSpPr>
+          <p:cNvPr id="30" name="Flowchart: Decision 29">
+            <a:extLst>
+              <a:ext uri="{FF2B5EF4-FFF2-40B4-BE49-F238E27FC236}">
+                <a16:creationId xmlns:a16="http://schemas.microsoft.com/office/drawing/2014/main" id="{40038E56-ACC4-4C12-87C0-77D1CA266011}"/>
+              </a:ext>
+            </a:extLst>
+          </p:cNvPr>
+          <p:cNvSpPr/>
+          <p:nvPr/>
+        </p:nvSpPr>
+        <p:spPr bwMode="auto">
+          <a:xfrm>
+            <a:off x="3726420" y="4052237"/>
+            <a:ext cx="1162228" cy="437151"/>
+          </a:xfrm>
+          <a:prstGeom prst="flowChartDecision">
+            <a:avLst/>
+          </a:prstGeom>
+          <a:ln>
+            <a:solidFill>
+              <a:schemeClr val="bg1"/>
+            </a:solidFill>
+            <a:headEnd type="none" w="sm" len="sm"/>
+            <a:tailEnd type="none" w="sm" len="sm"/>
+          </a:ln>
+        </p:spPr>
+        <p:style>
+          <a:lnRef idx="2">
+            <a:schemeClr val="accent3"/>
+          </a:lnRef>
+          <a:fillRef idx="1">
+            <a:schemeClr val="lt1"/>
+          </a:fillRef>
+          <a:effectRef idx="0">
+            <a:schemeClr val="accent3"/>
+          </a:effectRef>
+          <a:fontRef idx="minor">
+            <a:schemeClr val="dk1"/>
+          </a:fontRef>
+        </p:style>
+        <p:txBody>
+          <a:bodyPr vert="horz" wrap="square" lIns="91440" tIns="45720" rIns="91440" bIns="45720" numCol="1" rtlCol="0" anchor="t" anchorCtr="0" compatLnSpc="1">
+            <a:prstTxWarp prst="textNoShape">
+              <a:avLst/>
+            </a:prstTxWarp>
+          </a:bodyPr>
+          <a:lstStyle/>
+          <a:p>
+            <a:pPr marL="0" marR="0" indent="0" algn="l" defTabSz="914400" rtl="0" eaLnBrk="0" fontAlgn="base" latinLnBrk="0" hangingPunct="0">
+              <a:lnSpc>
+                <a:spcPct val="100000"/>
+              </a:lnSpc>
+              <a:spcBef>
+                <a:spcPct val="0"/>
+              </a:spcBef>
+              <a:spcAft>
+                <a:spcPct val="0"/>
+              </a:spcAft>
+              <a:buClrTx/>
+              <a:buSzTx/>
+              <a:buFontTx/>
+              <a:buNone/>
+              <a:tabLst/>
+            </a:pPr>
+            <a:r>
+              <a:rPr kumimoji="0" lang="en-US" sz="900" b="0" i="0" u="none" strike="noStrike" cap="none" normalizeH="0" baseline="0" dirty="0">
+                <a:ln>
+                  <a:noFill/>
+                </a:ln>
+                <a:solidFill>
+                  <a:schemeClr val="tx1"/>
+                </a:solidFill>
+                <a:effectLst/>
+                <a:latin typeface="Arial" charset="0"/>
+              </a:rPr>
+              <a:t>All YES</a:t>
+            </a:r>
+          </a:p>
+        </p:txBody>
+      </p:sp>
+      <p:sp>
+        <p:nvSpPr>
+          <p:cNvPr id="31" name="Flowchart: Decision 30">
+            <a:extLst>
+              <a:ext uri="{FF2B5EF4-FFF2-40B4-BE49-F238E27FC236}">
+                <a16:creationId xmlns:a16="http://schemas.microsoft.com/office/drawing/2014/main" id="{22FDC482-3A9B-4B0F-8983-FFDCBC44140C}"/>
+              </a:ext>
+            </a:extLst>
+          </p:cNvPr>
+          <p:cNvSpPr/>
+          <p:nvPr/>
+        </p:nvSpPr>
+        <p:spPr bwMode="auto">
+          <a:xfrm>
+            <a:off x="5414709" y="4787505"/>
+            <a:ext cx="1162228" cy="437151"/>
+          </a:xfrm>
+          <a:prstGeom prst="flowChartDecision">
+            <a:avLst/>
+          </a:prstGeom>
+          <a:ln>
+            <a:solidFill>
+              <a:schemeClr val="bg1"/>
+            </a:solidFill>
+            <a:headEnd type="none" w="sm" len="sm"/>
+            <a:tailEnd type="none" w="sm" len="sm"/>
+          </a:ln>
+        </p:spPr>
+        <p:style>
+          <a:lnRef idx="2">
+            <a:schemeClr val="accent3"/>
+          </a:lnRef>
+          <a:fillRef idx="1">
+            <a:schemeClr val="lt1"/>
+          </a:fillRef>
+          <a:effectRef idx="0">
+            <a:schemeClr val="accent3"/>
+          </a:effectRef>
+          <a:fontRef idx="minor">
+            <a:schemeClr val="dk1"/>
+          </a:fontRef>
+        </p:style>
+        <p:txBody>
+          <a:bodyPr vert="horz" wrap="square" lIns="91440" tIns="45720" rIns="91440" bIns="45720" numCol="1" rtlCol="0" anchor="t" anchorCtr="0" compatLnSpc="1">
+            <a:prstTxWarp prst="textNoShape">
+              <a:avLst/>
+            </a:prstTxWarp>
+          </a:bodyPr>
+          <a:lstStyle/>
+          <a:p>
+            <a:pPr marL="0" marR="0" indent="0" algn="l" defTabSz="914400" rtl="0" eaLnBrk="0" fontAlgn="base" latinLnBrk="0" hangingPunct="0">
+              <a:lnSpc>
+                <a:spcPct val="100000"/>
+              </a:lnSpc>
+              <a:spcBef>
+                <a:spcPct val="0"/>
+              </a:spcBef>
+              <a:spcAft>
+                <a:spcPct val="0"/>
+              </a:spcAft>
+              <a:buClrTx/>
+              <a:buSzTx/>
+              <a:buFontTx/>
+              <a:buNone/>
+              <a:tabLst/>
+            </a:pPr>
+            <a:r>
+              <a:rPr kumimoji="0" lang="en-US" sz="900" b="0" i="0" u="none" strike="noStrike" cap="none" normalizeH="0" baseline="0" dirty="0">
+                <a:ln>
+                  <a:noFill/>
+                </a:ln>
+                <a:solidFill>
+                  <a:schemeClr val="tx1"/>
+                </a:solidFill>
+                <a:effectLst/>
+                <a:latin typeface="Arial" charset="0"/>
+              </a:rPr>
+              <a:t>All YES</a:t>
+            </a:r>
+          </a:p>
+        </p:txBody>
+      </p:sp>
+      <p:sp>
+        <p:nvSpPr>
+          <p:cNvPr id="32" name="Flowchart: Decision 31">
+            <a:extLst>
+              <a:ext uri="{FF2B5EF4-FFF2-40B4-BE49-F238E27FC236}">
+                <a16:creationId xmlns:a16="http://schemas.microsoft.com/office/drawing/2014/main" id="{DD4ACBEE-4707-4DFE-8F9E-3A132A8B871C}"/>
+              </a:ext>
+            </a:extLst>
+          </p:cNvPr>
+          <p:cNvSpPr/>
+          <p:nvPr/>
+        </p:nvSpPr>
+        <p:spPr bwMode="auto">
+          <a:xfrm>
+            <a:off x="7002802" y="5523635"/>
+            <a:ext cx="1162228" cy="437151"/>
+          </a:xfrm>
+          <a:prstGeom prst="flowChartDecision">
+            <a:avLst/>
+          </a:prstGeom>
+          <a:ln>
+            <a:solidFill>
+              <a:schemeClr val="bg1"/>
+            </a:solidFill>
+            <a:headEnd type="none" w="sm" len="sm"/>
+            <a:tailEnd type="none" w="sm" len="sm"/>
+          </a:ln>
+        </p:spPr>
+        <p:style>
+          <a:lnRef idx="2">
+            <a:schemeClr val="accent3"/>
+          </a:lnRef>
+          <a:fillRef idx="1">
+            <a:schemeClr val="lt1"/>
+          </a:fillRef>
+          <a:effectRef idx="0">
+            <a:schemeClr val="accent3"/>
+          </a:effectRef>
+          <a:fontRef idx="minor">
+            <a:schemeClr val="dk1"/>
+          </a:fontRef>
+        </p:style>
+        <p:txBody>
+          <a:bodyPr vert="horz" wrap="square" lIns="91440" tIns="45720" rIns="91440" bIns="45720" numCol="1" rtlCol="0" anchor="t" anchorCtr="0" compatLnSpc="1">
+            <a:prstTxWarp prst="textNoShape">
+              <a:avLst/>
+            </a:prstTxWarp>
+          </a:bodyPr>
+          <a:lstStyle/>
+          <a:p>
+            <a:pPr marL="0" marR="0" indent="0" algn="l" defTabSz="914400" rtl="0" eaLnBrk="0" fontAlgn="base" latinLnBrk="0" hangingPunct="0">
+              <a:lnSpc>
+                <a:spcPct val="100000"/>
+              </a:lnSpc>
+              <a:spcBef>
+                <a:spcPct val="0"/>
+              </a:spcBef>
+              <a:spcAft>
+                <a:spcPct val="0"/>
+              </a:spcAft>
+              <a:buClrTx/>
+              <a:buSzTx/>
+              <a:buFontTx/>
+              <a:buNone/>
+              <a:tabLst/>
+            </a:pPr>
+            <a:r>
+              <a:rPr kumimoji="0" lang="en-US" sz="900" b="0" i="0" u="none" strike="noStrike" cap="none" normalizeH="0" baseline="0" dirty="0">
+                <a:ln>
+                  <a:noFill/>
+                </a:ln>
+                <a:solidFill>
+                  <a:schemeClr val="tx1"/>
+                </a:solidFill>
+                <a:effectLst/>
+                <a:latin typeface="Arial" charset="0"/>
+              </a:rPr>
+              <a:t>All YES</a:t>
+            </a:r>
+          </a:p>
+        </p:txBody>
+      </p:sp>
+      <p:sp>
+        <p:nvSpPr>
+          <p:cNvPr id="33" name="Rectangle: Rounded Corners 32">
+            <a:extLst>
+              <a:ext uri="{FF2B5EF4-FFF2-40B4-BE49-F238E27FC236}">
+                <a16:creationId xmlns:a16="http://schemas.microsoft.com/office/drawing/2014/main" id="{75C94096-B1A1-4A6D-B74B-671FE02D1715}"/>
+              </a:ext>
+            </a:extLst>
+          </p:cNvPr>
+          <p:cNvSpPr/>
+          <p:nvPr/>
+        </p:nvSpPr>
+        <p:spPr bwMode="auto">
+          <a:xfrm>
+            <a:off x="414412" y="3313812"/>
+            <a:ext cx="1256592" cy="461434"/>
+          </a:xfrm>
+          <a:prstGeom prst="roundRect">
+            <a:avLst/>
+          </a:prstGeom>
+          <a:solidFill>
+            <a:schemeClr val="bg1"/>
+          </a:solidFill>
+          <a:ln>
+            <a:solidFill>
+              <a:schemeClr val="bg1"/>
+            </a:solidFill>
+            <a:headEnd type="none" w="sm" len="sm"/>
+            <a:tailEnd type="none" w="sm" len="sm"/>
+          </a:ln>
+        </p:spPr>
+        <p:style>
+          <a:lnRef idx="1">
+            <a:schemeClr val="dk1"/>
+          </a:lnRef>
+          <a:fillRef idx="2">
+            <a:schemeClr val="dk1"/>
+          </a:fillRef>
+          <a:effectRef idx="1">
+            <a:schemeClr val="dk1"/>
+          </a:effectRef>
+          <a:fontRef idx="minor">
+            <a:schemeClr val="dk1"/>
+          </a:fontRef>
+        </p:style>
+        <p:txBody>
+          <a:bodyPr vert="horz" wrap="square" lIns="91440" tIns="45720" rIns="91440" bIns="45720" numCol="1" rtlCol="0" anchor="ctr" anchorCtr="0" compatLnSpc="1">
+            <a:prstTxWarp prst="textNoShape">
+              <a:avLst/>
+            </a:prstTxWarp>
+          </a:bodyPr>
+          <a:lstStyle/>
+          <a:p>
+            <a:pPr marL="0" marR="0" indent="0" algn="ctr" defTabSz="914400" rtl="0" eaLnBrk="0" fontAlgn="base" latinLnBrk="0" hangingPunct="0">
+              <a:lnSpc>
+                <a:spcPct val="100000"/>
+              </a:lnSpc>
+              <a:spcBef>
+                <a:spcPct val="0"/>
+              </a:spcBef>
+              <a:spcAft>
+                <a:spcPct val="0"/>
+              </a:spcAft>
+              <a:buClrTx/>
+              <a:buSzTx/>
+              <a:buFontTx/>
+              <a:buNone/>
+              <a:tabLst/>
+            </a:pPr>
+            <a:r>
+              <a:rPr lang="en-US" sz="1400" dirty="0">
+                <a:solidFill>
+                  <a:schemeClr val="tx1"/>
+                </a:solidFill>
+                <a:latin typeface="Arial" charset="0"/>
+              </a:rPr>
+              <a:t>Maturity Level 0</a:t>
+            </a:r>
+            <a:endParaRPr kumimoji="0" lang="en-US" sz="1400" b="0" i="0" u="none" strike="noStrike" cap="none" normalizeH="0" baseline="0" dirty="0">
+              <a:ln>
+                <a:noFill/>
+              </a:ln>
+              <a:solidFill>
+                <a:schemeClr val="tx1"/>
+              </a:solidFill>
+              <a:effectLst/>
+              <a:latin typeface="Arial" charset="0"/>
+            </a:endParaRPr>
+          </a:p>
+        </p:txBody>
+      </p:sp>
+      <p:sp>
+        <p:nvSpPr>
+          <p:cNvPr id="34" name="Rectangle: Rounded Corners 33">
+            <a:extLst>
+              <a:ext uri="{FF2B5EF4-FFF2-40B4-BE49-F238E27FC236}">
+                <a16:creationId xmlns:a16="http://schemas.microsoft.com/office/drawing/2014/main" id="{72A8741D-2431-40C1-BE02-101035BB7D44}"/>
+              </a:ext>
+            </a:extLst>
+          </p:cNvPr>
+          <p:cNvSpPr/>
+          <p:nvPr/>
+        </p:nvSpPr>
+        <p:spPr bwMode="auto">
+          <a:xfrm>
+            <a:off x="2046500" y="4040095"/>
+            <a:ext cx="1256592" cy="461434"/>
+          </a:xfrm>
+          <a:prstGeom prst="roundRect">
+            <a:avLst/>
+          </a:prstGeom>
+          <a:solidFill>
+            <a:schemeClr val="bg1"/>
+          </a:solidFill>
+          <a:ln>
+            <a:solidFill>
+              <a:schemeClr val="bg1"/>
+            </a:solidFill>
+            <a:headEnd type="none" w="sm" len="sm"/>
+            <a:tailEnd type="none" w="sm" len="sm"/>
+          </a:ln>
+        </p:spPr>
+        <p:style>
+          <a:lnRef idx="1">
+            <a:schemeClr val="dk1"/>
+          </a:lnRef>
+          <a:fillRef idx="2">
+            <a:schemeClr val="dk1"/>
+          </a:fillRef>
+          <a:effectRef idx="1">
+            <a:schemeClr val="dk1"/>
+          </a:effectRef>
+          <a:fontRef idx="minor">
+            <a:schemeClr val="dk1"/>
+          </a:fontRef>
+        </p:style>
+        <p:txBody>
+          <a:bodyPr vert="horz" wrap="square" lIns="91440" tIns="45720" rIns="91440" bIns="45720" numCol="1" rtlCol="0" anchor="ctr" anchorCtr="0" compatLnSpc="1">
+            <a:prstTxWarp prst="textNoShape">
+              <a:avLst/>
+            </a:prstTxWarp>
+          </a:bodyPr>
+          <a:lstStyle/>
+          <a:p>
+            <a:pPr marL="0" marR="0" indent="0" algn="ctr" defTabSz="914400" rtl="0" eaLnBrk="0" fontAlgn="base" latinLnBrk="0" hangingPunct="0">
+              <a:lnSpc>
+                <a:spcPct val="100000"/>
+              </a:lnSpc>
+              <a:spcBef>
+                <a:spcPct val="0"/>
+              </a:spcBef>
+              <a:spcAft>
+                <a:spcPct val="0"/>
+              </a:spcAft>
+              <a:buClrTx/>
+              <a:buSzTx/>
+              <a:buFontTx/>
+              <a:buNone/>
+              <a:tabLst/>
+            </a:pPr>
+            <a:r>
+              <a:rPr lang="en-US" sz="1400" dirty="0">
+                <a:solidFill>
+                  <a:schemeClr val="tx1"/>
+                </a:solidFill>
+                <a:latin typeface="Arial" charset="0"/>
+              </a:rPr>
+              <a:t>Maturity Level 1</a:t>
+            </a:r>
+            <a:endParaRPr kumimoji="0" lang="en-US" sz="1400" b="0" i="0" u="none" strike="noStrike" cap="none" normalizeH="0" baseline="0" dirty="0">
+              <a:ln>
+                <a:noFill/>
+              </a:ln>
+              <a:solidFill>
+                <a:schemeClr val="tx1"/>
+              </a:solidFill>
+              <a:effectLst/>
+              <a:latin typeface="Arial" charset="0"/>
+            </a:endParaRPr>
+          </a:p>
+        </p:txBody>
+      </p:sp>
+      <p:sp>
+        <p:nvSpPr>
+          <p:cNvPr id="35" name="Rectangle: Rounded Corners 34">
+            <a:extLst>
+              <a:ext uri="{FF2B5EF4-FFF2-40B4-BE49-F238E27FC236}">
+                <a16:creationId xmlns:a16="http://schemas.microsoft.com/office/drawing/2014/main" id="{1DA37281-6158-4C91-BDCC-C0878112DCAA}"/>
+              </a:ext>
+            </a:extLst>
+          </p:cNvPr>
+          <p:cNvSpPr/>
+          <p:nvPr/>
+        </p:nvSpPr>
+        <p:spPr bwMode="auto">
+          <a:xfrm>
+            <a:off x="3679238" y="4775363"/>
+            <a:ext cx="1256592" cy="461434"/>
+          </a:xfrm>
+          <a:prstGeom prst="roundRect">
+            <a:avLst/>
+          </a:prstGeom>
+          <a:solidFill>
+            <a:schemeClr val="bg1"/>
+          </a:solidFill>
+          <a:ln>
+            <a:solidFill>
+              <a:schemeClr val="bg1"/>
+            </a:solidFill>
+            <a:headEnd type="none" w="sm" len="sm"/>
+            <a:tailEnd type="none" w="sm" len="sm"/>
+          </a:ln>
+        </p:spPr>
+        <p:style>
+          <a:lnRef idx="1">
+            <a:schemeClr val="dk1"/>
+          </a:lnRef>
+          <a:fillRef idx="2">
+            <a:schemeClr val="dk1"/>
+          </a:fillRef>
+          <a:effectRef idx="1">
+            <a:schemeClr val="dk1"/>
+          </a:effectRef>
+          <a:fontRef idx="minor">
+            <a:schemeClr val="dk1"/>
+          </a:fontRef>
+        </p:style>
+        <p:txBody>
+          <a:bodyPr vert="horz" wrap="square" lIns="91440" tIns="45720" rIns="91440" bIns="45720" numCol="1" rtlCol="0" anchor="ctr" anchorCtr="0" compatLnSpc="1">
+            <a:prstTxWarp prst="textNoShape">
+              <a:avLst/>
+            </a:prstTxWarp>
+          </a:bodyPr>
+          <a:lstStyle/>
+          <a:p>
+            <a:pPr marL="0" marR="0" indent="0" algn="ctr" defTabSz="914400" rtl="0" eaLnBrk="0" fontAlgn="base" latinLnBrk="0" hangingPunct="0">
+              <a:lnSpc>
+                <a:spcPct val="100000"/>
+              </a:lnSpc>
+              <a:spcBef>
+                <a:spcPct val="0"/>
+              </a:spcBef>
+              <a:spcAft>
+                <a:spcPct val="0"/>
+              </a:spcAft>
+              <a:buClrTx/>
+              <a:buSzTx/>
+              <a:buFontTx/>
+              <a:buNone/>
+              <a:tabLst/>
+            </a:pPr>
+            <a:r>
+              <a:rPr lang="en-US" sz="1400" dirty="0">
+                <a:solidFill>
+                  <a:schemeClr val="tx1"/>
+                </a:solidFill>
+                <a:latin typeface="Arial" charset="0"/>
+              </a:rPr>
+              <a:t>Maturity Level 2</a:t>
+            </a:r>
+            <a:endParaRPr kumimoji="0" lang="en-US" sz="1400" b="0" i="0" u="none" strike="noStrike" cap="none" normalizeH="0" baseline="0" dirty="0">
+              <a:ln>
+                <a:noFill/>
+              </a:ln>
+              <a:solidFill>
+                <a:schemeClr val="tx1"/>
+              </a:solidFill>
+              <a:effectLst/>
+              <a:latin typeface="Arial" charset="0"/>
+            </a:endParaRPr>
+          </a:p>
+        </p:txBody>
+      </p:sp>
+      <p:sp>
+        <p:nvSpPr>
+          <p:cNvPr id="36" name="Rectangle: Rounded Corners 35">
+            <a:extLst>
+              <a:ext uri="{FF2B5EF4-FFF2-40B4-BE49-F238E27FC236}">
+                <a16:creationId xmlns:a16="http://schemas.microsoft.com/office/drawing/2014/main" id="{1295CE9D-CCF7-419E-99E5-44655995E087}"/>
+              </a:ext>
+            </a:extLst>
+          </p:cNvPr>
+          <p:cNvSpPr/>
+          <p:nvPr/>
+        </p:nvSpPr>
+        <p:spPr bwMode="auto">
+          <a:xfrm>
+            <a:off x="5367527" y="5511493"/>
+            <a:ext cx="1256592" cy="461434"/>
+          </a:xfrm>
+          <a:prstGeom prst="roundRect">
+            <a:avLst/>
+          </a:prstGeom>
+          <a:solidFill>
+            <a:schemeClr val="bg1"/>
+          </a:solidFill>
+          <a:ln>
+            <a:solidFill>
+              <a:schemeClr val="bg1"/>
+            </a:solidFill>
+            <a:headEnd type="none" w="sm" len="sm"/>
+            <a:tailEnd type="none" w="sm" len="sm"/>
+          </a:ln>
+        </p:spPr>
+        <p:style>
+          <a:lnRef idx="1">
+            <a:schemeClr val="dk1"/>
+          </a:lnRef>
+          <a:fillRef idx="2">
+            <a:schemeClr val="dk1"/>
+          </a:fillRef>
+          <a:effectRef idx="1">
+            <a:schemeClr val="dk1"/>
+          </a:effectRef>
+          <a:fontRef idx="minor">
+            <a:schemeClr val="dk1"/>
+          </a:fontRef>
+        </p:style>
+        <p:txBody>
+          <a:bodyPr vert="horz" wrap="square" lIns="91440" tIns="45720" rIns="91440" bIns="45720" numCol="1" rtlCol="0" anchor="ctr" anchorCtr="0" compatLnSpc="1">
+            <a:prstTxWarp prst="textNoShape">
+              <a:avLst/>
+            </a:prstTxWarp>
+          </a:bodyPr>
+          <a:lstStyle/>
+          <a:p>
+            <a:pPr marL="0" marR="0" indent="0" algn="ctr" defTabSz="914400" rtl="0" eaLnBrk="0" fontAlgn="base" latinLnBrk="0" hangingPunct="0">
+              <a:lnSpc>
+                <a:spcPct val="100000"/>
+              </a:lnSpc>
+              <a:spcBef>
+                <a:spcPct val="0"/>
+              </a:spcBef>
+              <a:spcAft>
+                <a:spcPct val="0"/>
+              </a:spcAft>
+              <a:buClrTx/>
+              <a:buSzTx/>
+              <a:buFontTx/>
+              <a:buNone/>
+              <a:tabLst/>
+            </a:pPr>
+            <a:r>
+              <a:rPr lang="en-US" sz="1400" dirty="0">
+                <a:solidFill>
+                  <a:schemeClr val="tx1"/>
+                </a:solidFill>
+                <a:latin typeface="Arial" charset="0"/>
+              </a:rPr>
+              <a:t>Maturity Level 3</a:t>
+            </a:r>
+            <a:endParaRPr kumimoji="0" lang="en-US" sz="1400" b="0" i="0" u="none" strike="noStrike" cap="none" normalizeH="0" baseline="0" dirty="0">
+              <a:ln>
+                <a:noFill/>
+              </a:ln>
+              <a:solidFill>
+                <a:schemeClr val="tx1"/>
+              </a:solidFill>
+              <a:effectLst/>
+              <a:latin typeface="Arial" charset="0"/>
+            </a:endParaRPr>
+          </a:p>
+        </p:txBody>
+      </p:sp>
+      <p:sp>
+        <p:nvSpPr>
+          <p:cNvPr id="37" name="Rectangle: Rounded Corners 36">
+            <a:extLst>
+              <a:ext uri="{FF2B5EF4-FFF2-40B4-BE49-F238E27FC236}">
+                <a16:creationId xmlns:a16="http://schemas.microsoft.com/office/drawing/2014/main" id="{116AF774-AC3D-4FFF-8DB0-B0A84D74C25A}"/>
+              </a:ext>
+            </a:extLst>
+          </p:cNvPr>
+          <p:cNvSpPr/>
+          <p:nvPr/>
+        </p:nvSpPr>
+        <p:spPr bwMode="auto">
+          <a:xfrm>
+            <a:off x="6955620" y="6213693"/>
+            <a:ext cx="1256592" cy="461434"/>
+          </a:xfrm>
+          <a:prstGeom prst="roundRect">
+            <a:avLst/>
+          </a:prstGeom>
+          <a:solidFill>
+            <a:schemeClr val="bg1"/>
+          </a:solidFill>
+          <a:ln>
+            <a:solidFill>
+              <a:schemeClr val="bg1"/>
+            </a:solidFill>
+            <a:headEnd type="none" w="sm" len="sm"/>
+            <a:tailEnd type="none" w="sm" len="sm"/>
+          </a:ln>
+        </p:spPr>
+        <p:style>
+          <a:lnRef idx="1">
+            <a:schemeClr val="dk1"/>
+          </a:lnRef>
+          <a:fillRef idx="2">
+            <a:schemeClr val="dk1"/>
+          </a:fillRef>
+          <a:effectRef idx="1">
+            <a:schemeClr val="dk1"/>
+          </a:effectRef>
+          <a:fontRef idx="minor">
+            <a:schemeClr val="dk1"/>
+          </a:fontRef>
+        </p:style>
+        <p:txBody>
+          <a:bodyPr vert="horz" wrap="square" lIns="91440" tIns="45720" rIns="91440" bIns="45720" numCol="1" rtlCol="0" anchor="ctr" anchorCtr="0" compatLnSpc="1">
+            <a:prstTxWarp prst="textNoShape">
+              <a:avLst/>
+            </a:prstTxWarp>
+          </a:bodyPr>
+          <a:lstStyle/>
+          <a:p>
+            <a:pPr marL="0" marR="0" indent="0" algn="ctr" defTabSz="914400" rtl="0" eaLnBrk="0" fontAlgn="base" latinLnBrk="0" hangingPunct="0">
+              <a:lnSpc>
+                <a:spcPct val="100000"/>
+              </a:lnSpc>
+              <a:spcBef>
+                <a:spcPct val="0"/>
+              </a:spcBef>
+              <a:spcAft>
+                <a:spcPct val="0"/>
+              </a:spcAft>
+              <a:buClrTx/>
+              <a:buSzTx/>
+              <a:buFontTx/>
+              <a:buNone/>
+              <a:tabLst/>
+            </a:pPr>
+            <a:r>
+              <a:rPr lang="en-US" sz="1400" dirty="0">
+                <a:solidFill>
+                  <a:schemeClr val="tx1"/>
+                </a:solidFill>
+                <a:latin typeface="Arial" charset="0"/>
+              </a:rPr>
+              <a:t>Maturity Level 4</a:t>
+            </a:r>
+            <a:endParaRPr kumimoji="0" lang="en-US" sz="1400" b="0" i="0" u="none" strike="noStrike" cap="none" normalizeH="0" baseline="0" dirty="0">
+              <a:ln>
+                <a:noFill/>
+              </a:ln>
+              <a:solidFill>
+                <a:schemeClr val="tx1"/>
+              </a:solidFill>
+              <a:effectLst/>
+              <a:latin typeface="Arial" charset="0"/>
+            </a:endParaRPr>
+          </a:p>
+        </p:txBody>
+      </p:sp>
+      <p:cxnSp>
+        <p:nvCxnSpPr>
+          <p:cNvPr id="80" name="Straight Arrow Connector 79">
+            <a:extLst>
+              <a:ext uri="{FF2B5EF4-FFF2-40B4-BE49-F238E27FC236}">
+                <a16:creationId xmlns:a16="http://schemas.microsoft.com/office/drawing/2014/main" id="{B60F2F8B-FC99-4D53-8AEA-E56DF19EC1F7}"/>
+              </a:ext>
+            </a:extLst>
+          </p:cNvPr>
+          <p:cNvCxnSpPr>
+            <a:cxnSpLocks/>
+            <a:stCxn id="13" idx="2"/>
+            <a:endCxn id="28" idx="0"/>
+          </p:cNvCxnSpPr>
+          <p:nvPr/>
+        </p:nvCxnSpPr>
+        <p:spPr bwMode="auto">
+          <a:xfrm>
+            <a:off x="1042708" y="2314121"/>
+            <a:ext cx="0" cy="302888"/>
+          </a:xfrm>
+          <a:prstGeom prst="straightConnector1">
+            <a:avLst/>
+          </a:prstGeom>
+          <a:ln>
+            <a:headEnd type="none" w="sm" len="sm"/>
+            <a:tailEnd type="triangle"/>
+          </a:ln>
+        </p:spPr>
+        <p:style>
+          <a:lnRef idx="2">
+            <a:schemeClr val="accent3"/>
+          </a:lnRef>
+          <a:fillRef idx="0">
+            <a:schemeClr val="accent3"/>
+          </a:fillRef>
+          <a:effectRef idx="1">
+            <a:schemeClr val="accent3"/>
+          </a:effectRef>
+          <a:fontRef idx="minor">
+            <a:schemeClr val="tx1"/>
+          </a:fontRef>
+        </p:style>
+      </p:cxnSp>
+      <p:cxnSp>
+        <p:nvCxnSpPr>
+          <p:cNvPr id="83" name="Straight Arrow Connector 82">
+            <a:extLst>
+              <a:ext uri="{FF2B5EF4-FFF2-40B4-BE49-F238E27FC236}">
+                <a16:creationId xmlns:a16="http://schemas.microsoft.com/office/drawing/2014/main" id="{759A7669-4798-44FB-95CB-E2C3D14966BE}"/>
+              </a:ext>
+            </a:extLst>
+          </p:cNvPr>
+          <p:cNvCxnSpPr>
+            <a:cxnSpLocks/>
+            <a:stCxn id="28" idx="2"/>
+            <a:endCxn id="33" idx="0"/>
+          </p:cNvCxnSpPr>
+          <p:nvPr/>
+        </p:nvCxnSpPr>
+        <p:spPr bwMode="auto">
+          <a:xfrm>
+            <a:off x="1042708" y="3054160"/>
+            <a:ext cx="0" cy="259652"/>
+          </a:xfrm>
+          <a:prstGeom prst="straightConnector1">
+            <a:avLst/>
+          </a:prstGeom>
+          <a:ln>
+            <a:headEnd type="none" w="sm" len="sm"/>
+            <a:tailEnd type="triangle"/>
+          </a:ln>
+        </p:spPr>
+        <p:style>
+          <a:lnRef idx="2">
+            <a:schemeClr val="accent3"/>
+          </a:lnRef>
+          <a:fillRef idx="0">
+            <a:schemeClr val="accent3"/>
+          </a:fillRef>
+          <a:effectRef idx="1">
+            <a:schemeClr val="accent3"/>
+          </a:effectRef>
+          <a:fontRef idx="minor">
+            <a:schemeClr val="tx1"/>
+          </a:fontRef>
+        </p:style>
+      </p:cxnSp>
+      <p:cxnSp>
+        <p:nvCxnSpPr>
+          <p:cNvPr id="86" name="Straight Arrow Connector 85">
+            <a:extLst>
+              <a:ext uri="{FF2B5EF4-FFF2-40B4-BE49-F238E27FC236}">
+                <a16:creationId xmlns:a16="http://schemas.microsoft.com/office/drawing/2014/main" id="{0F2E8AB8-8C25-4435-85E5-48A870D282A2}"/>
+              </a:ext>
+            </a:extLst>
+          </p:cNvPr>
+          <p:cNvCxnSpPr>
+            <a:cxnSpLocks/>
+            <a:stCxn id="32" idx="2"/>
+            <a:endCxn id="37" idx="0"/>
+          </p:cNvCxnSpPr>
+          <p:nvPr/>
+        </p:nvCxnSpPr>
+        <p:spPr bwMode="auto">
+          <a:xfrm>
+            <a:off x="7583916" y="5960786"/>
+            <a:ext cx="0" cy="252907"/>
+          </a:xfrm>
+          <a:prstGeom prst="straightConnector1">
+            <a:avLst/>
+          </a:prstGeom>
+          <a:ln>
+            <a:headEnd type="none" w="sm" len="sm"/>
+            <a:tailEnd type="triangle"/>
+          </a:ln>
+        </p:spPr>
+        <p:style>
+          <a:lnRef idx="2">
+            <a:schemeClr val="accent3"/>
+          </a:lnRef>
+          <a:fillRef idx="0">
+            <a:schemeClr val="accent3"/>
+          </a:fillRef>
+          <a:effectRef idx="1">
+            <a:schemeClr val="accent3"/>
+          </a:effectRef>
+          <a:fontRef idx="minor">
+            <a:schemeClr val="tx1"/>
+          </a:fontRef>
+        </p:style>
+      </p:cxnSp>
+      <p:cxnSp>
+        <p:nvCxnSpPr>
+          <p:cNvPr id="89" name="Straight Arrow Connector 88">
+            <a:extLst>
+              <a:ext uri="{FF2B5EF4-FFF2-40B4-BE49-F238E27FC236}">
+                <a16:creationId xmlns:a16="http://schemas.microsoft.com/office/drawing/2014/main" id="{B919AC31-3DCD-481A-A81A-63A72A5F168A}"/>
+              </a:ext>
+            </a:extLst>
+          </p:cNvPr>
+          <p:cNvCxnSpPr>
+            <a:cxnSpLocks/>
+            <a:stCxn id="27" idx="2"/>
+            <a:endCxn id="32" idx="0"/>
+          </p:cNvCxnSpPr>
+          <p:nvPr/>
+        </p:nvCxnSpPr>
+        <p:spPr bwMode="auto">
+          <a:xfrm>
+            <a:off x="7583916" y="5224656"/>
+            <a:ext cx="0" cy="298979"/>
+          </a:xfrm>
+          <a:prstGeom prst="straightConnector1">
+            <a:avLst/>
+          </a:prstGeom>
+          <a:ln>
+            <a:headEnd type="none" w="sm" len="sm"/>
+            <a:tailEnd type="triangle"/>
+          </a:ln>
+        </p:spPr>
+        <p:style>
+          <a:lnRef idx="2">
+            <a:schemeClr val="accent3"/>
+          </a:lnRef>
+          <a:fillRef idx="0">
+            <a:schemeClr val="accent3"/>
+          </a:fillRef>
+          <a:effectRef idx="1">
+            <a:schemeClr val="accent3"/>
+          </a:effectRef>
+          <a:fontRef idx="minor">
+            <a:schemeClr val="tx1"/>
+          </a:fontRef>
+        </p:style>
+      </p:cxnSp>
+      <p:cxnSp>
+        <p:nvCxnSpPr>
+          <p:cNvPr id="92" name="Straight Arrow Connector 91">
+            <a:extLst>
+              <a:ext uri="{FF2B5EF4-FFF2-40B4-BE49-F238E27FC236}">
+                <a16:creationId xmlns:a16="http://schemas.microsoft.com/office/drawing/2014/main" id="{20093DE1-369D-4570-B285-C22D957BD140}"/>
+              </a:ext>
+            </a:extLst>
+          </p:cNvPr>
+          <p:cNvCxnSpPr>
+            <a:cxnSpLocks/>
+            <a:stCxn id="26" idx="2"/>
+            <a:endCxn id="31" idx="0"/>
+          </p:cNvCxnSpPr>
+          <p:nvPr/>
+        </p:nvCxnSpPr>
+        <p:spPr bwMode="auto">
+          <a:xfrm>
+            <a:off x="5995823" y="4489388"/>
+            <a:ext cx="0" cy="298117"/>
+          </a:xfrm>
+          <a:prstGeom prst="straightConnector1">
+            <a:avLst/>
+          </a:prstGeom>
+          <a:ln>
+            <a:headEnd type="none" w="sm" len="sm"/>
+            <a:tailEnd type="triangle"/>
+          </a:ln>
+        </p:spPr>
+        <p:style>
+          <a:lnRef idx="2">
+            <a:schemeClr val="accent3"/>
+          </a:lnRef>
+          <a:fillRef idx="0">
+            <a:schemeClr val="accent3"/>
+          </a:fillRef>
+          <a:effectRef idx="1">
+            <a:schemeClr val="accent3"/>
+          </a:effectRef>
+          <a:fontRef idx="minor">
+            <a:schemeClr val="tx1"/>
+          </a:fontRef>
+        </p:style>
+      </p:cxnSp>
+      <p:cxnSp>
+        <p:nvCxnSpPr>
+          <p:cNvPr id="95" name="Straight Arrow Connector 94">
+            <a:extLst>
+              <a:ext uri="{FF2B5EF4-FFF2-40B4-BE49-F238E27FC236}">
+                <a16:creationId xmlns:a16="http://schemas.microsoft.com/office/drawing/2014/main" id="{36E34CE9-8146-4353-8719-2082E25045E4}"/>
+              </a:ext>
+            </a:extLst>
+          </p:cNvPr>
+          <p:cNvCxnSpPr>
+            <a:cxnSpLocks/>
+            <a:stCxn id="31" idx="2"/>
+            <a:endCxn id="36" idx="0"/>
+          </p:cNvCxnSpPr>
+          <p:nvPr/>
+        </p:nvCxnSpPr>
+        <p:spPr bwMode="auto">
+          <a:xfrm>
+            <a:off x="5995823" y="5224656"/>
+            <a:ext cx="0" cy="286837"/>
+          </a:xfrm>
+          <a:prstGeom prst="straightConnector1">
+            <a:avLst/>
+          </a:prstGeom>
+          <a:ln>
+            <a:headEnd type="none" w="sm" len="sm"/>
+            <a:tailEnd type="triangle"/>
+          </a:ln>
+        </p:spPr>
+        <p:style>
+          <a:lnRef idx="2">
+            <a:schemeClr val="accent3"/>
+          </a:lnRef>
+          <a:fillRef idx="0">
+            <a:schemeClr val="accent3"/>
+          </a:fillRef>
+          <a:effectRef idx="1">
+            <a:schemeClr val="accent3"/>
+          </a:effectRef>
+          <a:fontRef idx="minor">
+            <a:schemeClr val="tx1"/>
+          </a:fontRef>
+        </p:style>
+      </p:cxnSp>
+      <p:cxnSp>
+        <p:nvCxnSpPr>
+          <p:cNvPr id="99" name="Straight Arrow Connector 98">
+            <a:extLst>
+              <a:ext uri="{FF2B5EF4-FFF2-40B4-BE49-F238E27FC236}">
+                <a16:creationId xmlns:a16="http://schemas.microsoft.com/office/drawing/2014/main" id="{B1C0995A-43D5-40DA-91C1-636592D3426C}"/>
+              </a:ext>
+            </a:extLst>
+          </p:cNvPr>
+          <p:cNvCxnSpPr>
+            <a:cxnSpLocks/>
+            <a:stCxn id="25" idx="2"/>
+            <a:endCxn id="30" idx="0"/>
+          </p:cNvCxnSpPr>
+          <p:nvPr/>
+        </p:nvCxnSpPr>
+        <p:spPr bwMode="auto">
+          <a:xfrm>
+            <a:off x="4307534" y="3763105"/>
+            <a:ext cx="0" cy="289132"/>
+          </a:xfrm>
+          <a:prstGeom prst="straightConnector1">
+            <a:avLst/>
+          </a:prstGeom>
+          <a:ln>
+            <a:headEnd type="none" w="sm" len="sm"/>
+            <a:tailEnd type="triangle"/>
+          </a:ln>
+        </p:spPr>
+        <p:style>
+          <a:lnRef idx="2">
+            <a:schemeClr val="accent3"/>
+          </a:lnRef>
+          <a:fillRef idx="0">
+            <a:schemeClr val="accent3"/>
+          </a:fillRef>
+          <a:effectRef idx="1">
+            <a:schemeClr val="accent3"/>
+          </a:effectRef>
+          <a:fontRef idx="minor">
+            <a:schemeClr val="tx1"/>
+          </a:fontRef>
+        </p:style>
+      </p:cxnSp>
+      <p:cxnSp>
+        <p:nvCxnSpPr>
+          <p:cNvPr id="102" name="Straight Arrow Connector 101">
+            <a:extLst>
+              <a:ext uri="{FF2B5EF4-FFF2-40B4-BE49-F238E27FC236}">
+                <a16:creationId xmlns:a16="http://schemas.microsoft.com/office/drawing/2014/main" id="{F6197BBE-DF75-48CD-AB5E-B5A55FC00319}"/>
+              </a:ext>
+            </a:extLst>
+          </p:cNvPr>
+          <p:cNvCxnSpPr>
+            <a:cxnSpLocks/>
+            <a:stCxn id="30" idx="2"/>
+            <a:endCxn id="35" idx="0"/>
+          </p:cNvCxnSpPr>
+          <p:nvPr/>
+        </p:nvCxnSpPr>
+        <p:spPr bwMode="auto">
+          <a:xfrm>
+            <a:off x="4307534" y="4489388"/>
+            <a:ext cx="0" cy="285975"/>
+          </a:xfrm>
+          <a:prstGeom prst="straightConnector1">
+            <a:avLst/>
+          </a:prstGeom>
+          <a:ln>
+            <a:headEnd type="none" w="sm" len="sm"/>
+            <a:tailEnd type="triangle"/>
+          </a:ln>
+        </p:spPr>
+        <p:style>
+          <a:lnRef idx="2">
+            <a:schemeClr val="accent3"/>
+          </a:lnRef>
+          <a:fillRef idx="0">
+            <a:schemeClr val="accent3"/>
+          </a:fillRef>
+          <a:effectRef idx="1">
+            <a:schemeClr val="accent3"/>
+          </a:effectRef>
+          <a:fontRef idx="minor">
+            <a:schemeClr val="tx1"/>
+          </a:fontRef>
+        </p:style>
+      </p:cxnSp>
+      <p:cxnSp>
+        <p:nvCxnSpPr>
+          <p:cNvPr id="105" name="Straight Arrow Connector 104">
+            <a:extLst>
+              <a:ext uri="{FF2B5EF4-FFF2-40B4-BE49-F238E27FC236}">
+                <a16:creationId xmlns:a16="http://schemas.microsoft.com/office/drawing/2014/main" id="{E1889E20-453D-4670-A136-795C7232D8FB}"/>
+              </a:ext>
+            </a:extLst>
+          </p:cNvPr>
+          <p:cNvCxnSpPr>
+            <a:cxnSpLocks/>
+            <a:stCxn id="24" idx="2"/>
+            <a:endCxn id="29" idx="0"/>
+          </p:cNvCxnSpPr>
+          <p:nvPr/>
+        </p:nvCxnSpPr>
+        <p:spPr bwMode="auto">
+          <a:xfrm>
+            <a:off x="2674796" y="3054160"/>
+            <a:ext cx="0" cy="271794"/>
+          </a:xfrm>
+          <a:prstGeom prst="straightConnector1">
+            <a:avLst/>
+          </a:prstGeom>
+          <a:ln>
+            <a:headEnd type="none" w="sm" len="sm"/>
+            <a:tailEnd type="triangle"/>
+          </a:ln>
+        </p:spPr>
+        <p:style>
+          <a:lnRef idx="2">
+            <a:schemeClr val="accent3"/>
+          </a:lnRef>
+          <a:fillRef idx="0">
+            <a:schemeClr val="accent3"/>
+          </a:fillRef>
+          <a:effectRef idx="1">
+            <a:schemeClr val="accent3"/>
+          </a:effectRef>
+          <a:fontRef idx="minor">
+            <a:schemeClr val="tx1"/>
+          </a:fontRef>
+        </p:style>
+      </p:cxnSp>
+      <p:cxnSp>
+        <p:nvCxnSpPr>
+          <p:cNvPr id="108" name="Straight Arrow Connector 107">
+            <a:extLst>
+              <a:ext uri="{FF2B5EF4-FFF2-40B4-BE49-F238E27FC236}">
+                <a16:creationId xmlns:a16="http://schemas.microsoft.com/office/drawing/2014/main" id="{91DA2378-E390-4548-8581-24A6439B0033}"/>
+              </a:ext>
+            </a:extLst>
+          </p:cNvPr>
+          <p:cNvCxnSpPr>
+            <a:cxnSpLocks/>
+            <a:stCxn id="29" idx="2"/>
+            <a:endCxn id="34" idx="0"/>
+          </p:cNvCxnSpPr>
+          <p:nvPr/>
+        </p:nvCxnSpPr>
+        <p:spPr bwMode="auto">
+          <a:xfrm>
+            <a:off x="2674796" y="3763105"/>
+            <a:ext cx="0" cy="276990"/>
+          </a:xfrm>
+          <a:prstGeom prst="straightConnector1">
+            <a:avLst/>
+          </a:prstGeom>
+          <a:ln>
+            <a:headEnd type="none" w="sm" len="sm"/>
+            <a:tailEnd type="triangle"/>
+          </a:ln>
+        </p:spPr>
+        <p:style>
+          <a:lnRef idx="2">
+            <a:schemeClr val="accent3"/>
+          </a:lnRef>
+          <a:fillRef idx="0">
+            <a:schemeClr val="accent3"/>
+          </a:fillRef>
+          <a:effectRef idx="1">
+            <a:schemeClr val="accent3"/>
+          </a:effectRef>
+          <a:fontRef idx="minor">
+            <a:schemeClr val="tx1"/>
+          </a:fontRef>
+        </p:style>
+      </p:cxnSp>
+      <p:cxnSp>
+        <p:nvCxnSpPr>
+          <p:cNvPr id="111" name="Straight Arrow Connector 110">
+            <a:extLst>
+              <a:ext uri="{FF2B5EF4-FFF2-40B4-BE49-F238E27FC236}">
+                <a16:creationId xmlns:a16="http://schemas.microsoft.com/office/drawing/2014/main" id="{92579403-CEFD-48C4-A02B-0BEDD327CFA8}"/>
+              </a:ext>
+            </a:extLst>
+          </p:cNvPr>
+          <p:cNvCxnSpPr>
+            <a:cxnSpLocks/>
+            <a:stCxn id="28" idx="3"/>
+            <a:endCxn id="24" idx="1"/>
+          </p:cNvCxnSpPr>
+          <p:nvPr/>
+        </p:nvCxnSpPr>
+        <p:spPr bwMode="auto">
+          <a:xfrm>
+            <a:off x="1623822" y="2835585"/>
+            <a:ext cx="419889" cy="0"/>
+          </a:xfrm>
+          <a:prstGeom prst="straightConnector1">
+            <a:avLst/>
+          </a:prstGeom>
+          <a:ln>
+            <a:headEnd type="none" w="sm" len="sm"/>
+            <a:tailEnd type="triangle"/>
+          </a:ln>
+        </p:spPr>
+        <p:style>
+          <a:lnRef idx="2">
+            <a:schemeClr val="accent3"/>
+          </a:lnRef>
+          <a:fillRef idx="0">
+            <a:schemeClr val="accent3"/>
+          </a:fillRef>
+          <a:effectRef idx="1">
+            <a:schemeClr val="accent3"/>
+          </a:effectRef>
+          <a:fontRef idx="minor">
+            <a:schemeClr val="tx1"/>
+          </a:fontRef>
+        </p:style>
+      </p:cxnSp>
+      <p:cxnSp>
+        <p:nvCxnSpPr>
+          <p:cNvPr id="114" name="Straight Arrow Connector 113">
+            <a:extLst>
+              <a:ext uri="{FF2B5EF4-FFF2-40B4-BE49-F238E27FC236}">
+                <a16:creationId xmlns:a16="http://schemas.microsoft.com/office/drawing/2014/main" id="{1D38EDB9-902C-478A-82A3-69D163B4901C}"/>
+              </a:ext>
+            </a:extLst>
+          </p:cNvPr>
+          <p:cNvCxnSpPr>
+            <a:cxnSpLocks/>
+            <a:stCxn id="29" idx="3"/>
+            <a:endCxn id="25" idx="1"/>
+          </p:cNvCxnSpPr>
+          <p:nvPr/>
+        </p:nvCxnSpPr>
+        <p:spPr bwMode="auto">
+          <a:xfrm>
+            <a:off x="3255910" y="3544530"/>
+            <a:ext cx="420539" cy="0"/>
+          </a:xfrm>
+          <a:prstGeom prst="straightConnector1">
+            <a:avLst/>
+          </a:prstGeom>
+          <a:ln>
+            <a:headEnd type="none" w="sm" len="sm"/>
+            <a:tailEnd type="triangle"/>
+          </a:ln>
+        </p:spPr>
+        <p:style>
+          <a:lnRef idx="2">
+            <a:schemeClr val="accent3"/>
+          </a:lnRef>
+          <a:fillRef idx="0">
+            <a:schemeClr val="accent3"/>
+          </a:fillRef>
+          <a:effectRef idx="1">
+            <a:schemeClr val="accent3"/>
+          </a:effectRef>
+          <a:fontRef idx="minor">
+            <a:schemeClr val="tx1"/>
+          </a:fontRef>
+        </p:style>
+      </p:cxnSp>
+      <p:cxnSp>
+        <p:nvCxnSpPr>
+          <p:cNvPr id="117" name="Straight Arrow Connector 116">
+            <a:extLst>
+              <a:ext uri="{FF2B5EF4-FFF2-40B4-BE49-F238E27FC236}">
+                <a16:creationId xmlns:a16="http://schemas.microsoft.com/office/drawing/2014/main" id="{14515E34-0AFF-4948-951F-E5EE57B937B3}"/>
+              </a:ext>
+            </a:extLst>
+          </p:cNvPr>
+          <p:cNvCxnSpPr>
+            <a:cxnSpLocks/>
+            <a:stCxn id="30" idx="3"/>
+            <a:endCxn id="26" idx="1"/>
+          </p:cNvCxnSpPr>
+          <p:nvPr/>
+        </p:nvCxnSpPr>
+        <p:spPr bwMode="auto">
+          <a:xfrm>
+            <a:off x="4888648" y="4270813"/>
+            <a:ext cx="476090" cy="0"/>
+          </a:xfrm>
+          <a:prstGeom prst="straightConnector1">
+            <a:avLst/>
+          </a:prstGeom>
+          <a:ln>
+            <a:headEnd type="none" w="sm" len="sm"/>
+            <a:tailEnd type="triangle"/>
+          </a:ln>
+        </p:spPr>
+        <p:style>
+          <a:lnRef idx="2">
+            <a:schemeClr val="accent3"/>
+          </a:lnRef>
+          <a:fillRef idx="0">
+            <a:schemeClr val="accent3"/>
+          </a:fillRef>
+          <a:effectRef idx="1">
+            <a:schemeClr val="accent3"/>
+          </a:effectRef>
+          <a:fontRef idx="minor">
+            <a:schemeClr val="tx1"/>
+          </a:fontRef>
+        </p:style>
+      </p:cxnSp>
+      <p:cxnSp>
+        <p:nvCxnSpPr>
+          <p:cNvPr id="120" name="Straight Arrow Connector 119">
+            <a:extLst>
+              <a:ext uri="{FF2B5EF4-FFF2-40B4-BE49-F238E27FC236}">
+                <a16:creationId xmlns:a16="http://schemas.microsoft.com/office/drawing/2014/main" id="{4EA5AD7A-D247-45E3-A357-E8A32F6A686D}"/>
+              </a:ext>
+            </a:extLst>
+          </p:cNvPr>
+          <p:cNvCxnSpPr>
+            <a:cxnSpLocks/>
+            <a:stCxn id="31" idx="3"/>
+            <a:endCxn id="27" idx="1"/>
+          </p:cNvCxnSpPr>
+          <p:nvPr/>
+        </p:nvCxnSpPr>
+        <p:spPr bwMode="auto">
+          <a:xfrm>
+            <a:off x="6576937" y="5006081"/>
+            <a:ext cx="375894" cy="0"/>
+          </a:xfrm>
+          <a:prstGeom prst="straightConnector1">
+            <a:avLst/>
+          </a:prstGeom>
+          <a:ln>
+            <a:headEnd type="none" w="sm" len="sm"/>
+            <a:tailEnd type="triangle"/>
+          </a:ln>
+        </p:spPr>
+        <p:style>
+          <a:lnRef idx="2">
+            <a:schemeClr val="accent3"/>
+          </a:lnRef>
+          <a:fillRef idx="0">
+            <a:schemeClr val="accent3"/>
+          </a:fillRef>
+          <a:effectRef idx="1">
+            <a:schemeClr val="accent3"/>
+          </a:effectRef>
+          <a:fontRef idx="minor">
+            <a:schemeClr val="tx1"/>
+          </a:fontRef>
+        </p:style>
+      </p:cxnSp>
+      <p:sp>
+        <p:nvSpPr>
+          <p:cNvPr id="123" name="Rectangle: Rounded Corners 122">
+            <a:extLst>
+              <a:ext uri="{FF2B5EF4-FFF2-40B4-BE49-F238E27FC236}">
+                <a16:creationId xmlns:a16="http://schemas.microsoft.com/office/drawing/2014/main" id="{B46AA925-88BD-42DC-A6C5-C271043C951F}"/>
+              </a:ext>
+            </a:extLst>
+          </p:cNvPr>
+          <p:cNvSpPr/>
+          <p:nvPr/>
+        </p:nvSpPr>
+        <p:spPr bwMode="auto">
+          <a:xfrm>
+            <a:off x="8496530" y="5511493"/>
+            <a:ext cx="1256592" cy="461434"/>
+          </a:xfrm>
+          <a:prstGeom prst="roundRect">
+            <a:avLst/>
+          </a:prstGeom>
+          <a:solidFill>
+            <a:schemeClr val="bg1"/>
+          </a:solidFill>
+          <a:ln>
+            <a:solidFill>
+              <a:schemeClr val="bg1"/>
+            </a:solidFill>
+            <a:headEnd type="none" w="sm" len="sm"/>
+            <a:tailEnd type="none" w="sm" len="sm"/>
+          </a:ln>
+        </p:spPr>
+        <p:style>
+          <a:lnRef idx="1">
+            <a:schemeClr val="dk1"/>
+          </a:lnRef>
+          <a:fillRef idx="2">
+            <a:schemeClr val="dk1"/>
+          </a:fillRef>
+          <a:effectRef idx="1">
+            <a:schemeClr val="dk1"/>
+          </a:effectRef>
+          <a:fontRef idx="minor">
+            <a:schemeClr val="dk1"/>
+          </a:fontRef>
+        </p:style>
+        <p:txBody>
+          <a:bodyPr vert="horz" wrap="square" lIns="91440" tIns="45720" rIns="91440" bIns="45720" numCol="1" rtlCol="0" anchor="ctr" anchorCtr="0" compatLnSpc="1">
+            <a:prstTxWarp prst="textNoShape">
+              <a:avLst/>
+            </a:prstTxWarp>
+          </a:bodyPr>
+          <a:lstStyle/>
+          <a:p>
+            <a:pPr marL="0" marR="0" indent="0" algn="ctr" defTabSz="914400" rtl="0" eaLnBrk="0" fontAlgn="base" latinLnBrk="0" hangingPunct="0">
+              <a:lnSpc>
+                <a:spcPct val="100000"/>
+              </a:lnSpc>
+              <a:spcBef>
+                <a:spcPct val="0"/>
+              </a:spcBef>
+              <a:spcAft>
+                <a:spcPct val="0"/>
+              </a:spcAft>
+              <a:buClrTx/>
+              <a:buSzTx/>
+              <a:buFontTx/>
+              <a:buNone/>
+              <a:tabLst/>
+            </a:pPr>
+            <a:r>
+              <a:rPr lang="en-US" sz="1400" dirty="0">
+                <a:solidFill>
+                  <a:schemeClr val="tx1"/>
+                </a:solidFill>
+                <a:latin typeface="Arial" charset="0"/>
+              </a:rPr>
+              <a:t>Maturity Level 4</a:t>
+            </a:r>
+            <a:endParaRPr kumimoji="0" lang="en-US" sz="1400" b="0" i="0" u="none" strike="noStrike" cap="none" normalizeH="0" baseline="0" dirty="0">
+              <a:ln>
+                <a:noFill/>
+              </a:ln>
+              <a:solidFill>
+                <a:schemeClr val="tx1"/>
+              </a:solidFill>
+              <a:effectLst/>
+              <a:latin typeface="Arial" charset="0"/>
+            </a:endParaRPr>
+          </a:p>
+        </p:txBody>
+      </p:sp>
+      <p:cxnSp>
+        <p:nvCxnSpPr>
+          <p:cNvPr id="124" name="Straight Arrow Connector 123">
+            <a:extLst>
+              <a:ext uri="{FF2B5EF4-FFF2-40B4-BE49-F238E27FC236}">
+                <a16:creationId xmlns:a16="http://schemas.microsoft.com/office/drawing/2014/main" id="{A91CCC50-16BB-4921-B700-EF6811384AF5}"/>
+              </a:ext>
+            </a:extLst>
+          </p:cNvPr>
+          <p:cNvCxnSpPr>
+            <a:cxnSpLocks/>
+            <a:stCxn id="32" idx="3"/>
+            <a:endCxn id="123" idx="1"/>
+          </p:cNvCxnSpPr>
+          <p:nvPr/>
+        </p:nvCxnSpPr>
+        <p:spPr bwMode="auto">
+          <a:xfrm flipV="1">
+            <a:off x="8165030" y="5742210"/>
+            <a:ext cx="331500" cy="1"/>
+          </a:xfrm>
+          <a:prstGeom prst="straightConnector1">
+            <a:avLst/>
+          </a:prstGeom>
+          <a:ln>
+            <a:headEnd type="none" w="sm" len="sm"/>
+            <a:tailEnd type="triangle"/>
+          </a:ln>
+        </p:spPr>
+        <p:style>
+          <a:lnRef idx="2">
+            <a:schemeClr val="accent3"/>
+          </a:lnRef>
+          <a:fillRef idx="0">
+            <a:schemeClr val="accent3"/>
+          </a:fillRef>
+          <a:effectRef idx="1">
+            <a:schemeClr val="accent3"/>
+          </a:effectRef>
+          <a:fontRef idx="minor">
+            <a:schemeClr val="tx1"/>
+          </a:fontRef>
+        </p:style>
+      </p:cxnSp>
+      <p:graphicFrame>
+        <p:nvGraphicFramePr>
+          <p:cNvPr id="129" name="Table 129">
+            <a:extLst>
+              <a:ext uri="{FF2B5EF4-FFF2-40B4-BE49-F238E27FC236}">
+                <a16:creationId xmlns:a16="http://schemas.microsoft.com/office/drawing/2014/main" id="{599C1500-77C7-454C-8CB6-1AF8B45EFBCE}"/>
+              </a:ext>
+            </a:extLst>
+          </p:cNvPr>
+          <p:cNvGraphicFramePr>
+            <a:graphicFrameLocks noGrp="1"/>
+          </p:cNvGraphicFramePr>
+          <p:nvPr>
+            <p:extLst>
+              <p:ext uri="{D42A27DB-BD31-4B8C-83A1-F6EECF244321}">
+                <p14:modId xmlns:p14="http://schemas.microsoft.com/office/powerpoint/2010/main" val="2969580687"/>
+              </p:ext>
+            </p:extLst>
+          </p:nvPr>
+        </p:nvGraphicFramePr>
+        <p:xfrm>
+          <a:off x="5626311" y="1160474"/>
+          <a:ext cx="6173469" cy="2225040"/>
+        </p:xfrm>
+        <a:graphic>
+          <a:graphicData uri="http://schemas.openxmlformats.org/drawingml/2006/table">
+            <a:tbl>
+              <a:tblPr firstRow="1" bandRow="1">
+                <a:tableStyleId>{F2DE63D5-997A-4646-A377-4702673A728D}</a:tableStyleId>
+              </a:tblPr>
+              <a:tblGrid>
+                <a:gridCol w="1353580">
+                  <a:extLst>
+                    <a:ext uri="{9D8B030D-6E8A-4147-A177-3AD203B41FA5}">
+                      <a16:colId xmlns:a16="http://schemas.microsoft.com/office/drawing/2014/main" val="1269394511"/>
+                    </a:ext>
+                  </a:extLst>
+                </a:gridCol>
+                <a:gridCol w="2595965">
+                  <a:extLst>
+                    <a:ext uri="{9D8B030D-6E8A-4147-A177-3AD203B41FA5}">
+                      <a16:colId xmlns:a16="http://schemas.microsoft.com/office/drawing/2014/main" val="3817600966"/>
+                    </a:ext>
+                  </a:extLst>
+                </a:gridCol>
+                <a:gridCol w="2223924">
+                  <a:extLst>
+                    <a:ext uri="{9D8B030D-6E8A-4147-A177-3AD203B41FA5}">
+                      <a16:colId xmlns:a16="http://schemas.microsoft.com/office/drawing/2014/main" val="3875499888"/>
+                    </a:ext>
+                  </a:extLst>
+                </a:gridCol>
+              </a:tblGrid>
+              <a:tr h="370840">
+                <a:tc>
+                  <a:txBody>
+                    <a:bodyPr/>
+                    <a:lstStyle/>
+                    <a:p>
+                      <a:r>
+                        <a:rPr lang="en-US" sz="1400" dirty="0">
+                          <a:solidFill>
+                            <a:schemeClr val="tx1"/>
+                          </a:solidFill>
+                        </a:rPr>
+                        <a:t>Activity</a:t>
+                      </a:r>
+                    </a:p>
+                  </a:txBody>
+                  <a:tcPr/>
+                </a:tc>
+                <a:tc>
+                  <a:txBody>
+                    <a:bodyPr/>
+                    <a:lstStyle/>
+                    <a:p>
+                      <a:r>
+                        <a:rPr lang="en-US" sz="1400" dirty="0">
+                          <a:solidFill>
+                            <a:schemeClr val="tx1"/>
+                          </a:solidFill>
+                        </a:rPr>
+                        <a:t>Question</a:t>
+                      </a:r>
+                    </a:p>
+                  </a:txBody>
+                  <a:tcPr/>
+                </a:tc>
+                <a:tc>
+                  <a:txBody>
+                    <a:bodyPr/>
+                    <a:lstStyle/>
+                    <a:p>
+                      <a:r>
+                        <a:rPr lang="en-US" sz="1400" dirty="0">
+                          <a:solidFill>
+                            <a:schemeClr val="tx1"/>
+                          </a:solidFill>
+                        </a:rPr>
+                        <a:t>Maturity Level Indicator</a:t>
+                      </a:r>
+                    </a:p>
+                  </a:txBody>
+                  <a:tcPr/>
+                </a:tc>
+                <a:extLst>
+                  <a:ext uri="{0D108BD9-81ED-4DB2-BD59-A6C34878D82A}">
+                    <a16:rowId xmlns:a16="http://schemas.microsoft.com/office/drawing/2014/main" val="1624020223"/>
+                  </a:ext>
+                </a:extLst>
+              </a:tr>
+              <a:tr h="370840">
+                <a:tc rowSpan="5">
+                  <a:txBody>
+                    <a:bodyPr/>
+                    <a:lstStyle/>
+                    <a:p>
+                      <a:r>
+                        <a:rPr lang="en-US" sz="1400" dirty="0">
+                          <a:solidFill>
+                            <a:schemeClr val="bg1"/>
+                          </a:solidFill>
+                        </a:rPr>
+                        <a:t>Activity Name</a:t>
+                      </a:r>
+                    </a:p>
+                  </a:txBody>
+                  <a:tcPr/>
+                </a:tc>
+                <a:tc>
+                  <a:txBody>
+                    <a:bodyPr/>
+                    <a:lstStyle/>
+                    <a:p>
+                      <a:r>
+                        <a:rPr lang="en-US" sz="1400" dirty="0">
+                          <a:solidFill>
+                            <a:schemeClr val="bg1"/>
+                          </a:solidFill>
+                        </a:rPr>
+                        <a:t>Questions for maturity level 1</a:t>
+                      </a:r>
+                    </a:p>
+                  </a:txBody>
+                  <a:tcPr/>
+                </a:tc>
+                <a:tc>
+                  <a:txBody>
+                    <a:bodyPr/>
+                    <a:lstStyle/>
+                    <a:p>
+                      <a:r>
+                        <a:rPr lang="en-US" sz="1400" dirty="0">
+                          <a:solidFill>
+                            <a:schemeClr val="bg1"/>
+                          </a:solidFill>
+                        </a:rPr>
+                        <a:t>1</a:t>
+                      </a:r>
+                    </a:p>
+                  </a:txBody>
+                  <a:tcPr/>
+                </a:tc>
+                <a:extLst>
+                  <a:ext uri="{0D108BD9-81ED-4DB2-BD59-A6C34878D82A}">
+                    <a16:rowId xmlns:a16="http://schemas.microsoft.com/office/drawing/2014/main" val="3168831764"/>
+                  </a:ext>
+                </a:extLst>
+              </a:tr>
+              <a:tr h="370840">
+                <a:tc vMerge="1">
+                  <a:txBody>
+                    <a:bodyPr/>
+                    <a:lstStyle/>
+                    <a:p>
+                      <a:endParaRPr lang="en-US" dirty="0"/>
+                    </a:p>
+                  </a:txBody>
+                  <a:tcPr/>
+                </a:tc>
+                <a:tc>
+                  <a:txBody>
+                    <a:bodyPr/>
+                    <a:lstStyle/>
+                    <a:p>
+                      <a:pPr marL="0" marR="0" lvl="0" indent="0" algn="l" defTabSz="914400" rtl="0" eaLnBrk="1" fontAlgn="auto" latinLnBrk="0" hangingPunct="1">
+                        <a:lnSpc>
+                          <a:spcPct val="100000"/>
+                        </a:lnSpc>
+                        <a:spcBef>
+                          <a:spcPts val="0"/>
+                        </a:spcBef>
+                        <a:spcAft>
+                          <a:spcPts val="0"/>
+                        </a:spcAft>
+                        <a:buClrTx/>
+                        <a:buSzTx/>
+                        <a:buFontTx/>
+                        <a:buNone/>
+                        <a:tabLst/>
+                        <a:defRPr/>
+                      </a:pPr>
+                      <a:r>
+                        <a:rPr lang="en-US" sz="1400" dirty="0">
+                          <a:solidFill>
+                            <a:schemeClr val="bg1"/>
+                          </a:solidFill>
+                        </a:rPr>
+                        <a:t>Questions for maturity level 2</a:t>
+                      </a:r>
+                    </a:p>
+                  </a:txBody>
+                  <a:tcPr/>
+                </a:tc>
+                <a:tc>
+                  <a:txBody>
+                    <a:bodyPr/>
+                    <a:lstStyle/>
+                    <a:p>
+                      <a:r>
+                        <a:rPr lang="en-US" sz="1400" dirty="0">
+                          <a:solidFill>
+                            <a:schemeClr val="bg1"/>
+                          </a:solidFill>
+                        </a:rPr>
+                        <a:t>2</a:t>
+                      </a:r>
+                    </a:p>
+                  </a:txBody>
+                  <a:tcPr/>
+                </a:tc>
+                <a:extLst>
+                  <a:ext uri="{0D108BD9-81ED-4DB2-BD59-A6C34878D82A}">
+                    <a16:rowId xmlns:a16="http://schemas.microsoft.com/office/drawing/2014/main" val="871813651"/>
+                  </a:ext>
+                </a:extLst>
+              </a:tr>
+              <a:tr h="370840">
+                <a:tc vMerge="1">
+                  <a:txBody>
+                    <a:bodyPr/>
+                    <a:lstStyle/>
+                    <a:p>
+                      <a:endParaRPr lang="en-US" dirty="0"/>
+                    </a:p>
+                  </a:txBody>
+                  <a:tcPr/>
+                </a:tc>
+                <a:tc>
+                  <a:txBody>
+                    <a:bodyPr/>
+                    <a:lstStyle/>
+                    <a:p>
+                      <a:pPr marL="0" marR="0" lvl="0" indent="0" algn="l" defTabSz="914400" rtl="0" eaLnBrk="1" fontAlgn="auto" latinLnBrk="0" hangingPunct="1">
+                        <a:lnSpc>
+                          <a:spcPct val="100000"/>
+                        </a:lnSpc>
+                        <a:spcBef>
+                          <a:spcPts val="0"/>
+                        </a:spcBef>
+                        <a:spcAft>
+                          <a:spcPts val="0"/>
+                        </a:spcAft>
+                        <a:buClrTx/>
+                        <a:buSzTx/>
+                        <a:buFontTx/>
+                        <a:buNone/>
+                        <a:tabLst/>
+                        <a:defRPr/>
+                      </a:pPr>
+                      <a:r>
+                        <a:rPr lang="en-US" sz="1400" dirty="0">
+                          <a:solidFill>
+                            <a:schemeClr val="bg1"/>
+                          </a:solidFill>
+                        </a:rPr>
+                        <a:t>Questions for maturity level 3</a:t>
+                      </a:r>
+                    </a:p>
+                  </a:txBody>
+                  <a:tcPr/>
+                </a:tc>
+                <a:tc>
+                  <a:txBody>
+                    <a:bodyPr/>
+                    <a:lstStyle/>
+                    <a:p>
+                      <a:r>
+                        <a:rPr lang="en-US" sz="1400" dirty="0">
+                          <a:solidFill>
+                            <a:schemeClr val="bg1"/>
+                          </a:solidFill>
+                        </a:rPr>
+                        <a:t>3</a:t>
+                      </a:r>
+                    </a:p>
+                  </a:txBody>
+                  <a:tcPr/>
+                </a:tc>
+                <a:extLst>
+                  <a:ext uri="{0D108BD9-81ED-4DB2-BD59-A6C34878D82A}">
+                    <a16:rowId xmlns:a16="http://schemas.microsoft.com/office/drawing/2014/main" val="3401549911"/>
+                  </a:ext>
+                </a:extLst>
+              </a:tr>
+              <a:tr h="370840">
+                <a:tc vMerge="1">
+                  <a:txBody>
+                    <a:bodyPr/>
+                    <a:lstStyle/>
+                    <a:p>
+                      <a:endParaRPr lang="en-US" dirty="0"/>
+                    </a:p>
+                  </a:txBody>
+                  <a:tcPr/>
+                </a:tc>
+                <a:tc>
+                  <a:txBody>
+                    <a:bodyPr/>
+                    <a:lstStyle/>
+                    <a:p>
+                      <a:pPr marL="0" marR="0" lvl="0" indent="0" algn="l" defTabSz="914400" rtl="0" eaLnBrk="1" fontAlgn="auto" latinLnBrk="0" hangingPunct="1">
+                        <a:lnSpc>
+                          <a:spcPct val="100000"/>
+                        </a:lnSpc>
+                        <a:spcBef>
+                          <a:spcPts val="0"/>
+                        </a:spcBef>
+                        <a:spcAft>
+                          <a:spcPts val="0"/>
+                        </a:spcAft>
+                        <a:buClrTx/>
+                        <a:buSzTx/>
+                        <a:buFontTx/>
+                        <a:buNone/>
+                        <a:tabLst/>
+                        <a:defRPr/>
+                      </a:pPr>
+                      <a:r>
+                        <a:rPr lang="en-US" sz="1400" dirty="0">
+                          <a:solidFill>
+                            <a:schemeClr val="bg1"/>
+                          </a:solidFill>
+                        </a:rPr>
+                        <a:t>Questions for maturity level 4</a:t>
+                      </a:r>
+                    </a:p>
+                  </a:txBody>
+                  <a:tcPr/>
+                </a:tc>
+                <a:tc>
+                  <a:txBody>
+                    <a:bodyPr/>
+                    <a:lstStyle/>
+                    <a:p>
+                      <a:r>
+                        <a:rPr lang="en-US" sz="1400" dirty="0">
+                          <a:solidFill>
+                            <a:schemeClr val="bg1"/>
+                          </a:solidFill>
+                        </a:rPr>
+                        <a:t>4</a:t>
+                      </a:r>
+                    </a:p>
+                  </a:txBody>
+                  <a:tcPr/>
+                </a:tc>
+                <a:extLst>
+                  <a:ext uri="{0D108BD9-81ED-4DB2-BD59-A6C34878D82A}">
+                    <a16:rowId xmlns:a16="http://schemas.microsoft.com/office/drawing/2014/main" val="241241556"/>
+                  </a:ext>
+                </a:extLst>
+              </a:tr>
+              <a:tr h="370840">
+                <a:tc vMerge="1">
+                  <a:txBody>
+                    <a:bodyPr/>
+                    <a:lstStyle/>
+                    <a:p>
+                      <a:endParaRPr lang="en-US" dirty="0"/>
+                    </a:p>
+                  </a:txBody>
+                  <a:tcPr/>
+                </a:tc>
+                <a:tc>
+                  <a:txBody>
+                    <a:bodyPr/>
+                    <a:lstStyle/>
+                    <a:p>
+                      <a:pPr marL="0" marR="0" lvl="0" indent="0" algn="l" defTabSz="914400" rtl="0" eaLnBrk="1" fontAlgn="auto" latinLnBrk="0" hangingPunct="1">
+                        <a:lnSpc>
+                          <a:spcPct val="100000"/>
+                        </a:lnSpc>
+                        <a:spcBef>
+                          <a:spcPts val="0"/>
+                        </a:spcBef>
+                        <a:spcAft>
+                          <a:spcPts val="0"/>
+                        </a:spcAft>
+                        <a:buClrTx/>
+                        <a:buSzTx/>
+                        <a:buFontTx/>
+                        <a:buNone/>
+                        <a:tabLst/>
+                        <a:defRPr/>
+                      </a:pPr>
+                      <a:r>
+                        <a:rPr lang="en-US" sz="1400" dirty="0">
+                          <a:solidFill>
+                            <a:schemeClr val="bg1"/>
+                          </a:solidFill>
+                        </a:rPr>
+                        <a:t>Questions for maturity level 5</a:t>
+                      </a:r>
+                    </a:p>
+                  </a:txBody>
+                  <a:tcPr/>
+                </a:tc>
+                <a:tc>
+                  <a:txBody>
+                    <a:bodyPr/>
+                    <a:lstStyle/>
+                    <a:p>
+                      <a:r>
+                        <a:rPr lang="en-US" sz="1400" dirty="0">
+                          <a:solidFill>
+                            <a:schemeClr val="bg1"/>
+                          </a:solidFill>
+                        </a:rPr>
+                        <a:t>5</a:t>
+                      </a:r>
+                    </a:p>
+                  </a:txBody>
+                  <a:tcPr/>
+                </a:tc>
+                <a:extLst>
+                  <a:ext uri="{0D108BD9-81ED-4DB2-BD59-A6C34878D82A}">
+                    <a16:rowId xmlns:a16="http://schemas.microsoft.com/office/drawing/2014/main" val="2940673250"/>
+                  </a:ext>
+                </a:extLst>
+              </a:tr>
+            </a:tbl>
+          </a:graphicData>
+        </a:graphic>
+      </p:graphicFrame>
+    </p:spTree>
+    <p:extLst>
+      <p:ext uri="{BB962C8B-B14F-4D97-AF65-F5344CB8AC3E}">
+        <p14:creationId xmlns:p14="http://schemas.microsoft.com/office/powerpoint/2010/main" val="2577340897"/>
+      </p:ext>
+    </p:extLst>
+  </p:cSld>
+  <p:clrMapOvr>
+    <a:masterClrMapping/>
+  </p:clrMapOvr>
+</p:sld>
+</file>
+
+<file path=ppt/slides/slide11.xml><?xml version="1.0" encoding="utf-8"?>
 <p:sld xmlns:a="http://schemas.openxmlformats.org/drawingml/2006/main" xmlns:r="http://schemas.openxmlformats.org/officeDocument/2006/relationships" xmlns:p="http://schemas.openxmlformats.org/presentationml/2006/main">
   <p:cSld>
     <p:spTree>
@@ -4805,114 +7539,6 @@
 </p:sld>
 </file>
 
-<file path=ppt/slides/slide11.xml><?xml version="1.0" encoding="utf-8"?>
-<p:sld xmlns:a="http://schemas.openxmlformats.org/drawingml/2006/main" xmlns:r="http://schemas.openxmlformats.org/officeDocument/2006/relationships" xmlns:p="http://schemas.openxmlformats.org/presentationml/2006/main">
-  <p:cSld>
-    <p:spTree>
-      <p:nvGrpSpPr>
-        <p:cNvPr id="1" name=""/>
-        <p:cNvGrpSpPr/>
-        <p:nvPr/>
-      </p:nvGrpSpPr>
-      <p:grpSpPr>
-        <a:xfrm>
-          <a:off x="0" y="0"/>
-          <a:ext cx="0" cy="0"/>
-          <a:chOff x="0" y="0"/>
-          <a:chExt cx="0" cy="0"/>
-        </a:xfrm>
-      </p:grpSpPr>
-      <p:sp>
-        <p:nvSpPr>
-          <p:cNvPr id="2" name="Title 1">
-            <a:extLst>
-              <a:ext uri="{FF2B5EF4-FFF2-40B4-BE49-F238E27FC236}">
-                <a16:creationId xmlns:a16="http://schemas.microsoft.com/office/drawing/2014/main" id="{E1FBD2C4-A698-3C44-9638-C5F19555F007}"/>
-              </a:ext>
-            </a:extLst>
-          </p:cNvPr>
-          <p:cNvSpPr>
-            <a:spLocks noGrp="1"/>
-          </p:cNvSpPr>
-          <p:nvPr>
-            <p:ph type="title"/>
-          </p:nvPr>
-        </p:nvSpPr>
-        <p:spPr/>
-        <p:txBody>
-          <a:bodyPr/>
-          <a:lstStyle/>
-          <a:p>
-            <a:r>
-              <a:rPr lang="en-US" dirty="0"/>
-              <a:t>Implementation using AP242</a:t>
-            </a:r>
-          </a:p>
-        </p:txBody>
-      </p:sp>
-      <p:sp>
-        <p:nvSpPr>
-          <p:cNvPr id="3" name="Content Placeholder 2">
-            <a:extLst>
-              <a:ext uri="{FF2B5EF4-FFF2-40B4-BE49-F238E27FC236}">
-                <a16:creationId xmlns:a16="http://schemas.microsoft.com/office/drawing/2014/main" id="{D69D3325-E9F1-8547-9671-BDDB3A7EFA9D}"/>
-              </a:ext>
-            </a:extLst>
-          </p:cNvPr>
-          <p:cNvSpPr>
-            <a:spLocks noGrp="1"/>
-          </p:cNvSpPr>
-          <p:nvPr>
-            <p:ph sz="half" idx="1"/>
-          </p:nvPr>
-        </p:nvSpPr>
-        <p:spPr/>
-        <p:txBody>
-          <a:bodyPr/>
-          <a:lstStyle/>
-          <a:p>
-            <a:endParaRPr lang="en-US" dirty="0"/>
-          </a:p>
-        </p:txBody>
-      </p:sp>
-      <p:sp>
-        <p:nvSpPr>
-          <p:cNvPr id="4" name="Content Placeholder 3">
-            <a:extLst>
-              <a:ext uri="{FF2B5EF4-FFF2-40B4-BE49-F238E27FC236}">
-                <a16:creationId xmlns:a16="http://schemas.microsoft.com/office/drawing/2014/main" id="{C1F49C22-400B-734B-B34D-C2024534C830}"/>
-              </a:ext>
-            </a:extLst>
-          </p:cNvPr>
-          <p:cNvSpPr>
-            <a:spLocks noGrp="1"/>
-          </p:cNvSpPr>
-          <p:nvPr>
-            <p:ph sz="half" idx="2"/>
-          </p:nvPr>
-        </p:nvSpPr>
-        <p:spPr/>
-        <p:txBody>
-          <a:bodyPr/>
-          <a:lstStyle/>
-          <a:p>
-            <a:endParaRPr lang="en-US"/>
-          </a:p>
-        </p:txBody>
-      </p:sp>
-    </p:spTree>
-    <p:extLst>
-      <p:ext uri="{BB962C8B-B14F-4D97-AF65-F5344CB8AC3E}">
-        <p14:creationId xmlns:p14="http://schemas.microsoft.com/office/powerpoint/2010/main" val="3500977169"/>
-      </p:ext>
-    </p:extLst>
-  </p:cSld>
-  <p:clrMapOvr>
-    <a:masterClrMapping/>
-  </p:clrMapOvr>
-</p:sld>
-</file>
-
 <file path=ppt/slides/slide12.xml><?xml version="1.0" encoding="utf-8"?>
 <p:sld xmlns:a="http://schemas.openxmlformats.org/drawingml/2006/main" xmlns:r="http://schemas.openxmlformats.org/officeDocument/2006/relationships" xmlns:p="http://schemas.openxmlformats.org/presentationml/2006/main">
   <p:cSld>
@@ -4952,66 +7578,1066 @@
           <a:lstStyle/>
           <a:p>
             <a:r>
-              <a:rPr lang="en-US" dirty="0"/>
-              <a:t>Implementation using AP242</a:t>
-            </a:r>
+              <a:rPr lang="en-US" dirty="0" smtClean="0"/>
+              <a:t>Modified Assessment Model</a:t>
+            </a:r>
+            <a:endParaRPr lang="en-US" dirty="0"/>
           </a:p>
         </p:txBody>
       </p:sp>
       <p:sp>
         <p:nvSpPr>
-          <p:cNvPr id="3" name="Content Placeholder 2">
+          <p:cNvPr id="6" name="Rectangle 5">
             <a:extLst>
               <a:ext uri="{FF2B5EF4-FFF2-40B4-BE49-F238E27FC236}">
-                <a16:creationId xmlns:a16="http://schemas.microsoft.com/office/drawing/2014/main" id="{D69D3325-E9F1-8547-9671-BDDB3A7EFA9D}"/>
+                <a16:creationId xmlns:a16="http://schemas.microsoft.com/office/drawing/2014/main" id="{FD65F003-7511-4EC0-8277-0A94C4E9242D}"/>
               </a:ext>
             </a:extLst>
           </p:cNvPr>
-          <p:cNvSpPr>
-            <a:spLocks noGrp="1"/>
-          </p:cNvSpPr>
-          <p:nvPr>
-            <p:ph sz="half" idx="1"/>
-          </p:nvPr>
+          <p:cNvSpPr/>
+          <p:nvPr/>
         </p:nvSpPr>
-        <p:spPr/>
+        <p:spPr bwMode="auto">
+          <a:xfrm>
+            <a:off x="2730500" y="3133936"/>
+            <a:ext cx="1739900" cy="765746"/>
+          </a:xfrm>
+          <a:prstGeom prst="rect">
+            <a:avLst/>
+          </a:prstGeom>
+          <a:solidFill>
+            <a:schemeClr val="bg1"/>
+          </a:solidFill>
+          <a:ln>
+            <a:solidFill>
+              <a:schemeClr val="bg1"/>
+            </a:solidFill>
+            <a:headEnd type="none" w="sm" len="sm"/>
+            <a:tailEnd type="none" w="sm" len="sm"/>
+          </a:ln>
+          <a:effectLst>
+            <a:outerShdw blurRad="40000" dist="20000" dir="5400000" rotWithShape="0">
+              <a:srgbClr val="000000">
+                <a:alpha val="38000"/>
+              </a:srgbClr>
+            </a:outerShdw>
+            <a:reflection blurRad="165100" endPos="0" dir="5400000" sy="-100000" algn="bl" rotWithShape="0"/>
+          </a:effectLst>
+        </p:spPr>
+        <p:style>
+          <a:lnRef idx="1">
+            <a:schemeClr val="dk1"/>
+          </a:lnRef>
+          <a:fillRef idx="2">
+            <a:schemeClr val="dk1"/>
+          </a:fillRef>
+          <a:effectRef idx="1">
+            <a:schemeClr val="dk1"/>
+          </a:effectRef>
+          <a:fontRef idx="minor">
+            <a:schemeClr val="dk1"/>
+          </a:fontRef>
+        </p:style>
         <p:txBody>
-          <a:bodyPr/>
+          <a:bodyPr vert="horz" wrap="square" lIns="91440" tIns="45720" rIns="91440" bIns="45720" numCol="1" rtlCol="0" anchor="ctr" anchorCtr="0" compatLnSpc="1">
+            <a:prstTxWarp prst="textNoShape">
+              <a:avLst/>
+            </a:prstTxWarp>
+          </a:bodyPr>
           <a:lstStyle/>
           <a:p>
-            <a:endParaRPr lang="en-US" dirty="0"/>
+            <a:pPr marL="0" marR="0" indent="0" algn="ctr" defTabSz="914400" rtl="0" eaLnBrk="0" fontAlgn="base" latinLnBrk="0" hangingPunct="0">
+              <a:lnSpc>
+                <a:spcPct val="100000"/>
+              </a:lnSpc>
+              <a:spcBef>
+                <a:spcPct val="0"/>
+              </a:spcBef>
+              <a:spcAft>
+                <a:spcPct val="0"/>
+              </a:spcAft>
+              <a:buClrTx/>
+              <a:buSzTx/>
+              <a:buFontTx/>
+              <a:buNone/>
+              <a:tabLst/>
+            </a:pPr>
+            <a:r>
+              <a:rPr kumimoji="0" lang="en-US" sz="1600" b="1" i="0" u="none" strike="noStrike" cap="none" normalizeH="0" baseline="0" dirty="0">
+                <a:ln>
+                  <a:noFill/>
+                </a:ln>
+                <a:solidFill>
+                  <a:schemeClr val="tx1"/>
+                </a:solidFill>
+                <a:effectLst/>
+                <a:latin typeface="Arial" charset="0"/>
+              </a:rPr>
+              <a:t>Infrastructure</a:t>
+            </a:r>
           </a:p>
         </p:txBody>
       </p:sp>
       <p:sp>
         <p:nvSpPr>
-          <p:cNvPr id="4" name="Content Placeholder 3">
+          <p:cNvPr id="7" name="Rectangle 6">
             <a:extLst>
               <a:ext uri="{FF2B5EF4-FFF2-40B4-BE49-F238E27FC236}">
-                <a16:creationId xmlns:a16="http://schemas.microsoft.com/office/drawing/2014/main" id="{C1F49C22-400B-734B-B34D-C2024534C830}"/>
+                <a16:creationId xmlns:a16="http://schemas.microsoft.com/office/drawing/2014/main" id="{FF2C7E98-785E-40A1-B641-D2399110DCE4}"/>
               </a:ext>
             </a:extLst>
           </p:cNvPr>
-          <p:cNvSpPr>
-            <a:spLocks noGrp="1"/>
-          </p:cNvSpPr>
-          <p:nvPr>
-            <p:ph sz="half" idx="2"/>
-          </p:nvPr>
+          <p:cNvSpPr/>
+          <p:nvPr/>
         </p:nvSpPr>
-        <p:spPr/>
+        <p:spPr bwMode="auto">
+          <a:xfrm>
+            <a:off x="2717800" y="4901458"/>
+            <a:ext cx="1752600" cy="762742"/>
+          </a:xfrm>
+          <a:prstGeom prst="rect">
+            <a:avLst/>
+          </a:prstGeom>
+          <a:solidFill>
+            <a:schemeClr val="bg1"/>
+          </a:solidFill>
+          <a:ln>
+            <a:solidFill>
+              <a:schemeClr val="bg1"/>
+            </a:solidFill>
+            <a:headEnd type="none" w="sm" len="sm"/>
+            <a:tailEnd type="none" w="sm" len="sm"/>
+          </a:ln>
+          <a:effectLst>
+            <a:outerShdw blurRad="40000" dist="20000" dir="5400000" rotWithShape="0">
+              <a:srgbClr val="000000">
+                <a:alpha val="38000"/>
+              </a:srgbClr>
+            </a:outerShdw>
+            <a:reflection blurRad="165100" endPos="0" dir="5400000" sy="-100000" algn="bl" rotWithShape="0"/>
+          </a:effectLst>
+        </p:spPr>
+        <p:style>
+          <a:lnRef idx="1">
+            <a:schemeClr val="dk1"/>
+          </a:lnRef>
+          <a:fillRef idx="2">
+            <a:schemeClr val="dk1"/>
+          </a:fillRef>
+          <a:effectRef idx="1">
+            <a:schemeClr val="dk1"/>
+          </a:effectRef>
+          <a:fontRef idx="minor">
+            <a:schemeClr val="dk1"/>
+          </a:fontRef>
+        </p:style>
         <p:txBody>
-          <a:bodyPr/>
+          <a:bodyPr vert="horz" wrap="square" lIns="91440" tIns="45720" rIns="91440" bIns="45720" numCol="1" rtlCol="0" anchor="ctr" anchorCtr="0" compatLnSpc="1">
+            <a:prstTxWarp prst="textNoShape">
+              <a:avLst/>
+            </a:prstTxWarp>
+          </a:bodyPr>
           <a:lstStyle/>
           <a:p>
-            <a:endParaRPr lang="en-US"/>
+            <a:pPr marL="0" marR="0" indent="0" algn="ctr" defTabSz="914400" rtl="0" eaLnBrk="0" fontAlgn="base" latinLnBrk="0" hangingPunct="0">
+              <a:lnSpc>
+                <a:spcPct val="100000"/>
+              </a:lnSpc>
+              <a:spcBef>
+                <a:spcPct val="0"/>
+              </a:spcBef>
+              <a:spcAft>
+                <a:spcPct val="0"/>
+              </a:spcAft>
+              <a:buClrTx/>
+              <a:buSzTx/>
+              <a:buFontTx/>
+              <a:buNone/>
+              <a:tabLst/>
+            </a:pPr>
+            <a:r>
+              <a:rPr kumimoji="0" lang="en-US" sz="1600" b="1" i="0" u="none" strike="noStrike" cap="none" normalizeH="0" baseline="0" dirty="0">
+                <a:ln>
+                  <a:noFill/>
+                </a:ln>
+                <a:solidFill>
+                  <a:schemeClr val="tx1"/>
+                </a:solidFill>
+                <a:effectLst/>
+                <a:latin typeface="Arial" charset="0"/>
+              </a:rPr>
+              <a:t>Comprehensive Integration</a:t>
+            </a:r>
+          </a:p>
+        </p:txBody>
+      </p:sp>
+      <p:sp>
+        <p:nvSpPr>
+          <p:cNvPr id="8" name="Rectangle 7">
+            <a:extLst>
+              <a:ext uri="{FF2B5EF4-FFF2-40B4-BE49-F238E27FC236}">
+                <a16:creationId xmlns:a16="http://schemas.microsoft.com/office/drawing/2014/main" id="{74A591D9-7472-4328-A832-7F6A15450E2C}"/>
+              </a:ext>
+            </a:extLst>
+          </p:cNvPr>
+          <p:cNvSpPr/>
+          <p:nvPr/>
+        </p:nvSpPr>
+        <p:spPr bwMode="auto">
+          <a:xfrm>
+            <a:off x="2717800" y="2245550"/>
+            <a:ext cx="1739900" cy="765746"/>
+          </a:xfrm>
+          <a:prstGeom prst="rect">
+            <a:avLst/>
+          </a:prstGeom>
+          <a:solidFill>
+            <a:schemeClr val="bg1"/>
+          </a:solidFill>
+          <a:ln>
+            <a:solidFill>
+              <a:schemeClr val="bg1"/>
+            </a:solidFill>
+            <a:headEnd type="none" w="sm" len="sm"/>
+            <a:tailEnd type="none" w="sm" len="sm"/>
+          </a:ln>
+          <a:effectLst>
+            <a:outerShdw blurRad="40000" dist="20000" dir="5400000" rotWithShape="0">
+              <a:srgbClr val="000000">
+                <a:alpha val="38000"/>
+              </a:srgbClr>
+            </a:outerShdw>
+            <a:reflection blurRad="165100" endPos="0" dir="5400000" sy="-100000" algn="bl" rotWithShape="0"/>
+          </a:effectLst>
+        </p:spPr>
+        <p:style>
+          <a:lnRef idx="1">
+            <a:schemeClr val="dk1"/>
+          </a:lnRef>
+          <a:fillRef idx="2">
+            <a:schemeClr val="dk1"/>
+          </a:fillRef>
+          <a:effectRef idx="1">
+            <a:schemeClr val="dk1"/>
+          </a:effectRef>
+          <a:fontRef idx="minor">
+            <a:schemeClr val="dk1"/>
+          </a:fontRef>
+        </p:style>
+        <p:txBody>
+          <a:bodyPr vert="horz" wrap="square" lIns="91440" tIns="45720" rIns="91440" bIns="45720" numCol="1" rtlCol="0" anchor="ctr" anchorCtr="0" compatLnSpc="1">
+            <a:prstTxWarp prst="textNoShape">
+              <a:avLst/>
+            </a:prstTxWarp>
+          </a:bodyPr>
+          <a:lstStyle/>
+          <a:p>
+            <a:pPr marL="0" marR="0" indent="0" algn="ctr" defTabSz="914400" rtl="0" eaLnBrk="0" fontAlgn="base" latinLnBrk="0" hangingPunct="0">
+              <a:lnSpc>
+                <a:spcPct val="100000"/>
+              </a:lnSpc>
+              <a:spcBef>
+                <a:spcPct val="0"/>
+              </a:spcBef>
+              <a:spcAft>
+                <a:spcPct val="0"/>
+              </a:spcAft>
+              <a:buClrTx/>
+              <a:buSzTx/>
+              <a:buFontTx/>
+              <a:buNone/>
+              <a:tabLst/>
+            </a:pPr>
+            <a:r>
+              <a:rPr kumimoji="0" lang="en-US" sz="1600" b="1" i="0" u="none" strike="noStrike" cap="none" normalizeH="0" baseline="0" dirty="0">
+                <a:ln>
+                  <a:noFill/>
+                </a:ln>
+                <a:solidFill>
+                  <a:schemeClr val="tx1"/>
+                </a:solidFill>
+                <a:effectLst/>
+                <a:latin typeface="Arial" charset="0"/>
+              </a:rPr>
+              <a:t>Domain Application</a:t>
+            </a:r>
+          </a:p>
+        </p:txBody>
+      </p:sp>
+      <p:sp>
+        <p:nvSpPr>
+          <p:cNvPr id="9" name="Rectangle 8">
+            <a:extLst>
+              <a:ext uri="{FF2B5EF4-FFF2-40B4-BE49-F238E27FC236}">
+                <a16:creationId xmlns:a16="http://schemas.microsoft.com/office/drawing/2014/main" id="{FA366A3B-D9CD-47D5-81BD-A5D4C1D420BC}"/>
+              </a:ext>
+            </a:extLst>
+          </p:cNvPr>
+          <p:cNvSpPr/>
+          <p:nvPr/>
+        </p:nvSpPr>
+        <p:spPr bwMode="auto">
+          <a:xfrm>
+            <a:off x="2717800" y="4022322"/>
+            <a:ext cx="1752600" cy="765746"/>
+          </a:xfrm>
+          <a:prstGeom prst="rect">
+            <a:avLst/>
+          </a:prstGeom>
+          <a:solidFill>
+            <a:schemeClr val="bg1"/>
+          </a:solidFill>
+          <a:ln>
+            <a:solidFill>
+              <a:schemeClr val="bg1"/>
+            </a:solidFill>
+            <a:headEnd type="none" w="sm" len="sm"/>
+            <a:tailEnd type="none" w="sm" len="sm"/>
+          </a:ln>
+          <a:effectLst>
+            <a:outerShdw blurRad="40000" dist="20000" dir="5400000" rotWithShape="0">
+              <a:srgbClr val="000000">
+                <a:alpha val="38000"/>
+              </a:srgbClr>
+            </a:outerShdw>
+            <a:reflection blurRad="165100" endPos="0" dir="5400000" sy="-100000" algn="bl" rotWithShape="0"/>
+          </a:effectLst>
+        </p:spPr>
+        <p:style>
+          <a:lnRef idx="1">
+            <a:schemeClr val="dk1"/>
+          </a:lnRef>
+          <a:fillRef idx="2">
+            <a:schemeClr val="dk1"/>
+          </a:fillRef>
+          <a:effectRef idx="1">
+            <a:schemeClr val="dk1"/>
+          </a:effectRef>
+          <a:fontRef idx="minor">
+            <a:schemeClr val="dk1"/>
+          </a:fontRef>
+        </p:style>
+        <p:txBody>
+          <a:bodyPr vert="horz" wrap="square" lIns="91440" tIns="45720" rIns="91440" bIns="45720" numCol="1" rtlCol="0" anchor="ctr" anchorCtr="0" compatLnSpc="1">
+            <a:prstTxWarp prst="textNoShape">
+              <a:avLst/>
+            </a:prstTxWarp>
+          </a:bodyPr>
+          <a:lstStyle/>
+          <a:p>
+            <a:pPr marL="0" marR="0" indent="0" algn="ctr" defTabSz="914400" rtl="0" eaLnBrk="0" fontAlgn="base" latinLnBrk="0" hangingPunct="0">
+              <a:lnSpc>
+                <a:spcPct val="100000"/>
+              </a:lnSpc>
+              <a:spcBef>
+                <a:spcPct val="0"/>
+              </a:spcBef>
+              <a:spcAft>
+                <a:spcPct val="0"/>
+              </a:spcAft>
+              <a:buClrTx/>
+              <a:buSzTx/>
+              <a:buFontTx/>
+              <a:buNone/>
+              <a:tabLst/>
+            </a:pPr>
+            <a:r>
+              <a:rPr kumimoji="0" lang="en-US" sz="1600" b="1" i="0" u="none" strike="noStrike" cap="none" normalizeH="0" baseline="0" dirty="0">
+                <a:ln>
+                  <a:noFill/>
+                </a:ln>
+                <a:solidFill>
+                  <a:schemeClr val="tx1"/>
+                </a:solidFill>
+                <a:effectLst/>
+                <a:latin typeface="Arial" charset="0"/>
+              </a:rPr>
+              <a:t>Collaborative Integration</a:t>
+            </a:r>
+          </a:p>
+        </p:txBody>
+      </p:sp>
+      <p:sp>
+        <p:nvSpPr>
+          <p:cNvPr id="11" name="Rectangle 10">
+            <a:extLst>
+              <a:ext uri="{FF2B5EF4-FFF2-40B4-BE49-F238E27FC236}">
+                <a16:creationId xmlns:a16="http://schemas.microsoft.com/office/drawing/2014/main" id="{FD65F003-7511-4EC0-8277-0A94C4E9242D}"/>
+              </a:ext>
+            </a:extLst>
+          </p:cNvPr>
+          <p:cNvSpPr/>
+          <p:nvPr/>
+        </p:nvSpPr>
+        <p:spPr bwMode="auto">
+          <a:xfrm>
+            <a:off x="7010400" y="3143186"/>
+            <a:ext cx="1739900" cy="765746"/>
+          </a:xfrm>
+          <a:prstGeom prst="rect">
+            <a:avLst/>
+          </a:prstGeom>
+          <a:solidFill>
+            <a:schemeClr val="bg1"/>
+          </a:solidFill>
+          <a:ln>
+            <a:solidFill>
+              <a:schemeClr val="bg1"/>
+            </a:solidFill>
+            <a:headEnd type="none" w="sm" len="sm"/>
+            <a:tailEnd type="none" w="sm" len="sm"/>
+          </a:ln>
+          <a:effectLst>
+            <a:outerShdw blurRad="40000" dist="20000" dir="5400000" rotWithShape="0">
+              <a:srgbClr val="000000">
+                <a:alpha val="38000"/>
+              </a:srgbClr>
+            </a:outerShdw>
+            <a:reflection blurRad="165100" endPos="0" dir="5400000" sy="-100000" algn="bl" rotWithShape="0"/>
+          </a:effectLst>
+        </p:spPr>
+        <p:style>
+          <a:lnRef idx="1">
+            <a:schemeClr val="dk1"/>
+          </a:lnRef>
+          <a:fillRef idx="2">
+            <a:schemeClr val="dk1"/>
+          </a:fillRef>
+          <a:effectRef idx="1">
+            <a:schemeClr val="dk1"/>
+          </a:effectRef>
+          <a:fontRef idx="minor">
+            <a:schemeClr val="dk1"/>
+          </a:fontRef>
+        </p:style>
+        <p:txBody>
+          <a:bodyPr vert="horz" wrap="square" lIns="91440" tIns="45720" rIns="91440" bIns="45720" numCol="1" rtlCol="0" anchor="ctr" anchorCtr="0" compatLnSpc="1">
+            <a:prstTxWarp prst="textNoShape">
+              <a:avLst/>
+            </a:prstTxWarp>
+          </a:bodyPr>
+          <a:lstStyle/>
+          <a:p>
+            <a:pPr marL="0" marR="0" indent="0" algn="ctr" defTabSz="914400" rtl="0" eaLnBrk="0" fontAlgn="base" latinLnBrk="0" hangingPunct="0">
+              <a:lnSpc>
+                <a:spcPct val="100000"/>
+              </a:lnSpc>
+              <a:spcBef>
+                <a:spcPct val="0"/>
+              </a:spcBef>
+              <a:spcAft>
+                <a:spcPct val="0"/>
+              </a:spcAft>
+              <a:buClrTx/>
+              <a:buSzTx/>
+              <a:buFontTx/>
+              <a:buNone/>
+              <a:tabLst/>
+            </a:pPr>
+            <a:r>
+              <a:rPr kumimoji="0" lang="en-US" sz="1600" b="1" i="0" u="none" strike="noStrike" cap="none" normalizeH="0" baseline="0" dirty="0" smtClean="0">
+                <a:ln>
+                  <a:noFill/>
+                </a:ln>
+                <a:solidFill>
+                  <a:schemeClr val="tx1"/>
+                </a:solidFill>
+                <a:effectLst/>
+                <a:latin typeface="Arial" charset="0"/>
+              </a:rPr>
+              <a:t>Tool Chain</a:t>
+            </a:r>
+            <a:endParaRPr kumimoji="0" lang="en-US" sz="1600" b="1" i="0" u="none" strike="noStrike" cap="none" normalizeH="0" baseline="0" dirty="0">
+              <a:ln>
+                <a:noFill/>
+              </a:ln>
+              <a:solidFill>
+                <a:schemeClr val="tx1"/>
+              </a:solidFill>
+              <a:effectLst/>
+              <a:latin typeface="Arial" charset="0"/>
+            </a:endParaRPr>
+          </a:p>
+        </p:txBody>
+      </p:sp>
+      <p:sp>
+        <p:nvSpPr>
+          <p:cNvPr id="12" name="Rectangle 11">
+            <a:extLst>
+              <a:ext uri="{FF2B5EF4-FFF2-40B4-BE49-F238E27FC236}">
+                <a16:creationId xmlns:a16="http://schemas.microsoft.com/office/drawing/2014/main" id="{FF2C7E98-785E-40A1-B641-D2399110DCE4}"/>
+              </a:ext>
+            </a:extLst>
+          </p:cNvPr>
+          <p:cNvSpPr/>
+          <p:nvPr/>
+        </p:nvSpPr>
+        <p:spPr bwMode="auto">
+          <a:xfrm>
+            <a:off x="7010400" y="4901458"/>
+            <a:ext cx="1752600" cy="762742"/>
+          </a:xfrm>
+          <a:prstGeom prst="rect">
+            <a:avLst/>
+          </a:prstGeom>
+          <a:solidFill>
+            <a:schemeClr val="bg1"/>
+          </a:solidFill>
+          <a:ln>
+            <a:solidFill>
+              <a:schemeClr val="bg1"/>
+            </a:solidFill>
+            <a:headEnd type="none" w="sm" len="sm"/>
+            <a:tailEnd type="none" w="sm" len="sm"/>
+          </a:ln>
+          <a:effectLst>
+            <a:outerShdw blurRad="40000" dist="20000" dir="5400000" rotWithShape="0">
+              <a:srgbClr val="000000">
+                <a:alpha val="38000"/>
+              </a:srgbClr>
+            </a:outerShdw>
+            <a:reflection blurRad="165100" endPos="0" dir="5400000" sy="-100000" algn="bl" rotWithShape="0"/>
+          </a:effectLst>
+        </p:spPr>
+        <p:style>
+          <a:lnRef idx="1">
+            <a:schemeClr val="dk1"/>
+          </a:lnRef>
+          <a:fillRef idx="2">
+            <a:schemeClr val="dk1"/>
+          </a:fillRef>
+          <a:effectRef idx="1">
+            <a:schemeClr val="dk1"/>
+          </a:effectRef>
+          <a:fontRef idx="minor">
+            <a:schemeClr val="dk1"/>
+          </a:fontRef>
+        </p:style>
+        <p:txBody>
+          <a:bodyPr vert="horz" wrap="square" lIns="91440" tIns="45720" rIns="91440" bIns="45720" numCol="1" rtlCol="0" anchor="ctr" anchorCtr="0" compatLnSpc="1">
+            <a:prstTxWarp prst="textNoShape">
+              <a:avLst/>
+            </a:prstTxWarp>
+          </a:bodyPr>
+          <a:lstStyle/>
+          <a:p>
+            <a:pPr marL="0" marR="0" indent="0" algn="ctr" defTabSz="914400" rtl="0" eaLnBrk="0" fontAlgn="base" latinLnBrk="0" hangingPunct="0">
+              <a:lnSpc>
+                <a:spcPct val="100000"/>
+              </a:lnSpc>
+              <a:spcBef>
+                <a:spcPct val="0"/>
+              </a:spcBef>
+              <a:spcAft>
+                <a:spcPct val="0"/>
+              </a:spcAft>
+              <a:buClrTx/>
+              <a:buSzTx/>
+              <a:buFontTx/>
+              <a:buNone/>
+              <a:tabLst/>
+            </a:pPr>
+            <a:r>
+              <a:rPr kumimoji="0" lang="en-US" sz="1600" b="1" i="0" u="none" strike="noStrike" cap="none" normalizeH="0" baseline="0" dirty="0" smtClean="0">
+                <a:ln>
+                  <a:noFill/>
+                </a:ln>
+                <a:solidFill>
+                  <a:schemeClr val="tx1"/>
+                </a:solidFill>
+                <a:effectLst/>
+                <a:latin typeface="Arial" charset="0"/>
+              </a:rPr>
+              <a:t>Industry/Supply Chain</a:t>
+            </a:r>
+            <a:endParaRPr kumimoji="0" lang="en-US" sz="1600" b="1" i="0" u="none" strike="noStrike" cap="none" normalizeH="0" baseline="0" dirty="0">
+              <a:ln>
+                <a:noFill/>
+              </a:ln>
+              <a:solidFill>
+                <a:schemeClr val="tx1"/>
+              </a:solidFill>
+              <a:effectLst/>
+              <a:latin typeface="Arial" charset="0"/>
+            </a:endParaRPr>
+          </a:p>
+        </p:txBody>
+      </p:sp>
+      <p:sp>
+        <p:nvSpPr>
+          <p:cNvPr id="13" name="Rectangle 12">
+            <a:extLst>
+              <a:ext uri="{FF2B5EF4-FFF2-40B4-BE49-F238E27FC236}">
+                <a16:creationId xmlns:a16="http://schemas.microsoft.com/office/drawing/2014/main" id="{74A591D9-7472-4328-A832-7F6A15450E2C}"/>
+              </a:ext>
+            </a:extLst>
+          </p:cNvPr>
+          <p:cNvSpPr/>
+          <p:nvPr/>
+        </p:nvSpPr>
+        <p:spPr bwMode="auto">
+          <a:xfrm>
+            <a:off x="7010400" y="2245550"/>
+            <a:ext cx="1739900" cy="765746"/>
+          </a:xfrm>
+          <a:prstGeom prst="rect">
+            <a:avLst/>
+          </a:prstGeom>
+          <a:solidFill>
+            <a:schemeClr val="bg1"/>
+          </a:solidFill>
+          <a:ln>
+            <a:solidFill>
+              <a:schemeClr val="bg1"/>
+            </a:solidFill>
+            <a:headEnd type="none" w="sm" len="sm"/>
+            <a:tailEnd type="none" w="sm" len="sm"/>
+          </a:ln>
+          <a:effectLst>
+            <a:outerShdw blurRad="40000" dist="20000" dir="5400000" rotWithShape="0">
+              <a:srgbClr val="000000">
+                <a:alpha val="38000"/>
+              </a:srgbClr>
+            </a:outerShdw>
+            <a:reflection blurRad="165100" endPos="0" dir="5400000" sy="-100000" algn="bl" rotWithShape="0"/>
+          </a:effectLst>
+        </p:spPr>
+        <p:style>
+          <a:lnRef idx="1">
+            <a:schemeClr val="dk1"/>
+          </a:lnRef>
+          <a:fillRef idx="2">
+            <a:schemeClr val="dk1"/>
+          </a:fillRef>
+          <a:effectRef idx="1">
+            <a:schemeClr val="dk1"/>
+          </a:effectRef>
+          <a:fontRef idx="minor">
+            <a:schemeClr val="dk1"/>
+          </a:fontRef>
+        </p:style>
+        <p:txBody>
+          <a:bodyPr vert="horz" wrap="square" lIns="91440" tIns="45720" rIns="91440" bIns="45720" numCol="1" rtlCol="0" anchor="ctr" anchorCtr="0" compatLnSpc="1">
+            <a:prstTxWarp prst="textNoShape">
+              <a:avLst/>
+            </a:prstTxWarp>
+          </a:bodyPr>
+          <a:lstStyle/>
+          <a:p>
+            <a:pPr marL="0" marR="0" indent="0" algn="ctr" defTabSz="914400" rtl="0" eaLnBrk="0" fontAlgn="base" latinLnBrk="0" hangingPunct="0">
+              <a:lnSpc>
+                <a:spcPct val="100000"/>
+              </a:lnSpc>
+              <a:spcBef>
+                <a:spcPct val="0"/>
+              </a:spcBef>
+              <a:spcAft>
+                <a:spcPct val="0"/>
+              </a:spcAft>
+              <a:buClrTx/>
+              <a:buSzTx/>
+              <a:buFontTx/>
+              <a:buNone/>
+              <a:tabLst/>
+            </a:pPr>
+            <a:r>
+              <a:rPr kumimoji="0" lang="en-US" sz="1600" b="1" i="0" u="none" strike="noStrike" cap="none" normalizeH="0" baseline="0" dirty="0" smtClean="0">
+                <a:ln>
+                  <a:noFill/>
+                </a:ln>
+                <a:solidFill>
+                  <a:schemeClr val="tx1"/>
+                </a:solidFill>
+                <a:effectLst/>
+                <a:latin typeface="Arial" charset="0"/>
+              </a:rPr>
+              <a:t>Data Standard</a:t>
+            </a:r>
+            <a:endParaRPr kumimoji="0" lang="en-US" sz="1600" b="1" i="0" u="none" strike="noStrike" cap="none" normalizeH="0" baseline="0" dirty="0">
+              <a:ln>
+                <a:noFill/>
+              </a:ln>
+              <a:solidFill>
+                <a:schemeClr val="tx1"/>
+              </a:solidFill>
+              <a:effectLst/>
+              <a:latin typeface="Arial" charset="0"/>
+            </a:endParaRPr>
+          </a:p>
+        </p:txBody>
+      </p:sp>
+      <p:sp>
+        <p:nvSpPr>
+          <p:cNvPr id="14" name="Rectangle 13">
+            <a:extLst>
+              <a:ext uri="{FF2B5EF4-FFF2-40B4-BE49-F238E27FC236}">
+                <a16:creationId xmlns:a16="http://schemas.microsoft.com/office/drawing/2014/main" id="{FA366A3B-D9CD-47D5-81BD-A5D4C1D420BC}"/>
+              </a:ext>
+            </a:extLst>
+          </p:cNvPr>
+          <p:cNvSpPr/>
+          <p:nvPr/>
+        </p:nvSpPr>
+        <p:spPr bwMode="auto">
+          <a:xfrm>
+            <a:off x="7010400" y="4022322"/>
+            <a:ext cx="1752600" cy="765746"/>
+          </a:xfrm>
+          <a:prstGeom prst="rect">
+            <a:avLst/>
+          </a:prstGeom>
+          <a:solidFill>
+            <a:schemeClr val="bg1"/>
+          </a:solidFill>
+          <a:ln>
+            <a:solidFill>
+              <a:schemeClr val="bg1"/>
+            </a:solidFill>
+            <a:headEnd type="none" w="sm" len="sm"/>
+            <a:tailEnd type="none" w="sm" len="sm"/>
+          </a:ln>
+          <a:effectLst>
+            <a:outerShdw blurRad="40000" dist="20000" dir="5400000" rotWithShape="0">
+              <a:srgbClr val="000000">
+                <a:alpha val="38000"/>
+              </a:srgbClr>
+            </a:outerShdw>
+            <a:reflection blurRad="165100" endPos="0" dir="5400000" sy="-100000" algn="bl" rotWithShape="0"/>
+          </a:effectLst>
+        </p:spPr>
+        <p:style>
+          <a:lnRef idx="1">
+            <a:schemeClr val="dk1"/>
+          </a:lnRef>
+          <a:fillRef idx="2">
+            <a:schemeClr val="dk1"/>
+          </a:fillRef>
+          <a:effectRef idx="1">
+            <a:schemeClr val="dk1"/>
+          </a:effectRef>
+          <a:fontRef idx="minor">
+            <a:schemeClr val="dk1"/>
+          </a:fontRef>
+        </p:style>
+        <p:txBody>
+          <a:bodyPr vert="horz" wrap="square" lIns="91440" tIns="45720" rIns="91440" bIns="45720" numCol="1" rtlCol="0" anchor="ctr" anchorCtr="0" compatLnSpc="1">
+            <a:prstTxWarp prst="textNoShape">
+              <a:avLst/>
+            </a:prstTxWarp>
+          </a:bodyPr>
+          <a:lstStyle/>
+          <a:p>
+            <a:pPr marL="0" marR="0" indent="0" algn="ctr" defTabSz="914400" rtl="0" eaLnBrk="0" fontAlgn="base" latinLnBrk="0" hangingPunct="0">
+              <a:lnSpc>
+                <a:spcPct val="100000"/>
+              </a:lnSpc>
+              <a:spcBef>
+                <a:spcPct val="0"/>
+              </a:spcBef>
+              <a:spcAft>
+                <a:spcPct val="0"/>
+              </a:spcAft>
+              <a:buClrTx/>
+              <a:buSzTx/>
+              <a:buFontTx/>
+              <a:buNone/>
+              <a:tabLst/>
+            </a:pPr>
+            <a:r>
+              <a:rPr kumimoji="0" lang="en-US" sz="1600" b="1" i="0" u="none" strike="noStrike" cap="none" normalizeH="0" baseline="0" dirty="0" smtClean="0">
+                <a:ln>
+                  <a:noFill/>
+                </a:ln>
+                <a:solidFill>
+                  <a:schemeClr val="tx1"/>
+                </a:solidFill>
+                <a:effectLst/>
+                <a:latin typeface="Arial" charset="0"/>
+              </a:rPr>
+              <a:t>Internal Processes</a:t>
+            </a:r>
+            <a:endParaRPr kumimoji="0" lang="en-US" sz="1600" b="1" i="0" u="none" strike="noStrike" cap="none" normalizeH="0" baseline="0" dirty="0">
+              <a:ln>
+                <a:noFill/>
+              </a:ln>
+              <a:solidFill>
+                <a:schemeClr val="tx1"/>
+              </a:solidFill>
+              <a:effectLst/>
+              <a:latin typeface="Arial" charset="0"/>
+            </a:endParaRPr>
+          </a:p>
+        </p:txBody>
+      </p:sp>
+      <p:cxnSp>
+        <p:nvCxnSpPr>
+          <p:cNvPr id="15" name="Straight Arrow Connector 14">
+            <a:extLst>
+              <a:ext uri="{FF2B5EF4-FFF2-40B4-BE49-F238E27FC236}">
+                <a16:creationId xmlns:a16="http://schemas.microsoft.com/office/drawing/2014/main" id="{1D38EDB9-902C-478A-82A3-69D163B4901C}"/>
+              </a:ext>
+            </a:extLst>
+          </p:cNvPr>
+          <p:cNvCxnSpPr>
+            <a:cxnSpLocks/>
+            <a:stCxn id="8" idx="3"/>
+            <a:endCxn id="13" idx="1"/>
+          </p:cNvCxnSpPr>
+          <p:nvPr/>
+        </p:nvCxnSpPr>
+        <p:spPr bwMode="auto">
+          <a:xfrm>
+            <a:off x="4457700" y="2628423"/>
+            <a:ext cx="2552700" cy="0"/>
+          </a:xfrm>
+          <a:prstGeom prst="straightConnector1">
+            <a:avLst/>
+          </a:prstGeom>
+          <a:ln>
+            <a:headEnd type="none" w="sm" len="sm"/>
+            <a:tailEnd type="triangle"/>
+          </a:ln>
+        </p:spPr>
+        <p:style>
+          <a:lnRef idx="2">
+            <a:schemeClr val="accent3"/>
+          </a:lnRef>
+          <a:fillRef idx="0">
+            <a:schemeClr val="accent3"/>
+          </a:fillRef>
+          <a:effectRef idx="1">
+            <a:schemeClr val="accent3"/>
+          </a:effectRef>
+          <a:fontRef idx="minor">
+            <a:schemeClr val="tx1"/>
+          </a:fontRef>
+        </p:style>
+      </p:cxnSp>
+      <p:cxnSp>
+        <p:nvCxnSpPr>
+          <p:cNvPr id="18" name="Straight Arrow Connector 17">
+            <a:extLst>
+              <a:ext uri="{FF2B5EF4-FFF2-40B4-BE49-F238E27FC236}">
+                <a16:creationId xmlns:a16="http://schemas.microsoft.com/office/drawing/2014/main" id="{1D38EDB9-902C-478A-82A3-69D163B4901C}"/>
+              </a:ext>
+            </a:extLst>
+          </p:cNvPr>
+          <p:cNvCxnSpPr>
+            <a:cxnSpLocks/>
+            <a:stCxn id="6" idx="3"/>
+            <a:endCxn id="11" idx="1"/>
+          </p:cNvCxnSpPr>
+          <p:nvPr/>
+        </p:nvCxnSpPr>
+        <p:spPr bwMode="auto">
+          <a:xfrm>
+            <a:off x="4470400" y="3516809"/>
+            <a:ext cx="2540000" cy="9250"/>
+          </a:xfrm>
+          <a:prstGeom prst="straightConnector1">
+            <a:avLst/>
+          </a:prstGeom>
+          <a:ln>
+            <a:headEnd type="none" w="sm" len="sm"/>
+            <a:tailEnd type="triangle"/>
+          </a:ln>
+        </p:spPr>
+        <p:style>
+          <a:lnRef idx="2">
+            <a:schemeClr val="accent3"/>
+          </a:lnRef>
+          <a:fillRef idx="0">
+            <a:schemeClr val="accent3"/>
+          </a:fillRef>
+          <a:effectRef idx="1">
+            <a:schemeClr val="accent3"/>
+          </a:effectRef>
+          <a:fontRef idx="minor">
+            <a:schemeClr val="tx1"/>
+          </a:fontRef>
+        </p:style>
+      </p:cxnSp>
+      <p:cxnSp>
+        <p:nvCxnSpPr>
+          <p:cNvPr id="21" name="Straight Arrow Connector 20">
+            <a:extLst>
+              <a:ext uri="{FF2B5EF4-FFF2-40B4-BE49-F238E27FC236}">
+                <a16:creationId xmlns:a16="http://schemas.microsoft.com/office/drawing/2014/main" id="{1D38EDB9-902C-478A-82A3-69D163B4901C}"/>
+              </a:ext>
+            </a:extLst>
+          </p:cNvPr>
+          <p:cNvCxnSpPr>
+            <a:cxnSpLocks/>
+            <a:stCxn id="9" idx="3"/>
+            <a:endCxn id="14" idx="1"/>
+          </p:cNvCxnSpPr>
+          <p:nvPr/>
+        </p:nvCxnSpPr>
+        <p:spPr bwMode="auto">
+          <a:xfrm>
+            <a:off x="4470400" y="4405195"/>
+            <a:ext cx="2540000" cy="0"/>
+          </a:xfrm>
+          <a:prstGeom prst="straightConnector1">
+            <a:avLst/>
+          </a:prstGeom>
+          <a:ln>
+            <a:headEnd type="none" w="sm" len="sm"/>
+            <a:tailEnd type="triangle"/>
+          </a:ln>
+        </p:spPr>
+        <p:style>
+          <a:lnRef idx="2">
+            <a:schemeClr val="accent3"/>
+          </a:lnRef>
+          <a:fillRef idx="0">
+            <a:schemeClr val="accent3"/>
+          </a:fillRef>
+          <a:effectRef idx="1">
+            <a:schemeClr val="accent3"/>
+          </a:effectRef>
+          <a:fontRef idx="minor">
+            <a:schemeClr val="tx1"/>
+          </a:fontRef>
+        </p:style>
+      </p:cxnSp>
+      <p:cxnSp>
+        <p:nvCxnSpPr>
+          <p:cNvPr id="23" name="Straight Arrow Connector 22">
+            <a:extLst>
+              <a:ext uri="{FF2B5EF4-FFF2-40B4-BE49-F238E27FC236}">
+                <a16:creationId xmlns:a16="http://schemas.microsoft.com/office/drawing/2014/main" id="{1D38EDB9-902C-478A-82A3-69D163B4901C}"/>
+              </a:ext>
+            </a:extLst>
+          </p:cNvPr>
+          <p:cNvCxnSpPr>
+            <a:cxnSpLocks/>
+            <a:stCxn id="7" idx="3"/>
+            <a:endCxn id="12" idx="1"/>
+          </p:cNvCxnSpPr>
+          <p:nvPr/>
+        </p:nvCxnSpPr>
+        <p:spPr bwMode="auto">
+          <a:xfrm>
+            <a:off x="4470400" y="5282829"/>
+            <a:ext cx="2540000" cy="0"/>
+          </a:xfrm>
+          <a:prstGeom prst="straightConnector1">
+            <a:avLst/>
+          </a:prstGeom>
+          <a:ln>
+            <a:headEnd type="none" w="sm" len="sm"/>
+            <a:tailEnd type="triangle"/>
+          </a:ln>
+        </p:spPr>
+        <p:style>
+          <a:lnRef idx="2">
+            <a:schemeClr val="accent3"/>
+          </a:lnRef>
+          <a:fillRef idx="0">
+            <a:schemeClr val="accent3"/>
+          </a:fillRef>
+          <a:effectRef idx="1">
+            <a:schemeClr val="accent3"/>
+          </a:effectRef>
+          <a:fontRef idx="minor">
+            <a:schemeClr val="tx1"/>
+          </a:fontRef>
+        </p:style>
+      </p:cxnSp>
+      <p:sp>
+        <p:nvSpPr>
+          <p:cNvPr id="27" name="TextBox 26"/>
+          <p:cNvSpPr txBox="1"/>
+          <p:nvPr/>
+        </p:nvSpPr>
+        <p:spPr>
+          <a:xfrm>
+            <a:off x="2438400" y="1207252"/>
+            <a:ext cx="2298700" cy="923330"/>
+          </a:xfrm>
+          <a:prstGeom prst="rect">
+            <a:avLst/>
+          </a:prstGeom>
+          <a:noFill/>
+        </p:spPr>
+        <p:txBody>
+          <a:bodyPr wrap="square" rtlCol="0">
+            <a:spAutoFit/>
+          </a:bodyPr>
+          <a:lstStyle/>
+          <a:p>
+            <a:pPr algn="ctr"/>
+            <a:r>
+              <a:rPr lang="en-US" sz="1800" b="1" dirty="0" smtClean="0">
+                <a:solidFill>
+                  <a:schemeClr val="bg1"/>
+                </a:solidFill>
+              </a:rPr>
+              <a:t>ISO </a:t>
+            </a:r>
+          </a:p>
+          <a:p>
+            <a:pPr algn="ctr"/>
+            <a:r>
+              <a:rPr lang="en-US" sz="1800" b="1" dirty="0" smtClean="0">
+                <a:solidFill>
+                  <a:schemeClr val="bg1"/>
+                </a:solidFill>
+              </a:rPr>
+              <a:t>Assessment Reference Model</a:t>
+            </a:r>
+            <a:endParaRPr lang="en-GB" sz="1800" b="1" dirty="0">
+              <a:solidFill>
+                <a:schemeClr val="bg1"/>
+              </a:solidFill>
+            </a:endParaRPr>
+          </a:p>
+        </p:txBody>
+      </p:sp>
+      <p:sp>
+        <p:nvSpPr>
+          <p:cNvPr id="28" name="TextBox 27"/>
+          <p:cNvSpPr txBox="1"/>
+          <p:nvPr/>
+        </p:nvSpPr>
+        <p:spPr>
+          <a:xfrm>
+            <a:off x="6731000" y="1224981"/>
+            <a:ext cx="2298700" cy="923330"/>
+          </a:xfrm>
+          <a:prstGeom prst="rect">
+            <a:avLst/>
+          </a:prstGeom>
+          <a:noFill/>
+        </p:spPr>
+        <p:txBody>
+          <a:bodyPr wrap="square" rtlCol="0">
+            <a:spAutoFit/>
+          </a:bodyPr>
+          <a:lstStyle/>
+          <a:p>
+            <a:pPr algn="ctr"/>
+            <a:r>
+              <a:rPr lang="en-US" sz="1800" b="1" dirty="0" smtClean="0">
+                <a:solidFill>
+                  <a:schemeClr val="bg1"/>
+                </a:solidFill>
+              </a:rPr>
+              <a:t>Modified Assessment Reference Model</a:t>
+            </a:r>
+            <a:endParaRPr lang="en-GB" sz="1800" b="1" dirty="0">
+              <a:solidFill>
+                <a:schemeClr val="bg1"/>
+              </a:solidFill>
+            </a:endParaRPr>
           </a:p>
         </p:txBody>
       </p:sp>
     </p:spTree>
     <p:extLst>
       <p:ext uri="{BB962C8B-B14F-4D97-AF65-F5344CB8AC3E}">
-        <p14:creationId xmlns:p14="http://schemas.microsoft.com/office/powerpoint/2010/main" val="1433677530"/>
+        <p14:creationId xmlns:p14="http://schemas.microsoft.com/office/powerpoint/2010/main" val="3500977169"/>
       </p:ext>
     </p:extLst>
   </p:cSld>
@@ -5060,6 +8686,1921 @@
           <a:lstStyle/>
           <a:p>
             <a:r>
+              <a:rPr lang="en-US" dirty="0" smtClean="0"/>
+              <a:t>Modified Assessment System</a:t>
+            </a:r>
+            <a:endParaRPr lang="en-US" dirty="0"/>
+          </a:p>
+        </p:txBody>
+      </p:sp>
+      <p:pic>
+        <p:nvPicPr>
+          <p:cNvPr id="21" name="Picture 20"/>
+          <p:cNvPicPr>
+            <a:picLocks noChangeAspect="1"/>
+          </p:cNvPicPr>
+          <p:nvPr/>
+        </p:nvPicPr>
+        <p:blipFill>
+          <a:blip r:embed="rId2"/>
+          <a:stretch>
+            <a:fillRect/>
+          </a:stretch>
+        </p:blipFill>
+        <p:spPr>
+          <a:xfrm>
+            <a:off x="771943" y="1484993"/>
+            <a:ext cx="3524752" cy="2045359"/>
+          </a:xfrm>
+          <a:prstGeom prst="rect">
+            <a:avLst/>
+          </a:prstGeom>
+        </p:spPr>
+      </p:pic>
+      <p:sp>
+        <p:nvSpPr>
+          <p:cNvPr id="22" name="Rectangle 21"/>
+          <p:cNvSpPr/>
+          <p:nvPr/>
+        </p:nvSpPr>
+        <p:spPr>
+          <a:xfrm>
+            <a:off x="1624537" y="4586512"/>
+            <a:ext cx="1819564" cy="581891"/>
+          </a:xfrm>
+          <a:prstGeom prst="rect">
+            <a:avLst/>
+          </a:prstGeom>
+          <a:ln/>
+        </p:spPr>
+        <p:style>
+          <a:lnRef idx="2">
+            <a:schemeClr val="accent3"/>
+          </a:lnRef>
+          <a:fillRef idx="1">
+            <a:schemeClr val="lt1"/>
+          </a:fillRef>
+          <a:effectRef idx="0">
+            <a:schemeClr val="accent3"/>
+          </a:effectRef>
+          <a:fontRef idx="minor">
+            <a:schemeClr val="dk1"/>
+          </a:fontRef>
+        </p:style>
+        <p:txBody>
+          <a:bodyPr rtlCol="0" anchor="t"/>
+          <a:lstStyle/>
+          <a:p>
+            <a:pPr algn="ctr"/>
+            <a:r>
+              <a:rPr lang="en-US" sz="1200" b="1" dirty="0" smtClean="0">
+                <a:solidFill>
+                  <a:schemeClr val="tx1"/>
+                </a:solidFill>
+              </a:rPr>
+              <a:t>1. Identify Business Processes</a:t>
+            </a:r>
+            <a:endParaRPr lang="en-GB" sz="1200" b="1" dirty="0">
+              <a:solidFill>
+                <a:schemeClr val="tx1"/>
+              </a:solidFill>
+            </a:endParaRPr>
+          </a:p>
+        </p:txBody>
+      </p:sp>
+      <p:sp>
+        <p:nvSpPr>
+          <p:cNvPr id="23" name="Rectangle 22"/>
+          <p:cNvSpPr/>
+          <p:nvPr/>
+        </p:nvSpPr>
+        <p:spPr>
+          <a:xfrm>
+            <a:off x="3845882" y="4586512"/>
+            <a:ext cx="1819564" cy="581891"/>
+          </a:xfrm>
+          <a:prstGeom prst="rect">
+            <a:avLst/>
+          </a:prstGeom>
+          <a:ln/>
+        </p:spPr>
+        <p:style>
+          <a:lnRef idx="2">
+            <a:schemeClr val="accent3"/>
+          </a:lnRef>
+          <a:fillRef idx="1">
+            <a:schemeClr val="lt1"/>
+          </a:fillRef>
+          <a:effectRef idx="0">
+            <a:schemeClr val="accent3"/>
+          </a:effectRef>
+          <a:fontRef idx="minor">
+            <a:schemeClr val="dk1"/>
+          </a:fontRef>
+        </p:style>
+        <p:txBody>
+          <a:bodyPr rtlCol="0" anchor="t"/>
+          <a:lstStyle/>
+          <a:p>
+            <a:pPr algn="ctr"/>
+            <a:r>
+              <a:rPr lang="en-US" sz="1200" b="1" dirty="0" smtClean="0">
+                <a:solidFill>
+                  <a:schemeClr val="tx1"/>
+                </a:solidFill>
+              </a:rPr>
+              <a:t>2. Identify Information Requirements</a:t>
+            </a:r>
+            <a:endParaRPr lang="en-GB" sz="1200" b="1" dirty="0">
+              <a:solidFill>
+                <a:schemeClr val="tx1"/>
+              </a:solidFill>
+            </a:endParaRPr>
+          </a:p>
+        </p:txBody>
+      </p:sp>
+      <p:sp>
+        <p:nvSpPr>
+          <p:cNvPr id="24" name="Rectangle 23"/>
+          <p:cNvSpPr/>
+          <p:nvPr/>
+        </p:nvSpPr>
+        <p:spPr>
+          <a:xfrm>
+            <a:off x="6067227" y="4586512"/>
+            <a:ext cx="1819564" cy="581891"/>
+          </a:xfrm>
+          <a:prstGeom prst="rect">
+            <a:avLst/>
+          </a:prstGeom>
+          <a:ln/>
+        </p:spPr>
+        <p:style>
+          <a:lnRef idx="2">
+            <a:schemeClr val="accent3"/>
+          </a:lnRef>
+          <a:fillRef idx="1">
+            <a:schemeClr val="lt1"/>
+          </a:fillRef>
+          <a:effectRef idx="0">
+            <a:schemeClr val="accent3"/>
+          </a:effectRef>
+          <a:fontRef idx="minor">
+            <a:schemeClr val="dk1"/>
+          </a:fontRef>
+        </p:style>
+        <p:txBody>
+          <a:bodyPr rtlCol="0" anchor="t"/>
+          <a:lstStyle/>
+          <a:p>
+            <a:pPr algn="ctr"/>
+            <a:r>
+              <a:rPr lang="en-US" sz="1200" b="1" dirty="0" smtClean="0">
+                <a:solidFill>
+                  <a:schemeClr val="tx1"/>
+                </a:solidFill>
+              </a:rPr>
+              <a:t>3. Identify Tool Chain Requirement</a:t>
+            </a:r>
+            <a:endParaRPr lang="en-GB" sz="1200" b="1" dirty="0">
+              <a:solidFill>
+                <a:schemeClr val="tx1"/>
+              </a:solidFill>
+            </a:endParaRPr>
+          </a:p>
+        </p:txBody>
+      </p:sp>
+      <p:sp>
+        <p:nvSpPr>
+          <p:cNvPr id="27" name="Rectangle 26"/>
+          <p:cNvSpPr/>
+          <p:nvPr/>
+        </p:nvSpPr>
+        <p:spPr>
+          <a:xfrm>
+            <a:off x="8288572" y="4586512"/>
+            <a:ext cx="1819564" cy="581891"/>
+          </a:xfrm>
+          <a:prstGeom prst="rect">
+            <a:avLst/>
+          </a:prstGeom>
+          <a:ln/>
+        </p:spPr>
+        <p:style>
+          <a:lnRef idx="2">
+            <a:schemeClr val="accent3"/>
+          </a:lnRef>
+          <a:fillRef idx="1">
+            <a:schemeClr val="lt1"/>
+          </a:fillRef>
+          <a:effectRef idx="0">
+            <a:schemeClr val="accent3"/>
+          </a:effectRef>
+          <a:fontRef idx="minor">
+            <a:schemeClr val="dk1"/>
+          </a:fontRef>
+        </p:style>
+        <p:txBody>
+          <a:bodyPr rtlCol="0" anchor="t"/>
+          <a:lstStyle/>
+          <a:p>
+            <a:pPr algn="ctr"/>
+            <a:r>
+              <a:rPr lang="en-US" sz="1200" b="1" dirty="0" smtClean="0">
+                <a:solidFill>
+                  <a:schemeClr val="tx1"/>
+                </a:solidFill>
+              </a:rPr>
+              <a:t>4. Identify Industry/Supplier Requirements</a:t>
+            </a:r>
+            <a:endParaRPr lang="en-GB" sz="1200" b="1" dirty="0">
+              <a:solidFill>
+                <a:schemeClr val="tx1"/>
+              </a:solidFill>
+            </a:endParaRPr>
+          </a:p>
+        </p:txBody>
+      </p:sp>
+      <p:cxnSp>
+        <p:nvCxnSpPr>
+          <p:cNvPr id="28" name="Straight Arrow Connector 27"/>
+          <p:cNvCxnSpPr>
+            <a:stCxn id="22" idx="3"/>
+            <a:endCxn id="23" idx="1"/>
+          </p:cNvCxnSpPr>
+          <p:nvPr/>
+        </p:nvCxnSpPr>
+        <p:spPr>
+          <a:xfrm>
+            <a:off x="3444101" y="4877458"/>
+            <a:ext cx="401781" cy="0"/>
+          </a:xfrm>
+          <a:prstGeom prst="straightConnector1">
+            <a:avLst/>
+          </a:prstGeom>
+          <a:ln>
+            <a:tailEnd type="triangle"/>
+          </a:ln>
+        </p:spPr>
+        <p:style>
+          <a:lnRef idx="2">
+            <a:schemeClr val="accent3"/>
+          </a:lnRef>
+          <a:fillRef idx="1">
+            <a:schemeClr val="lt1"/>
+          </a:fillRef>
+          <a:effectRef idx="0">
+            <a:schemeClr val="accent3"/>
+          </a:effectRef>
+          <a:fontRef idx="minor">
+            <a:schemeClr val="dk1"/>
+          </a:fontRef>
+        </p:style>
+      </p:cxnSp>
+      <p:cxnSp>
+        <p:nvCxnSpPr>
+          <p:cNvPr id="30" name="Straight Arrow Connector 29"/>
+          <p:cNvCxnSpPr>
+            <a:stCxn id="23" idx="3"/>
+            <a:endCxn id="24" idx="1"/>
+          </p:cNvCxnSpPr>
+          <p:nvPr/>
+        </p:nvCxnSpPr>
+        <p:spPr>
+          <a:xfrm>
+            <a:off x="5665446" y="4877458"/>
+            <a:ext cx="401781" cy="0"/>
+          </a:xfrm>
+          <a:prstGeom prst="straightConnector1">
+            <a:avLst/>
+          </a:prstGeom>
+          <a:ln>
+            <a:tailEnd type="triangle"/>
+          </a:ln>
+        </p:spPr>
+        <p:style>
+          <a:lnRef idx="2">
+            <a:schemeClr val="accent3"/>
+          </a:lnRef>
+          <a:fillRef idx="1">
+            <a:schemeClr val="lt1"/>
+          </a:fillRef>
+          <a:effectRef idx="0">
+            <a:schemeClr val="accent3"/>
+          </a:effectRef>
+          <a:fontRef idx="minor">
+            <a:schemeClr val="dk1"/>
+          </a:fontRef>
+        </p:style>
+      </p:cxnSp>
+      <p:cxnSp>
+        <p:nvCxnSpPr>
+          <p:cNvPr id="31" name="Straight Arrow Connector 30"/>
+          <p:cNvCxnSpPr>
+            <a:stCxn id="24" idx="3"/>
+            <a:endCxn id="27" idx="1"/>
+          </p:cNvCxnSpPr>
+          <p:nvPr/>
+        </p:nvCxnSpPr>
+        <p:spPr>
+          <a:xfrm>
+            <a:off x="7886791" y="4877458"/>
+            <a:ext cx="401781" cy="0"/>
+          </a:xfrm>
+          <a:prstGeom prst="straightConnector1">
+            <a:avLst/>
+          </a:prstGeom>
+          <a:ln>
+            <a:tailEnd type="triangle"/>
+          </a:ln>
+        </p:spPr>
+        <p:style>
+          <a:lnRef idx="2">
+            <a:schemeClr val="accent3"/>
+          </a:lnRef>
+          <a:fillRef idx="1">
+            <a:schemeClr val="lt1"/>
+          </a:fillRef>
+          <a:effectRef idx="0">
+            <a:schemeClr val="accent3"/>
+          </a:effectRef>
+          <a:fontRef idx="minor">
+            <a:schemeClr val="dk1"/>
+          </a:fontRef>
+        </p:style>
+      </p:cxnSp>
+      <p:sp>
+        <p:nvSpPr>
+          <p:cNvPr id="39" name="Bent Arrow 38"/>
+          <p:cNvSpPr/>
+          <p:nvPr/>
+        </p:nvSpPr>
+        <p:spPr bwMode="auto">
+          <a:xfrm rot="5400000">
+            <a:off x="4122395" y="2489200"/>
+            <a:ext cx="1968500" cy="1143000"/>
+          </a:xfrm>
+          <a:prstGeom prst="bentArrow">
+            <a:avLst/>
+          </a:prstGeom>
+          <a:solidFill>
+            <a:schemeClr val="bg1">
+              <a:lumMod val="75000"/>
+            </a:schemeClr>
+          </a:solidFill>
+          <a:ln>
+            <a:headEnd type="none" w="sm" len="sm"/>
+            <a:tailEnd type="none" w="sm" len="sm"/>
+          </a:ln>
+        </p:spPr>
+        <p:style>
+          <a:lnRef idx="1">
+            <a:schemeClr val="accent3"/>
+          </a:lnRef>
+          <a:fillRef idx="2">
+            <a:schemeClr val="accent3"/>
+          </a:fillRef>
+          <a:effectRef idx="1">
+            <a:schemeClr val="accent3"/>
+          </a:effectRef>
+          <a:fontRef idx="minor">
+            <a:schemeClr val="dk1"/>
+          </a:fontRef>
+        </p:style>
+        <p:txBody>
+          <a:bodyPr vert="horz" wrap="square" lIns="91440" tIns="45720" rIns="91440" bIns="45720" numCol="1" rtlCol="0" anchor="t" anchorCtr="0" compatLnSpc="1">
+            <a:prstTxWarp prst="textNoShape">
+              <a:avLst/>
+            </a:prstTxWarp>
+          </a:bodyPr>
+          <a:lstStyle/>
+          <a:p>
+            <a:pPr marL="0" marR="0" indent="0" algn="l" defTabSz="914400" rtl="0" eaLnBrk="0" fontAlgn="base" latinLnBrk="0" hangingPunct="0">
+              <a:lnSpc>
+                <a:spcPct val="100000"/>
+              </a:lnSpc>
+              <a:spcBef>
+                <a:spcPct val="0"/>
+              </a:spcBef>
+              <a:spcAft>
+                <a:spcPct val="0"/>
+              </a:spcAft>
+              <a:buClrTx/>
+              <a:buSzTx/>
+              <a:buFontTx/>
+              <a:buNone/>
+              <a:tabLst/>
+            </a:pPr>
+            <a:endParaRPr kumimoji="0" lang="en-GB" sz="900" b="0" i="0" u="none" strike="noStrike" cap="none" normalizeH="0" baseline="0" smtClean="0">
+              <a:ln>
+                <a:noFill/>
+              </a:ln>
+              <a:solidFill>
+                <a:schemeClr val="tx1"/>
+              </a:solidFill>
+              <a:effectLst/>
+              <a:latin typeface="Arial" charset="0"/>
+            </a:endParaRPr>
+          </a:p>
+        </p:txBody>
+      </p:sp>
+      <p:cxnSp>
+        <p:nvCxnSpPr>
+          <p:cNvPr id="53" name="Connector: Elbow 49">
+            <a:extLst>
+              <a:ext uri="{FF2B5EF4-FFF2-40B4-BE49-F238E27FC236}">
+                <a16:creationId xmlns:a16="http://schemas.microsoft.com/office/drawing/2014/main" id="{C43AE401-BE53-47DE-9FBA-4377DDAC4FEF}"/>
+              </a:ext>
+            </a:extLst>
+          </p:cNvPr>
+          <p:cNvCxnSpPr>
+            <a:cxnSpLocks/>
+            <a:stCxn id="22" idx="2"/>
+            <a:endCxn id="65" idx="1"/>
+          </p:cNvCxnSpPr>
+          <p:nvPr/>
+        </p:nvCxnSpPr>
+        <p:spPr bwMode="auto">
+          <a:xfrm rot="16200000" flipH="1">
+            <a:off x="3266930" y="4435791"/>
+            <a:ext cx="839085" cy="2304307"/>
+          </a:xfrm>
+          <a:prstGeom prst="bentConnector2">
+            <a:avLst/>
+          </a:prstGeom>
+          <a:ln>
+            <a:headEnd type="none" w="sm" len="sm"/>
+            <a:tailEnd type="triangle"/>
+          </a:ln>
+        </p:spPr>
+        <p:style>
+          <a:lnRef idx="2">
+            <a:schemeClr val="accent3"/>
+          </a:lnRef>
+          <a:fillRef idx="0">
+            <a:schemeClr val="accent3"/>
+          </a:fillRef>
+          <a:effectRef idx="1">
+            <a:schemeClr val="accent3"/>
+          </a:effectRef>
+          <a:fontRef idx="minor">
+            <a:schemeClr val="tx1"/>
+          </a:fontRef>
+        </p:style>
+      </p:cxnSp>
+      <p:cxnSp>
+        <p:nvCxnSpPr>
+          <p:cNvPr id="55" name="Connector: Elbow 55">
+            <a:extLst>
+              <a:ext uri="{FF2B5EF4-FFF2-40B4-BE49-F238E27FC236}">
+                <a16:creationId xmlns:a16="http://schemas.microsoft.com/office/drawing/2014/main" id="{FC880DDF-7AB9-47C4-96B9-6D6E543D749B}"/>
+              </a:ext>
+            </a:extLst>
+          </p:cNvPr>
+          <p:cNvCxnSpPr>
+            <a:cxnSpLocks/>
+          </p:cNvCxnSpPr>
+          <p:nvPr/>
+        </p:nvCxnSpPr>
+        <p:spPr bwMode="auto">
+          <a:xfrm rot="16200000" flipH="1">
+            <a:off x="6345851" y="5478607"/>
+            <a:ext cx="585755" cy="2"/>
+          </a:xfrm>
+          <a:prstGeom prst="bentConnector3">
+            <a:avLst>
+              <a:gd name="adj1" fmla="val 50000"/>
+            </a:avLst>
+          </a:prstGeom>
+          <a:ln>
+            <a:headEnd type="none" w="sm" len="sm"/>
+            <a:tailEnd type="triangle"/>
+          </a:ln>
+        </p:spPr>
+        <p:style>
+          <a:lnRef idx="2">
+            <a:schemeClr val="accent3"/>
+          </a:lnRef>
+          <a:fillRef idx="0">
+            <a:schemeClr val="accent3"/>
+          </a:fillRef>
+          <a:effectRef idx="1">
+            <a:schemeClr val="accent3"/>
+          </a:effectRef>
+          <a:fontRef idx="minor">
+            <a:schemeClr val="tx1"/>
+          </a:fontRef>
+        </p:style>
+      </p:cxnSp>
+      <p:cxnSp>
+        <p:nvCxnSpPr>
+          <p:cNvPr id="56" name="Connector: Elbow 63">
+            <a:extLst>
+              <a:ext uri="{FF2B5EF4-FFF2-40B4-BE49-F238E27FC236}">
+                <a16:creationId xmlns:a16="http://schemas.microsoft.com/office/drawing/2014/main" id="{0A0343F1-8891-4EB3-A88D-E7D982C4BB00}"/>
+              </a:ext>
+            </a:extLst>
+          </p:cNvPr>
+          <p:cNvCxnSpPr>
+            <a:cxnSpLocks/>
+            <a:stCxn id="27" idx="2"/>
+            <a:endCxn id="65" idx="3"/>
+          </p:cNvCxnSpPr>
+          <p:nvPr/>
+        </p:nvCxnSpPr>
+        <p:spPr bwMode="auto">
+          <a:xfrm rot="5400000">
+            <a:off x="7617065" y="4426198"/>
+            <a:ext cx="839085" cy="2323495"/>
+          </a:xfrm>
+          <a:prstGeom prst="bentConnector2">
+            <a:avLst/>
+          </a:prstGeom>
+          <a:ln>
+            <a:headEnd type="none" w="sm" len="sm"/>
+            <a:tailEnd type="triangle"/>
+          </a:ln>
+        </p:spPr>
+        <p:style>
+          <a:lnRef idx="2">
+            <a:schemeClr val="accent3"/>
+          </a:lnRef>
+          <a:fillRef idx="0">
+            <a:schemeClr val="accent3"/>
+          </a:fillRef>
+          <a:effectRef idx="1">
+            <a:schemeClr val="accent3"/>
+          </a:effectRef>
+          <a:fontRef idx="minor">
+            <a:schemeClr val="tx1"/>
+          </a:fontRef>
+        </p:style>
+      </p:cxnSp>
+      <p:cxnSp>
+        <p:nvCxnSpPr>
+          <p:cNvPr id="64" name="Connector: Elbow 55">
+            <a:extLst>
+              <a:ext uri="{FF2B5EF4-FFF2-40B4-BE49-F238E27FC236}">
+                <a16:creationId xmlns:a16="http://schemas.microsoft.com/office/drawing/2014/main" id="{FC880DDF-7AB9-47C4-96B9-6D6E543D749B}"/>
+              </a:ext>
+            </a:extLst>
+          </p:cNvPr>
+          <p:cNvCxnSpPr>
+            <a:cxnSpLocks/>
+          </p:cNvCxnSpPr>
+          <p:nvPr/>
+        </p:nvCxnSpPr>
+        <p:spPr bwMode="auto">
+          <a:xfrm rot="16200000" flipH="1">
+            <a:off x="4787300" y="5478607"/>
+            <a:ext cx="585755" cy="2"/>
+          </a:xfrm>
+          <a:prstGeom prst="bentConnector3">
+            <a:avLst>
+              <a:gd name="adj1" fmla="val 50000"/>
+            </a:avLst>
+          </a:prstGeom>
+          <a:ln>
+            <a:headEnd type="none" w="sm" len="sm"/>
+            <a:tailEnd type="triangle"/>
+          </a:ln>
+        </p:spPr>
+        <p:style>
+          <a:lnRef idx="2">
+            <a:schemeClr val="accent3"/>
+          </a:lnRef>
+          <a:fillRef idx="0">
+            <a:schemeClr val="accent3"/>
+          </a:fillRef>
+          <a:effectRef idx="1">
+            <a:schemeClr val="accent3"/>
+          </a:effectRef>
+          <a:fontRef idx="minor">
+            <a:schemeClr val="tx1"/>
+          </a:fontRef>
+        </p:style>
+      </p:cxnSp>
+      <p:sp>
+        <p:nvSpPr>
+          <p:cNvPr id="65" name="Rectangle: Rounded Corners 35">
+            <a:extLst>
+              <a:ext uri="{FF2B5EF4-FFF2-40B4-BE49-F238E27FC236}">
+                <a16:creationId xmlns:a16="http://schemas.microsoft.com/office/drawing/2014/main" id="{FC07DB42-05F3-4DFB-BF60-1351EA9DAD0B}"/>
+              </a:ext>
+            </a:extLst>
+          </p:cNvPr>
+          <p:cNvSpPr/>
+          <p:nvPr/>
+        </p:nvSpPr>
+        <p:spPr bwMode="auto">
+          <a:xfrm>
+            <a:off x="4838626" y="5776771"/>
+            <a:ext cx="2036233" cy="461434"/>
+          </a:xfrm>
+          <a:prstGeom prst="roundRect">
+            <a:avLst/>
+          </a:prstGeom>
+          <a:solidFill>
+            <a:schemeClr val="bg1"/>
+          </a:solidFill>
+          <a:ln>
+            <a:solidFill>
+              <a:schemeClr val="bg1"/>
+            </a:solidFill>
+            <a:headEnd type="none" w="sm" len="sm"/>
+            <a:tailEnd type="none" w="sm" len="sm"/>
+          </a:ln>
+        </p:spPr>
+        <p:style>
+          <a:lnRef idx="1">
+            <a:schemeClr val="dk1"/>
+          </a:lnRef>
+          <a:fillRef idx="2">
+            <a:schemeClr val="dk1"/>
+          </a:fillRef>
+          <a:effectRef idx="1">
+            <a:schemeClr val="dk1"/>
+          </a:effectRef>
+          <a:fontRef idx="minor">
+            <a:schemeClr val="dk1"/>
+          </a:fontRef>
+        </p:style>
+        <p:txBody>
+          <a:bodyPr vert="horz" wrap="square" lIns="91440" tIns="45720" rIns="91440" bIns="45720" numCol="1" rtlCol="0" anchor="ctr" anchorCtr="0" compatLnSpc="1">
+            <a:prstTxWarp prst="textNoShape">
+              <a:avLst/>
+            </a:prstTxWarp>
+          </a:bodyPr>
+          <a:lstStyle/>
+          <a:p>
+            <a:pPr marL="0" marR="0" indent="0" algn="ctr" defTabSz="914400" rtl="0" eaLnBrk="0" fontAlgn="base" latinLnBrk="0" hangingPunct="0">
+              <a:lnSpc>
+                <a:spcPct val="100000"/>
+              </a:lnSpc>
+              <a:spcBef>
+                <a:spcPct val="0"/>
+              </a:spcBef>
+              <a:spcAft>
+                <a:spcPct val="0"/>
+              </a:spcAft>
+              <a:buClrTx/>
+              <a:buSzTx/>
+              <a:buFontTx/>
+              <a:buNone/>
+              <a:tabLst/>
+            </a:pPr>
+            <a:r>
+              <a:rPr kumimoji="0" lang="en-US" sz="1400" b="0" i="0" u="none" strike="noStrike" cap="none" normalizeH="0" baseline="0" dirty="0">
+                <a:ln>
+                  <a:noFill/>
+                </a:ln>
+                <a:solidFill>
+                  <a:schemeClr val="tx1"/>
+                </a:solidFill>
+                <a:effectLst/>
+                <a:latin typeface="Arial" charset="0"/>
+              </a:rPr>
+              <a:t>Aggregating</a:t>
+            </a:r>
+          </a:p>
+        </p:txBody>
+      </p:sp>
+      <p:sp>
+        <p:nvSpPr>
+          <p:cNvPr id="68" name="TextBox 67"/>
+          <p:cNvSpPr txBox="1"/>
+          <p:nvPr/>
+        </p:nvSpPr>
+        <p:spPr>
+          <a:xfrm>
+            <a:off x="1094692" y="1055973"/>
+            <a:ext cx="3057054" cy="369332"/>
+          </a:xfrm>
+          <a:prstGeom prst="rect">
+            <a:avLst/>
+          </a:prstGeom>
+          <a:noFill/>
+        </p:spPr>
+        <p:txBody>
+          <a:bodyPr wrap="square" rtlCol="0">
+            <a:spAutoFit/>
+          </a:bodyPr>
+          <a:lstStyle/>
+          <a:p>
+            <a:pPr algn="ctr"/>
+            <a:r>
+              <a:rPr lang="en-US" sz="1800" b="1" dirty="0" smtClean="0">
+                <a:solidFill>
+                  <a:schemeClr val="bg1"/>
+                </a:solidFill>
+              </a:rPr>
+              <a:t>ISO Assessment System</a:t>
+            </a:r>
+            <a:endParaRPr lang="en-GB" sz="1800" b="1" dirty="0">
+              <a:solidFill>
+                <a:schemeClr val="bg1"/>
+              </a:solidFill>
+            </a:endParaRPr>
+          </a:p>
+        </p:txBody>
+      </p:sp>
+      <p:sp>
+        <p:nvSpPr>
+          <p:cNvPr id="69" name="TextBox 68"/>
+          <p:cNvSpPr txBox="1"/>
+          <p:nvPr/>
+        </p:nvSpPr>
+        <p:spPr>
+          <a:xfrm>
+            <a:off x="6638727" y="4110902"/>
+            <a:ext cx="3569213" cy="369332"/>
+          </a:xfrm>
+          <a:prstGeom prst="rect">
+            <a:avLst/>
+          </a:prstGeom>
+          <a:noFill/>
+        </p:spPr>
+        <p:txBody>
+          <a:bodyPr wrap="square" rtlCol="0">
+            <a:spAutoFit/>
+          </a:bodyPr>
+          <a:lstStyle/>
+          <a:p>
+            <a:pPr algn="ctr"/>
+            <a:r>
+              <a:rPr lang="en-US" sz="1800" b="1" dirty="0" smtClean="0">
+                <a:solidFill>
+                  <a:schemeClr val="bg1"/>
+                </a:solidFill>
+              </a:rPr>
+              <a:t>Modified Assessment System</a:t>
+            </a:r>
+            <a:endParaRPr lang="en-GB" sz="1800" b="1" dirty="0">
+              <a:solidFill>
+                <a:schemeClr val="bg1"/>
+              </a:solidFill>
+            </a:endParaRPr>
+          </a:p>
+        </p:txBody>
+      </p:sp>
+    </p:spTree>
+    <p:extLst>
+      <p:ext uri="{BB962C8B-B14F-4D97-AF65-F5344CB8AC3E}">
+        <p14:creationId xmlns:p14="http://schemas.microsoft.com/office/powerpoint/2010/main" val="1433677530"/>
+      </p:ext>
+    </p:extLst>
+  </p:cSld>
+  <p:clrMapOvr>
+    <a:masterClrMapping/>
+  </p:clrMapOvr>
+</p:sld>
+</file>
+
+<file path=ppt/slides/slide14.xml><?xml version="1.0" encoding="utf-8"?>
+<p:sld xmlns:a="http://schemas.openxmlformats.org/drawingml/2006/main" xmlns:r="http://schemas.openxmlformats.org/officeDocument/2006/relationships" xmlns:p="http://schemas.openxmlformats.org/presentationml/2006/main">
+  <p:cSld>
+    <p:spTree>
+      <p:nvGrpSpPr>
+        <p:cNvPr id="1" name=""/>
+        <p:cNvGrpSpPr/>
+        <p:nvPr/>
+      </p:nvGrpSpPr>
+      <p:grpSpPr>
+        <a:xfrm>
+          <a:off x="0" y="0"/>
+          <a:ext cx="0" cy="0"/>
+          <a:chOff x="0" y="0"/>
+          <a:chExt cx="0" cy="0"/>
+        </a:xfrm>
+      </p:grpSpPr>
+      <p:sp>
+        <p:nvSpPr>
+          <p:cNvPr id="5" name="Content Placeholder 4"/>
+          <p:cNvSpPr>
+            <a:spLocks noGrp="1"/>
+          </p:cNvSpPr>
+          <p:nvPr>
+            <p:ph idx="1"/>
+          </p:nvPr>
+        </p:nvSpPr>
+        <p:spPr>
+          <a:xfrm>
+            <a:off x="26349" y="1225594"/>
+            <a:ext cx="12192000" cy="1245213"/>
+          </a:xfrm>
+        </p:spPr>
+        <p:txBody>
+          <a:bodyPr/>
+          <a:lstStyle/>
+          <a:p>
+            <a:r>
+              <a:rPr lang="en-US" dirty="0" smtClean="0"/>
+              <a:t>Start with Business Capabilities</a:t>
+            </a:r>
+          </a:p>
+          <a:p>
+            <a:r>
+              <a:rPr lang="en-US" dirty="0" smtClean="0"/>
+              <a:t>Breakdown to the Business Processes</a:t>
+            </a:r>
+            <a:endParaRPr lang="en-GB" dirty="0"/>
+          </a:p>
+        </p:txBody>
+      </p:sp>
+      <p:sp>
+        <p:nvSpPr>
+          <p:cNvPr id="2" name="Title 1"/>
+          <p:cNvSpPr>
+            <a:spLocks noGrp="1"/>
+          </p:cNvSpPr>
+          <p:nvPr>
+            <p:ph type="title"/>
+          </p:nvPr>
+        </p:nvSpPr>
+        <p:spPr/>
+        <p:txBody>
+          <a:bodyPr/>
+          <a:lstStyle/>
+          <a:p>
+            <a:r>
+              <a:rPr lang="en-US" dirty="0" smtClean="0"/>
+              <a:t>Identify Business Processes</a:t>
+            </a:r>
+            <a:endParaRPr lang="en-GB" dirty="0"/>
+          </a:p>
+        </p:txBody>
+      </p:sp>
+      <p:pic>
+        <p:nvPicPr>
+          <p:cNvPr id="6" name="Picture 5"/>
+          <p:cNvPicPr>
+            <a:picLocks noChangeAspect="1"/>
+          </p:cNvPicPr>
+          <p:nvPr/>
+        </p:nvPicPr>
+        <p:blipFill>
+          <a:blip r:embed="rId3">
+            <a:extLst>
+              <a:ext uri="{BEBA8EAE-BF5A-486C-A8C5-ECC9F3942E4B}">
+                <a14:imgProps xmlns:a14="http://schemas.microsoft.com/office/drawing/2010/main">
+                  <a14:imgLayer r:embed="rId4">
+                    <a14:imgEffect>
+                      <a14:brightnessContrast bright="-45000"/>
+                    </a14:imgEffect>
+                  </a14:imgLayer>
+                </a14:imgProps>
+              </a:ext>
+            </a:extLst>
+          </a:blip>
+          <a:stretch>
+            <a:fillRect/>
+          </a:stretch>
+        </p:blipFill>
+        <p:spPr>
+          <a:xfrm>
+            <a:off x="713960" y="3235056"/>
+            <a:ext cx="3808343" cy="3034079"/>
+          </a:xfrm>
+          <a:prstGeom prst="rect">
+            <a:avLst/>
+          </a:prstGeom>
+        </p:spPr>
+      </p:pic>
+      <p:grpSp>
+        <p:nvGrpSpPr>
+          <p:cNvPr id="16" name="Group 15"/>
+          <p:cNvGrpSpPr/>
+          <p:nvPr/>
+        </p:nvGrpSpPr>
+        <p:grpSpPr>
+          <a:xfrm>
+            <a:off x="474819" y="3697357"/>
+            <a:ext cx="4533174" cy="2320806"/>
+            <a:chOff x="770282" y="3815288"/>
+            <a:chExt cx="5642379" cy="2888675"/>
+          </a:xfrm>
+        </p:grpSpPr>
+        <p:pic>
+          <p:nvPicPr>
+            <p:cNvPr id="7" name="Picture 6"/>
+            <p:cNvPicPr>
+              <a:picLocks noChangeAspect="1"/>
+            </p:cNvPicPr>
+            <p:nvPr/>
+          </p:nvPicPr>
+          <p:blipFill>
+            <a:blip r:embed="rId5"/>
+            <a:stretch>
+              <a:fillRect/>
+            </a:stretch>
+          </p:blipFill>
+          <p:spPr>
+            <a:xfrm>
+              <a:off x="770282" y="3815288"/>
+              <a:ext cx="1806575" cy="1200172"/>
+            </a:xfrm>
+            <a:prstGeom prst="rect">
+              <a:avLst/>
+            </a:prstGeom>
+            <a:ln>
+              <a:noFill/>
+            </a:ln>
+            <a:effectLst>
+              <a:outerShdw blurRad="292100" dist="139700" dir="2700000" algn="tl" rotWithShape="0">
+                <a:srgbClr val="333333">
+                  <a:alpha val="65000"/>
+                </a:srgbClr>
+              </a:outerShdw>
+            </a:effectLst>
+          </p:spPr>
+        </p:pic>
+        <p:pic>
+          <p:nvPicPr>
+            <p:cNvPr id="8" name="Picture 7"/>
+            <p:cNvPicPr>
+              <a:picLocks noChangeAspect="1"/>
+            </p:cNvPicPr>
+            <p:nvPr/>
+          </p:nvPicPr>
+          <p:blipFill>
+            <a:blip r:embed="rId6"/>
+            <a:stretch>
+              <a:fillRect/>
+            </a:stretch>
+          </p:blipFill>
+          <p:spPr>
+            <a:xfrm>
+              <a:off x="770282" y="5148789"/>
+              <a:ext cx="1806575" cy="1436478"/>
+            </a:xfrm>
+            <a:prstGeom prst="rect">
+              <a:avLst/>
+            </a:prstGeom>
+            <a:ln>
+              <a:noFill/>
+            </a:ln>
+            <a:effectLst>
+              <a:outerShdw blurRad="292100" dist="139700" dir="2700000" algn="tl" rotWithShape="0">
+                <a:srgbClr val="333333">
+                  <a:alpha val="65000"/>
+                </a:srgbClr>
+              </a:outerShdw>
+            </a:effectLst>
+          </p:spPr>
+        </p:pic>
+        <p:pic>
+          <p:nvPicPr>
+            <p:cNvPr id="9" name="Picture 8"/>
+            <p:cNvPicPr>
+              <a:picLocks noChangeAspect="1"/>
+            </p:cNvPicPr>
+            <p:nvPr/>
+          </p:nvPicPr>
+          <p:blipFill>
+            <a:blip r:embed="rId7"/>
+            <a:stretch>
+              <a:fillRect/>
+            </a:stretch>
+          </p:blipFill>
+          <p:spPr>
+            <a:xfrm>
+              <a:off x="2687982" y="3815288"/>
+              <a:ext cx="1812279" cy="1157845"/>
+            </a:xfrm>
+            <a:prstGeom prst="rect">
+              <a:avLst/>
+            </a:prstGeom>
+            <a:ln>
+              <a:noFill/>
+            </a:ln>
+            <a:effectLst>
+              <a:outerShdw blurRad="292100" dist="139700" dir="2700000" algn="tl" rotWithShape="0">
+                <a:srgbClr val="333333">
+                  <a:alpha val="65000"/>
+                </a:srgbClr>
+              </a:outerShdw>
+            </a:effectLst>
+          </p:spPr>
+        </p:pic>
+        <p:pic>
+          <p:nvPicPr>
+            <p:cNvPr id="10" name="Picture 9"/>
+            <p:cNvPicPr>
+              <a:picLocks noChangeAspect="1"/>
+            </p:cNvPicPr>
+            <p:nvPr/>
+          </p:nvPicPr>
+          <p:blipFill>
+            <a:blip r:embed="rId8"/>
+            <a:stretch>
+              <a:fillRect/>
+            </a:stretch>
+          </p:blipFill>
+          <p:spPr>
+            <a:xfrm>
+              <a:off x="2687981" y="5148789"/>
+              <a:ext cx="1812279" cy="1555174"/>
+            </a:xfrm>
+            <a:prstGeom prst="rect">
+              <a:avLst/>
+            </a:prstGeom>
+            <a:ln>
+              <a:noFill/>
+            </a:ln>
+            <a:effectLst>
+              <a:outerShdw blurRad="292100" dist="139700" dir="2700000" algn="tl" rotWithShape="0">
+                <a:srgbClr val="333333">
+                  <a:alpha val="65000"/>
+                </a:srgbClr>
+              </a:outerShdw>
+            </a:effectLst>
+          </p:spPr>
+        </p:pic>
+        <p:pic>
+          <p:nvPicPr>
+            <p:cNvPr id="11" name="Picture 10"/>
+            <p:cNvPicPr>
+              <a:picLocks noChangeAspect="1"/>
+            </p:cNvPicPr>
+            <p:nvPr/>
+          </p:nvPicPr>
+          <p:blipFill>
+            <a:blip r:embed="rId9"/>
+            <a:stretch>
+              <a:fillRect/>
+            </a:stretch>
+          </p:blipFill>
+          <p:spPr>
+            <a:xfrm>
+              <a:off x="4611384" y="3815288"/>
+              <a:ext cx="1801277" cy="1387046"/>
+            </a:xfrm>
+            <a:prstGeom prst="rect">
+              <a:avLst/>
+            </a:prstGeom>
+            <a:ln>
+              <a:noFill/>
+            </a:ln>
+            <a:effectLst>
+              <a:outerShdw blurRad="292100" dist="139700" dir="2700000" algn="tl" rotWithShape="0">
+                <a:srgbClr val="333333">
+                  <a:alpha val="65000"/>
+                </a:srgbClr>
+              </a:outerShdw>
+            </a:effectLst>
+          </p:spPr>
+        </p:pic>
+      </p:grpSp>
+      <p:sp>
+        <p:nvSpPr>
+          <p:cNvPr id="12" name="TextBox 11">
+            <a:extLst>
+              <a:ext uri="{FF2B5EF4-FFF2-40B4-BE49-F238E27FC236}">
+                <a16:creationId xmlns:a16="http://schemas.microsoft.com/office/drawing/2014/main" id="{C562DB3F-82ED-4BC2-9F2C-16CC9402AA36}"/>
+              </a:ext>
+            </a:extLst>
+          </p:cNvPr>
+          <p:cNvSpPr txBox="1"/>
+          <p:nvPr/>
+        </p:nvSpPr>
+        <p:spPr>
+          <a:xfrm>
+            <a:off x="9121190" y="6328088"/>
+            <a:ext cx="3070810" cy="507831"/>
+          </a:xfrm>
+          <a:prstGeom prst="rect">
+            <a:avLst/>
+          </a:prstGeom>
+          <a:noFill/>
+        </p:spPr>
+        <p:txBody>
+          <a:bodyPr wrap="square" rtlCol="0">
+            <a:spAutoFit/>
+          </a:bodyPr>
+          <a:lstStyle/>
+          <a:p>
+            <a:pPr algn="r"/>
+            <a:r>
+              <a:rPr lang="en-US" dirty="0">
+                <a:solidFill>
+                  <a:schemeClr val="bg1"/>
+                </a:solidFill>
+              </a:rPr>
+              <a:t>Reference: </a:t>
+            </a:r>
+            <a:endParaRPr lang="en-US" dirty="0" smtClean="0">
+              <a:solidFill>
+                <a:schemeClr val="bg1"/>
+              </a:solidFill>
+            </a:endParaRPr>
+          </a:p>
+          <a:p>
+            <a:pPr algn="r"/>
+            <a:r>
+              <a:rPr lang="en-US" dirty="0" smtClean="0">
+                <a:solidFill>
+                  <a:schemeClr val="bg1"/>
+                </a:solidFill>
+              </a:rPr>
+              <a:t>http://www.leanix.com</a:t>
+            </a:r>
+          </a:p>
+          <a:p>
+            <a:pPr algn="r"/>
+            <a:r>
+              <a:rPr lang="en-US" dirty="0">
+                <a:solidFill>
+                  <a:schemeClr val="bg1"/>
+                </a:solidFill>
+              </a:rPr>
+              <a:t>https://</a:t>
+            </a:r>
+            <a:r>
+              <a:rPr lang="en-US" dirty="0" smtClean="0">
+                <a:solidFill>
+                  <a:schemeClr val="bg1"/>
+                </a:solidFill>
+              </a:rPr>
+              <a:t>www.apqc.org</a:t>
+            </a:r>
+          </a:p>
+        </p:txBody>
+      </p:sp>
+      <p:pic>
+        <p:nvPicPr>
+          <p:cNvPr id="13" name="Picture 12"/>
+          <p:cNvPicPr>
+            <a:picLocks noChangeAspect="1"/>
+          </p:cNvPicPr>
+          <p:nvPr/>
+        </p:nvPicPr>
+        <p:blipFill>
+          <a:blip r:embed="rId10">
+            <a:extLst>
+              <a:ext uri="{BEBA8EAE-BF5A-486C-A8C5-ECC9F3942E4B}">
+                <a14:imgProps xmlns:a14="http://schemas.microsoft.com/office/drawing/2010/main">
+                  <a14:imgLayer r:embed="rId11">
+                    <a14:imgEffect>
+                      <a14:brightnessContrast bright="-45000"/>
+                    </a14:imgEffect>
+                  </a14:imgLayer>
+                </a14:imgProps>
+              </a:ext>
+            </a:extLst>
+          </a:blip>
+          <a:stretch>
+            <a:fillRect/>
+          </a:stretch>
+        </p:blipFill>
+        <p:spPr>
+          <a:xfrm>
+            <a:off x="6803377" y="3366340"/>
+            <a:ext cx="4628638" cy="2228112"/>
+          </a:xfrm>
+          <a:prstGeom prst="rect">
+            <a:avLst/>
+          </a:prstGeom>
+        </p:spPr>
+      </p:pic>
+      <p:pic>
+        <p:nvPicPr>
+          <p:cNvPr id="14" name="Picture 13"/>
+          <p:cNvPicPr>
+            <a:picLocks noChangeAspect="1"/>
+          </p:cNvPicPr>
+          <p:nvPr/>
+        </p:nvPicPr>
+        <p:blipFill>
+          <a:blip r:embed="rId12"/>
+          <a:stretch>
+            <a:fillRect/>
+          </a:stretch>
+        </p:blipFill>
+        <p:spPr>
+          <a:xfrm>
+            <a:off x="7515924" y="2871150"/>
+            <a:ext cx="2738019" cy="3563573"/>
+          </a:xfrm>
+          <a:prstGeom prst="rect">
+            <a:avLst/>
+          </a:prstGeom>
+        </p:spPr>
+      </p:pic>
+    </p:spTree>
+    <p:extLst>
+      <p:ext uri="{BB962C8B-B14F-4D97-AF65-F5344CB8AC3E}">
+        <p14:creationId xmlns:p14="http://schemas.microsoft.com/office/powerpoint/2010/main" val="1697924899"/>
+      </p:ext>
+    </p:extLst>
+  </p:cSld>
+  <p:clrMapOvr>
+    <a:masterClrMapping/>
+  </p:clrMapOvr>
+</p:sld>
+</file>
+
+<file path=ppt/slides/slide15.xml><?xml version="1.0" encoding="utf-8"?>
+<p:sld xmlns:a="http://schemas.openxmlformats.org/drawingml/2006/main" xmlns:r="http://schemas.openxmlformats.org/officeDocument/2006/relationships" xmlns:p="http://schemas.openxmlformats.org/presentationml/2006/main">
+  <p:cSld>
+    <p:spTree>
+      <p:nvGrpSpPr>
+        <p:cNvPr id="1" name=""/>
+        <p:cNvGrpSpPr/>
+        <p:nvPr/>
+      </p:nvGrpSpPr>
+      <p:grpSpPr>
+        <a:xfrm>
+          <a:off x="0" y="0"/>
+          <a:ext cx="0" cy="0"/>
+          <a:chOff x="0" y="0"/>
+          <a:chExt cx="0" cy="0"/>
+        </a:xfrm>
+      </p:grpSpPr>
+      <p:sp>
+        <p:nvSpPr>
+          <p:cNvPr id="5" name="Title 4"/>
+          <p:cNvSpPr>
+            <a:spLocks noGrp="1"/>
+          </p:cNvSpPr>
+          <p:nvPr>
+            <p:ph type="title"/>
+          </p:nvPr>
+        </p:nvSpPr>
+        <p:spPr/>
+        <p:txBody>
+          <a:bodyPr/>
+          <a:lstStyle/>
+          <a:p>
+            <a:r>
+              <a:rPr lang="en-US" dirty="0" smtClean="0"/>
+              <a:t>Identify Information Requirements</a:t>
+            </a:r>
+            <a:endParaRPr lang="en-GB" dirty="0"/>
+          </a:p>
+        </p:txBody>
+      </p:sp>
+      <p:sp>
+        <p:nvSpPr>
+          <p:cNvPr id="17" name="Rectangle 16"/>
+          <p:cNvSpPr/>
+          <p:nvPr/>
+        </p:nvSpPr>
+        <p:spPr>
+          <a:xfrm>
+            <a:off x="6463301" y="1741008"/>
+            <a:ext cx="4583306" cy="646331"/>
+          </a:xfrm>
+          <a:prstGeom prst="rect">
+            <a:avLst/>
+          </a:prstGeom>
+        </p:spPr>
+        <p:txBody>
+          <a:bodyPr wrap="none">
+            <a:spAutoFit/>
+          </a:bodyPr>
+          <a:lstStyle/>
+          <a:p>
+            <a:pPr marL="0" marR="0" lvl="0" indent="0" defTabSz="914400" eaLnBrk="1" fontAlgn="auto" latinLnBrk="0" hangingPunct="1">
+              <a:lnSpc>
+                <a:spcPct val="100000"/>
+              </a:lnSpc>
+              <a:spcBef>
+                <a:spcPts val="0"/>
+              </a:spcBef>
+              <a:spcAft>
+                <a:spcPts val="0"/>
+              </a:spcAft>
+              <a:buClrTx/>
+              <a:buSzTx/>
+              <a:buFontTx/>
+              <a:buNone/>
+              <a:tabLst/>
+              <a:defRPr/>
+            </a:pPr>
+            <a:r>
+              <a:rPr kumimoji="0" lang="en-GB" sz="1800" b="0" i="0" u="none" strike="noStrike" kern="0" cap="none" spc="0" normalizeH="0" baseline="0" noProof="0" dirty="0" smtClean="0">
+                <a:ln>
+                  <a:noFill/>
+                </a:ln>
+                <a:solidFill>
+                  <a:srgbClr val="FFFFFF"/>
+                </a:solidFill>
+                <a:effectLst/>
+                <a:uLnTx/>
+                <a:uFillTx/>
+              </a:rPr>
+              <a:t>PEOPLE: Training, Certification, Skills, etc.</a:t>
+            </a:r>
+          </a:p>
+          <a:p>
+            <a:pPr marL="0" marR="0" lvl="0" indent="0" defTabSz="914400" eaLnBrk="1" fontAlgn="auto" latinLnBrk="0" hangingPunct="1">
+              <a:lnSpc>
+                <a:spcPct val="100000"/>
+              </a:lnSpc>
+              <a:spcBef>
+                <a:spcPts val="0"/>
+              </a:spcBef>
+              <a:spcAft>
+                <a:spcPts val="0"/>
+              </a:spcAft>
+              <a:buClrTx/>
+              <a:buSzTx/>
+              <a:buFontTx/>
+              <a:buNone/>
+              <a:tabLst/>
+              <a:defRPr/>
+            </a:pPr>
+            <a:r>
+              <a:rPr lang="en-US" sz="1800" i="1" kern="0" noProof="0" dirty="0" smtClean="0">
+                <a:solidFill>
+                  <a:srgbClr val="FFFFFF"/>
+                </a:solidFill>
+              </a:rPr>
+              <a:t>     EX: 2 Classes, 1 Certification = 3</a:t>
+            </a:r>
+            <a:endParaRPr kumimoji="0" lang="en-GB" sz="1800" b="0" i="1" u="none" strike="noStrike" kern="0" cap="none" spc="0" normalizeH="0" baseline="0" noProof="0" dirty="0" smtClean="0">
+              <a:ln>
+                <a:noFill/>
+              </a:ln>
+              <a:solidFill>
+                <a:srgbClr val="FFFFFF"/>
+              </a:solidFill>
+              <a:effectLst/>
+              <a:uLnTx/>
+              <a:uFillTx/>
+            </a:endParaRPr>
+          </a:p>
+        </p:txBody>
+      </p:sp>
+      <p:sp>
+        <p:nvSpPr>
+          <p:cNvPr id="18" name="Rectangle 17"/>
+          <p:cNvSpPr/>
+          <p:nvPr/>
+        </p:nvSpPr>
+        <p:spPr>
+          <a:xfrm>
+            <a:off x="6477097" y="2405158"/>
+            <a:ext cx="5239414" cy="923330"/>
+          </a:xfrm>
+          <a:prstGeom prst="rect">
+            <a:avLst/>
+          </a:prstGeom>
+        </p:spPr>
+        <p:txBody>
+          <a:bodyPr wrap="square">
+            <a:spAutoFit/>
+          </a:bodyPr>
+          <a:lstStyle/>
+          <a:p>
+            <a:pPr marL="0" marR="0" lvl="0" indent="0" defTabSz="914400" eaLnBrk="1" fontAlgn="auto" latinLnBrk="0" hangingPunct="1">
+              <a:lnSpc>
+                <a:spcPct val="100000"/>
+              </a:lnSpc>
+              <a:spcBef>
+                <a:spcPts val="0"/>
+              </a:spcBef>
+              <a:spcAft>
+                <a:spcPts val="0"/>
+              </a:spcAft>
+              <a:buClrTx/>
+              <a:buSzTx/>
+              <a:buFontTx/>
+              <a:buNone/>
+              <a:tabLst/>
+              <a:defRPr/>
+            </a:pPr>
+            <a:r>
+              <a:rPr kumimoji="0" lang="en-US" sz="1800" b="0" i="0" u="none" strike="noStrike" kern="0" cap="none" spc="0" normalizeH="0" baseline="0" noProof="0" dirty="0" smtClean="0">
+                <a:ln>
+                  <a:noFill/>
+                </a:ln>
+                <a:solidFill>
+                  <a:srgbClr val="FFFFFF"/>
+                </a:solidFill>
+                <a:effectLst/>
+                <a:uLnTx/>
+                <a:uFillTx/>
+              </a:rPr>
+              <a:t>PROCESS: Business Instruction, User Guides,</a:t>
+            </a:r>
+            <a:r>
+              <a:rPr kumimoji="0" lang="en-US" sz="1800" b="0" i="0" u="none" strike="noStrike" kern="0" cap="none" spc="0" normalizeH="0" noProof="0" dirty="0" smtClean="0">
+                <a:ln>
+                  <a:noFill/>
+                </a:ln>
+                <a:solidFill>
+                  <a:srgbClr val="FFFFFF"/>
+                </a:solidFill>
+                <a:effectLst/>
+                <a:uLnTx/>
+                <a:uFillTx/>
+              </a:rPr>
+              <a:t> Modeling Requirements, etc.</a:t>
+            </a:r>
+          </a:p>
+          <a:p>
+            <a:pPr marL="0" marR="0" lvl="0" indent="0" defTabSz="914400" eaLnBrk="1" fontAlgn="auto" latinLnBrk="0" hangingPunct="1">
+              <a:lnSpc>
+                <a:spcPct val="100000"/>
+              </a:lnSpc>
+              <a:spcBef>
+                <a:spcPts val="0"/>
+              </a:spcBef>
+              <a:spcAft>
+                <a:spcPts val="0"/>
+              </a:spcAft>
+              <a:buClrTx/>
+              <a:buSzTx/>
+              <a:buFontTx/>
+              <a:buNone/>
+              <a:tabLst/>
+              <a:defRPr/>
+            </a:pPr>
+            <a:r>
+              <a:rPr lang="en-US" sz="1800" i="1" kern="0" baseline="0" dirty="0">
+                <a:solidFill>
+                  <a:srgbClr val="FFFFFF"/>
+                </a:solidFill>
+              </a:rPr>
+              <a:t> </a:t>
+            </a:r>
+            <a:r>
+              <a:rPr lang="en-US" sz="1800" i="1" kern="0" baseline="0" dirty="0" smtClean="0">
+                <a:solidFill>
+                  <a:srgbClr val="FFFFFF"/>
+                </a:solidFill>
+              </a:rPr>
+              <a:t>    EX: 2 BI, 5 UG, 2 MR = 9</a:t>
+            </a:r>
+            <a:endParaRPr kumimoji="0" lang="en-GB" sz="1800" b="0" i="1" u="none" strike="noStrike" kern="0" cap="none" spc="0" normalizeH="0" baseline="0" noProof="0" dirty="0" smtClean="0">
+              <a:ln>
+                <a:noFill/>
+              </a:ln>
+              <a:solidFill>
+                <a:srgbClr val="FFFFFF"/>
+              </a:solidFill>
+              <a:effectLst/>
+              <a:uLnTx/>
+              <a:uFillTx/>
+            </a:endParaRPr>
+          </a:p>
+        </p:txBody>
+      </p:sp>
+      <p:sp>
+        <p:nvSpPr>
+          <p:cNvPr id="19" name="Rectangle 18"/>
+          <p:cNvSpPr/>
+          <p:nvPr/>
+        </p:nvSpPr>
+        <p:spPr>
+          <a:xfrm>
+            <a:off x="6463301" y="3408870"/>
+            <a:ext cx="5253210" cy="1200329"/>
+          </a:xfrm>
+          <a:prstGeom prst="rect">
+            <a:avLst/>
+          </a:prstGeom>
+        </p:spPr>
+        <p:txBody>
+          <a:bodyPr wrap="square">
+            <a:spAutoFit/>
+          </a:bodyPr>
+          <a:lstStyle/>
+          <a:p>
+            <a:pPr marL="0" marR="0" lvl="0" indent="0" defTabSz="914400" eaLnBrk="1" fontAlgn="auto" latinLnBrk="0" hangingPunct="1">
+              <a:lnSpc>
+                <a:spcPct val="100000"/>
+              </a:lnSpc>
+              <a:spcBef>
+                <a:spcPts val="0"/>
+              </a:spcBef>
+              <a:spcAft>
+                <a:spcPts val="0"/>
+              </a:spcAft>
+              <a:buClrTx/>
+              <a:buSzTx/>
+              <a:buFontTx/>
+              <a:buNone/>
+              <a:tabLst/>
+              <a:defRPr/>
+            </a:pPr>
+            <a:r>
+              <a:rPr kumimoji="0" lang="en-US" sz="1800" b="0" i="0" u="none" strike="noStrike" kern="0" cap="none" spc="0" normalizeH="0" baseline="0" noProof="0" dirty="0" smtClean="0">
+                <a:ln>
+                  <a:noFill/>
+                </a:ln>
+                <a:solidFill>
+                  <a:srgbClr val="FFFFFF"/>
+                </a:solidFill>
+                <a:effectLst/>
+                <a:uLnTx/>
+                <a:uFillTx/>
+              </a:rPr>
+              <a:t>DATA: [Used in STEP 2]</a:t>
+            </a:r>
+          </a:p>
+          <a:p>
+            <a:pPr marL="0" marR="0" lvl="0" indent="0" defTabSz="914400" eaLnBrk="1" fontAlgn="auto" latinLnBrk="0" hangingPunct="1">
+              <a:lnSpc>
+                <a:spcPct val="100000"/>
+              </a:lnSpc>
+              <a:spcBef>
+                <a:spcPts val="0"/>
+              </a:spcBef>
+              <a:spcAft>
+                <a:spcPts val="0"/>
+              </a:spcAft>
+              <a:buClrTx/>
+              <a:buSzTx/>
+              <a:buFontTx/>
+              <a:buNone/>
+              <a:tabLst/>
+              <a:defRPr/>
+            </a:pPr>
+            <a:r>
+              <a:rPr kumimoji="0" lang="en-US" sz="1800" b="0" i="0" u="none" strike="noStrike" kern="0" cap="none" spc="0" normalizeH="0" baseline="0" noProof="0" dirty="0" smtClean="0">
+                <a:ln>
+                  <a:noFill/>
+                </a:ln>
+                <a:solidFill>
+                  <a:srgbClr val="FFFFFF"/>
+                </a:solidFill>
+                <a:effectLst/>
+                <a:uLnTx/>
+                <a:uFillTx/>
+              </a:rPr>
+              <a:t>Modeling Requirements that define the format of the information artifacts in the applications that comply with the industry standard</a:t>
+            </a:r>
+            <a:endParaRPr kumimoji="0" lang="en-GB" sz="1800" b="0" i="0" u="none" strike="noStrike" kern="0" cap="none" spc="0" normalizeH="0" baseline="0" noProof="0" dirty="0" smtClean="0">
+              <a:ln>
+                <a:noFill/>
+              </a:ln>
+              <a:solidFill>
+                <a:srgbClr val="FFFFFF"/>
+              </a:solidFill>
+              <a:effectLst/>
+              <a:uLnTx/>
+              <a:uFillTx/>
+            </a:endParaRPr>
+          </a:p>
+        </p:txBody>
+      </p:sp>
+      <p:sp>
+        <p:nvSpPr>
+          <p:cNvPr id="20" name="Rectangle 19"/>
+          <p:cNvSpPr/>
+          <p:nvPr/>
+        </p:nvSpPr>
+        <p:spPr>
+          <a:xfrm>
+            <a:off x="6463302" y="4765783"/>
+            <a:ext cx="5253210" cy="1200329"/>
+          </a:xfrm>
+          <a:prstGeom prst="rect">
+            <a:avLst/>
+          </a:prstGeom>
+        </p:spPr>
+        <p:txBody>
+          <a:bodyPr wrap="square">
+            <a:spAutoFit/>
+          </a:bodyPr>
+          <a:lstStyle/>
+          <a:p>
+            <a:pPr marL="0" marR="0" lvl="0" indent="0" defTabSz="914400" eaLnBrk="1" fontAlgn="auto" latinLnBrk="0" hangingPunct="1">
+              <a:lnSpc>
+                <a:spcPct val="100000"/>
+              </a:lnSpc>
+              <a:spcBef>
+                <a:spcPts val="0"/>
+              </a:spcBef>
+              <a:spcAft>
+                <a:spcPts val="0"/>
+              </a:spcAft>
+              <a:buClrTx/>
+              <a:buSzTx/>
+              <a:buFontTx/>
+              <a:buNone/>
+              <a:tabLst/>
+              <a:defRPr/>
+            </a:pPr>
+            <a:r>
+              <a:rPr kumimoji="0" lang="en-US" sz="1800" b="0" i="0" u="none" strike="noStrike" kern="0" cap="none" spc="0" normalizeH="0" baseline="0" noProof="0" dirty="0" smtClean="0">
+                <a:ln>
+                  <a:noFill/>
+                </a:ln>
+                <a:solidFill>
+                  <a:srgbClr val="FFFFFF"/>
+                </a:solidFill>
+                <a:effectLst/>
+                <a:uLnTx/>
+                <a:uFillTx/>
+              </a:rPr>
+              <a:t>TOOLS: [Used in STEP 3] </a:t>
+            </a:r>
+          </a:p>
+          <a:p>
+            <a:pPr marL="0" marR="0" lvl="0" indent="0" defTabSz="914400" eaLnBrk="1" fontAlgn="auto" latinLnBrk="0" hangingPunct="1">
+              <a:lnSpc>
+                <a:spcPct val="100000"/>
+              </a:lnSpc>
+              <a:spcBef>
+                <a:spcPts val="0"/>
+              </a:spcBef>
+              <a:spcAft>
+                <a:spcPts val="0"/>
+              </a:spcAft>
+              <a:buClrTx/>
+              <a:buSzTx/>
+              <a:buFontTx/>
+              <a:buNone/>
+              <a:tabLst/>
+              <a:defRPr/>
+            </a:pPr>
+            <a:r>
+              <a:rPr kumimoji="0" lang="en-US" sz="1800" b="0" i="0" u="none" strike="noStrike" kern="0" cap="none" spc="0" normalizeH="0" baseline="0" noProof="0" dirty="0" smtClean="0">
+                <a:ln>
+                  <a:noFill/>
+                </a:ln>
+                <a:solidFill>
+                  <a:srgbClr val="FFFFFF"/>
+                </a:solidFill>
+                <a:effectLst/>
+                <a:uLnTx/>
+                <a:uFillTx/>
+              </a:rPr>
+              <a:t>Software Applications used to create, manage or consume the information in the form of the data standard format</a:t>
+            </a:r>
+            <a:endParaRPr kumimoji="0" lang="en-GB" sz="1800" b="0" i="0" u="none" strike="noStrike" kern="0" cap="none" spc="0" normalizeH="0" baseline="0" noProof="0" dirty="0" smtClean="0">
+              <a:ln>
+                <a:noFill/>
+              </a:ln>
+              <a:solidFill>
+                <a:srgbClr val="FFFFFF"/>
+              </a:solidFill>
+              <a:effectLst/>
+              <a:uLnTx/>
+              <a:uFillTx/>
+            </a:endParaRPr>
+          </a:p>
+        </p:txBody>
+      </p:sp>
+      <p:graphicFrame>
+        <p:nvGraphicFramePr>
+          <p:cNvPr id="23" name="Object 22"/>
+          <p:cNvGraphicFramePr>
+            <a:graphicFrameLocks noChangeAspect="1"/>
+          </p:cNvGraphicFramePr>
+          <p:nvPr>
+            <p:extLst>
+              <p:ext uri="{D42A27DB-BD31-4B8C-83A1-F6EECF244321}">
+                <p14:modId xmlns:p14="http://schemas.microsoft.com/office/powerpoint/2010/main" val="2412141419"/>
+              </p:ext>
+            </p:extLst>
+          </p:nvPr>
+        </p:nvGraphicFramePr>
+        <p:xfrm>
+          <a:off x="481790" y="1741008"/>
+          <a:ext cx="5581553" cy="2170604"/>
+        </p:xfrm>
+        <a:graphic>
+          <a:graphicData uri="http://schemas.openxmlformats.org/presentationml/2006/ole">
+            <mc:AlternateContent xmlns:mc="http://schemas.openxmlformats.org/markup-compatibility/2006">
+              <mc:Choice xmlns:v="urn:schemas-microsoft-com:vml" Requires="v">
+                <p:oleObj spid="_x0000_s1026" name="Worksheet" r:id="rId3" imgW="6343916" imgH="2466748" progId="Excel.Sheet.12">
+                  <p:embed/>
+                </p:oleObj>
+              </mc:Choice>
+              <mc:Fallback>
+                <p:oleObj name="Worksheet" r:id="rId3" imgW="6343916" imgH="2466748" progId="Excel.Sheet.12">
+                  <p:embed/>
+                  <p:pic>
+                    <p:nvPicPr>
+                      <p:cNvPr id="0" name=""/>
+                      <p:cNvPicPr/>
+                      <p:nvPr/>
+                    </p:nvPicPr>
+                    <p:blipFill>
+                      <a:blip r:embed="rId4"/>
+                      <a:stretch>
+                        <a:fillRect/>
+                      </a:stretch>
+                    </p:blipFill>
+                    <p:spPr>
+                      <a:xfrm>
+                        <a:off x="481790" y="1741008"/>
+                        <a:ext cx="5581553" cy="2170604"/>
+                      </a:xfrm>
+                      <a:prstGeom prst="rect">
+                        <a:avLst/>
+                      </a:prstGeom>
+                      <a:solidFill>
+                        <a:schemeClr val="bg1"/>
+                      </a:solidFill>
+                    </p:spPr>
+                  </p:pic>
+                </p:oleObj>
+              </mc:Fallback>
+            </mc:AlternateContent>
+          </a:graphicData>
+        </a:graphic>
+      </p:graphicFrame>
+    </p:spTree>
+    <p:extLst>
+      <p:ext uri="{BB962C8B-B14F-4D97-AF65-F5344CB8AC3E}">
+        <p14:creationId xmlns:p14="http://schemas.microsoft.com/office/powerpoint/2010/main" val="801049941"/>
+      </p:ext>
+    </p:extLst>
+  </p:cSld>
+  <p:clrMapOvr>
+    <a:masterClrMapping/>
+  </p:clrMapOvr>
+</p:sld>
+</file>
+
+<file path=ppt/slides/slide16.xml><?xml version="1.0" encoding="utf-8"?>
+<p:sld xmlns:a="http://schemas.openxmlformats.org/drawingml/2006/main" xmlns:r="http://schemas.openxmlformats.org/officeDocument/2006/relationships" xmlns:p="http://schemas.openxmlformats.org/presentationml/2006/main">
+  <p:cSld>
+    <p:spTree>
+      <p:nvGrpSpPr>
+        <p:cNvPr id="1" name=""/>
+        <p:cNvGrpSpPr/>
+        <p:nvPr/>
+      </p:nvGrpSpPr>
+      <p:grpSpPr>
+        <a:xfrm>
+          <a:off x="0" y="0"/>
+          <a:ext cx="0" cy="0"/>
+          <a:chOff x="0" y="0"/>
+          <a:chExt cx="0" cy="0"/>
+        </a:xfrm>
+      </p:grpSpPr>
+      <p:sp>
+        <p:nvSpPr>
+          <p:cNvPr id="6" name="Content Placeholder 5"/>
+          <p:cNvSpPr>
+            <a:spLocks noGrp="1"/>
+          </p:cNvSpPr>
+          <p:nvPr>
+            <p:ph idx="1"/>
+          </p:nvPr>
+        </p:nvSpPr>
+        <p:spPr/>
+        <p:txBody>
+          <a:bodyPr/>
+          <a:lstStyle/>
+          <a:p>
+            <a:endParaRPr lang="en-GB"/>
+          </a:p>
+        </p:txBody>
+      </p:sp>
+      <p:sp>
+        <p:nvSpPr>
+          <p:cNvPr id="5" name="Title 4"/>
+          <p:cNvSpPr>
+            <a:spLocks noGrp="1"/>
+          </p:cNvSpPr>
+          <p:nvPr>
+            <p:ph type="title"/>
+          </p:nvPr>
+        </p:nvSpPr>
+        <p:spPr/>
+        <p:txBody>
+          <a:bodyPr/>
+          <a:lstStyle/>
+          <a:p>
+            <a:r>
+              <a:rPr lang="en-US" dirty="0" smtClean="0"/>
+              <a:t>Identify the Tool Chain Requirements</a:t>
+            </a:r>
+            <a:endParaRPr lang="en-GB" dirty="0"/>
+          </a:p>
+        </p:txBody>
+      </p:sp>
+    </p:spTree>
+    <p:extLst>
+      <p:ext uri="{BB962C8B-B14F-4D97-AF65-F5344CB8AC3E}">
+        <p14:creationId xmlns:p14="http://schemas.microsoft.com/office/powerpoint/2010/main" val="3655006729"/>
+      </p:ext>
+    </p:extLst>
+  </p:cSld>
+  <p:clrMapOvr>
+    <a:masterClrMapping/>
+  </p:clrMapOvr>
+</p:sld>
+</file>
+
+<file path=ppt/slides/slide17.xml><?xml version="1.0" encoding="utf-8"?>
+<p:sld xmlns:a="http://schemas.openxmlformats.org/drawingml/2006/main" xmlns:r="http://schemas.openxmlformats.org/officeDocument/2006/relationships" xmlns:p="http://schemas.openxmlformats.org/presentationml/2006/main">
+  <p:cSld>
+    <p:spTree>
+      <p:nvGrpSpPr>
+        <p:cNvPr id="1" name=""/>
+        <p:cNvGrpSpPr/>
+        <p:nvPr/>
+      </p:nvGrpSpPr>
+      <p:grpSpPr>
+        <a:xfrm>
+          <a:off x="0" y="0"/>
+          <a:ext cx="0" cy="0"/>
+          <a:chOff x="0" y="0"/>
+          <a:chExt cx="0" cy="0"/>
+        </a:xfrm>
+      </p:grpSpPr>
+      <p:sp>
+        <p:nvSpPr>
+          <p:cNvPr id="6" name="Content Placeholder 5"/>
+          <p:cNvSpPr>
+            <a:spLocks noGrp="1"/>
+          </p:cNvSpPr>
+          <p:nvPr>
+            <p:ph idx="1"/>
+          </p:nvPr>
+        </p:nvSpPr>
+        <p:spPr/>
+        <p:txBody>
+          <a:bodyPr/>
+          <a:lstStyle/>
+          <a:p>
+            <a:endParaRPr lang="en-GB"/>
+          </a:p>
+        </p:txBody>
+      </p:sp>
+      <p:sp>
+        <p:nvSpPr>
+          <p:cNvPr id="5" name="Title 4"/>
+          <p:cNvSpPr>
+            <a:spLocks noGrp="1"/>
+          </p:cNvSpPr>
+          <p:nvPr>
+            <p:ph type="title"/>
+          </p:nvPr>
+        </p:nvSpPr>
+        <p:spPr/>
+        <p:txBody>
+          <a:bodyPr/>
+          <a:lstStyle/>
+          <a:p>
+            <a:r>
+              <a:rPr lang="en-US" dirty="0" smtClean="0"/>
+              <a:t>Identify Industry/Supplier Requirements</a:t>
+            </a:r>
+            <a:endParaRPr lang="en-GB" dirty="0"/>
+          </a:p>
+        </p:txBody>
+      </p:sp>
+    </p:spTree>
+    <p:extLst>
+      <p:ext uri="{BB962C8B-B14F-4D97-AF65-F5344CB8AC3E}">
+        <p14:creationId xmlns:p14="http://schemas.microsoft.com/office/powerpoint/2010/main" val="1729093654"/>
+      </p:ext>
+    </p:extLst>
+  </p:cSld>
+  <p:clrMapOvr>
+    <a:masterClrMapping/>
+  </p:clrMapOvr>
+</p:sld>
+</file>
+
+<file path=ppt/slides/slide18.xml><?xml version="1.0" encoding="utf-8"?>
+<p:sld xmlns:a="http://schemas.openxmlformats.org/drawingml/2006/main" xmlns:r="http://schemas.openxmlformats.org/officeDocument/2006/relationships" xmlns:p="http://schemas.openxmlformats.org/presentationml/2006/main">
+  <p:cSld>
+    <p:spTree>
+      <p:nvGrpSpPr>
+        <p:cNvPr id="1" name=""/>
+        <p:cNvGrpSpPr/>
+        <p:nvPr/>
+      </p:nvGrpSpPr>
+      <p:grpSpPr>
+        <a:xfrm>
+          <a:off x="0" y="0"/>
+          <a:ext cx="0" cy="0"/>
+          <a:chOff x="0" y="0"/>
+          <a:chExt cx="0" cy="0"/>
+        </a:xfrm>
+      </p:grpSpPr>
+      <p:sp>
+        <p:nvSpPr>
+          <p:cNvPr id="2" name="Title 1">
+            <a:extLst>
+              <a:ext uri="{FF2B5EF4-FFF2-40B4-BE49-F238E27FC236}">
+                <a16:creationId xmlns:a16="http://schemas.microsoft.com/office/drawing/2014/main" id="{E1FBD2C4-A698-3C44-9638-C5F19555F007}"/>
+              </a:ext>
+            </a:extLst>
+          </p:cNvPr>
+          <p:cNvSpPr>
+            <a:spLocks noGrp="1"/>
+          </p:cNvSpPr>
+          <p:nvPr>
+            <p:ph type="title"/>
+          </p:nvPr>
+        </p:nvSpPr>
+        <p:spPr/>
+        <p:txBody>
+          <a:bodyPr/>
+          <a:lstStyle/>
+          <a:p>
+            <a:r>
               <a:rPr lang="en-US" dirty="0"/>
               <a:t>Summary</a:t>
             </a:r>
@@ -5129,7 +10670,7 @@
 </p:sld>
 </file>
 
-<file path=ppt/slides/slide14.xml><?xml version="1.0" encoding="utf-8"?>
+<file path=ppt/slides/slide19.xml><?xml version="1.0" encoding="utf-8"?>
 <p:sld xmlns:a="http://schemas.openxmlformats.org/drawingml/2006/main" xmlns:r="http://schemas.openxmlformats.org/officeDocument/2006/relationships" xmlns:p="http://schemas.openxmlformats.org/presentationml/2006/main">
   <p:cSld>
     <p:spTree>
@@ -5262,7 +10803,7 @@
             <a:spLocks noGrp="1"/>
           </p:cNvSpPr>
           <p:nvPr>
-            <p:ph type="title" idx="4294967295"/>
+            <p:ph type="title"/>
           </p:nvPr>
         </p:nvSpPr>
         <p:spPr>
@@ -5276,9 +10817,10 @@
           <a:lstStyle/>
           <a:p>
             <a:r>
-              <a:rPr lang="en-US" dirty="0"/>
-              <a:t>Who Dis Be?</a:t>
-            </a:r>
+              <a:rPr lang="en-US" dirty="0" smtClean="0"/>
+              <a:t>Bio?</a:t>
+            </a:r>
+            <a:endParaRPr lang="en-US" dirty="0"/>
           </a:p>
         </p:txBody>
       </p:sp>
@@ -5310,21 +10852,8 @@
               <a:buChar char="•"/>
             </a:pPr>
             <a:r>
-              <a:rPr lang="en-US" dirty="0"/>
-              <a:t>Engineering Technical Specialist @ Boeing Commercial Airplanes</a:t>
-            </a:r>
-          </a:p>
-          <a:p>
-            <a:pPr marL="796925" lvl="1" indent="-342900">
-              <a:buClr>
-                <a:schemeClr val="bg1"/>
-              </a:buClr>
-              <a:buFont typeface="Arial" panose="020B0604020202020204" pitchFamily="34" charset="0"/>
-              <a:buChar char="•"/>
-            </a:pPr>
-            <a:r>
-              <a:rPr lang="en-US" dirty="0"/>
-              <a:t>18 Years @ Boeing / 3 years PLM Consultant</a:t>
+              <a:rPr lang="en-US" dirty="0" smtClean="0"/>
+              <a:t>Brandon Sapp, MIS, BSIT</a:t>
             </a:r>
           </a:p>
           <a:p>
@@ -5336,8 +10865,8 @@
               <a:buChar char="•"/>
             </a:pPr>
             <a:r>
-              <a:rPr lang="en-US" dirty="0"/>
-              <a:t>US TAG Designated Expert to ISO TC184/SC4 and SC5</a:t>
+              <a:rPr lang="en-US" dirty="0" smtClean="0"/>
+              <a:t>18 years @ Boeing Commercial Airplanes</a:t>
             </a:r>
           </a:p>
           <a:p>
@@ -5349,16 +10878,20 @@
               <a:buChar char="•"/>
             </a:pPr>
             <a:r>
+              <a:rPr lang="en-US" dirty="0" smtClean="0"/>
+              <a:t>3 years </a:t>
+            </a:r>
+            <a:r>
               <a:rPr lang="en-US" dirty="0"/>
-              <a:t>PDES </a:t>
-            </a:r>
-            <a:r>
-              <a:rPr lang="en-US" dirty="0" err="1"/>
-              <a:t>MBx</a:t>
+              <a:t>@ </a:t>
+            </a:r>
+            <a:r>
+              <a:rPr lang="en-US" dirty="0" smtClean="0"/>
+              <a:t>PLM </a:t>
             </a:r>
             <a:r>
               <a:rPr lang="en-US" dirty="0"/>
-              <a:t> User Group Co-Leader</a:t>
+              <a:t>Consultant</a:t>
             </a:r>
           </a:p>
           <a:p>
@@ -5371,7 +10904,7 @@
             </a:pPr>
             <a:r>
               <a:rPr lang="en-US" dirty="0"/>
-              <a:t>A&amp;D PAG MBD Leader</a:t>
+              <a:t>US TAG Designated Expert to ISO TC184/SC4 and SC5</a:t>
             </a:r>
           </a:p>
           <a:p>
@@ -5383,15 +10916,48 @@
               <a:buChar char="•"/>
             </a:pPr>
             <a:r>
+              <a:rPr lang="en-US" dirty="0" smtClean="0"/>
+              <a:t>A&amp;D </a:t>
+            </a:r>
+            <a:r>
               <a:rPr lang="en-US" dirty="0"/>
-              <a:t>ASME MBE Support Group</a:t>
-            </a:r>
-          </a:p>
-          <a:p>
+              <a:t>PAG MBD Leader</a:t>
+            </a:r>
+          </a:p>
+          <a:p>
+            <a:pPr marL="342900" indent="-342900">
+              <a:buClr>
+                <a:schemeClr val="bg1"/>
+              </a:buClr>
+              <a:buFont typeface="Arial" panose="020B0604020202020204" pitchFamily="34" charset="0"/>
+              <a:buChar char="•"/>
+            </a:pPr>
             <a:r>
               <a:rPr lang="en-US" dirty="0"/>
-              <a:t> </a:t>
-            </a:r>
+              <a:t>PDES </a:t>
+            </a:r>
+            <a:r>
+              <a:rPr lang="en-US" dirty="0" err="1"/>
+              <a:t>MBx</a:t>
+            </a:r>
+            <a:r>
+              <a:rPr lang="en-US" dirty="0"/>
+              <a:t> User Group Co-Leader</a:t>
+            </a:r>
+          </a:p>
+          <a:p>
+            <a:pPr marL="342900" indent="-342900">
+              <a:buClr>
+                <a:schemeClr val="bg1"/>
+              </a:buClr>
+              <a:buFont typeface="Arial" panose="020B0604020202020204" pitchFamily="34" charset="0"/>
+              <a:buChar char="•"/>
+            </a:pPr>
+            <a:r>
+              <a:rPr lang="en-US" dirty="0" smtClean="0"/>
+              <a:t>ASME MBE</a:t>
+            </a:r>
+            <a:endParaRPr lang="en-US" dirty="0"/>
           </a:p>
         </p:txBody>
       </p:sp>
@@ -5438,7 +11004,7 @@
         <p:spPr>
           <a:xfrm>
             <a:off x="26349" y="1225594"/>
-            <a:ext cx="12192000" cy="1614545"/>
+            <a:ext cx="12192000" cy="1983876"/>
           </a:xfrm>
         </p:spPr>
         <p:txBody>
@@ -5459,8 +11025,15 @@
           <a:p>
             <a:r>
               <a:rPr lang="en-US" dirty="0"/>
-              <a:t>Solution – Framework for Assessing Readiness</a:t>
-            </a:r>
+              <a:t>Solution – Framework for Assessing </a:t>
+            </a:r>
+            <a:r>
+              <a:rPr lang="en-US" dirty="0" smtClean="0"/>
+              <a:t>Readiness</a:t>
+            </a:r>
+          </a:p>
+          <a:p>
+            <a:endParaRPr lang="en-US" dirty="0"/>
           </a:p>
         </p:txBody>
       </p:sp>
@@ -5968,26 +11541,47 @@
           <a:p>
             <a:r>
               <a:rPr lang="en-US" sz="1800" dirty="0"/>
-              <a:t>Cause 1: Knowledge of data standard’s intended use is lacking</a:t>
-            </a:r>
-          </a:p>
-          <a:p>
+              <a:t>Cause 1: Knowledge of data standard’s intended </a:t>
+            </a:r>
+            <a:r>
+              <a:rPr lang="en-US" sz="1800" dirty="0" smtClean="0"/>
+              <a:t>use</a:t>
+            </a:r>
+          </a:p>
+          <a:p>
+            <a:r>
+              <a:rPr lang="en-US" sz="1800" dirty="0" smtClean="0"/>
+              <a:t>Cause 2: Poorly implemented in business processes</a:t>
+            </a:r>
+          </a:p>
+          <a:p>
+            <a:r>
+              <a:rPr lang="en-US" sz="1800" dirty="0" smtClean="0"/>
+              <a:t>Cause </a:t>
+            </a:r>
             <a:r>
               <a:rPr lang="en-US" sz="1800" dirty="0"/>
-              <a:t>Cause 2: Inadequate tools to create/consume the data standard</a:t>
-            </a:r>
-          </a:p>
-          <a:p>
+              <a:t>2: Inadequate tools to create/consume the </a:t>
+            </a:r>
+            <a:r>
+              <a:rPr lang="en-US" sz="1800" dirty="0" smtClean="0"/>
+              <a:t>data in a </a:t>
+            </a:r>
             <a:r>
               <a:rPr lang="en-US" sz="1800" dirty="0"/>
-              <a:t>Cause 3: Data Standards do not support my business needs [usually a myth]</a:t>
+              <a:t>standard</a:t>
             </a:r>
           </a:p>
           <a:p>
             <a:r>
               <a:rPr lang="en-US" sz="1800" dirty="0"/>
-              <a:t>Cause n: …</a:t>
-            </a:r>
+              <a:t>Cause 3: </a:t>
+            </a:r>
+            <a:r>
+              <a:rPr lang="en-US" sz="1800" dirty="0" smtClean="0"/>
+              <a:t>Supply chain ability to consume</a:t>
+            </a:r>
+            <a:endParaRPr lang="en-US" sz="1800" dirty="0"/>
           </a:p>
         </p:txBody>
       </p:sp>
@@ -6204,7 +11798,7 @@
         <p:spPr bwMode="auto">
           <a:xfrm>
             <a:off x="0" y="3210589"/>
-            <a:ext cx="12192000" cy="1337546"/>
+            <a:ext cx="12192000" cy="783548"/>
           </a:xfrm>
           <a:prstGeom prst="rect">
             <a:avLst/>
@@ -6377,21 +11971,10 @@
           </a:lstStyle>
           <a:p>
             <a:r>
-              <a:rPr lang="en-US" sz="1800" kern="0" dirty="0"/>
-              <a:t>Effect 1: Missing data in exchange leading to bad decisions and rework</a:t>
-            </a:r>
-          </a:p>
-          <a:p>
-            <a:r>
-              <a:rPr lang="en-US" sz="1800" kern="0" dirty="0"/>
-              <a:t>Effect 2: Increase cost by mandating common processes and tools across supply chain</a:t>
-            </a:r>
-          </a:p>
-          <a:p>
-            <a:r>
-              <a:rPr lang="en-US" sz="1800" kern="0" dirty="0"/>
-              <a:t>Effect n: …</a:t>
-            </a:r>
+              <a:rPr lang="en-US" sz="1800" kern="0" dirty="0" smtClean="0"/>
+              <a:t>Effect: Wasted Resources [Rework, Common tools, etc.]</a:t>
+            </a:r>
+            <a:endParaRPr lang="en-US" sz="1800" kern="0" dirty="0"/>
           </a:p>
         </p:txBody>
       </p:sp>
@@ -6409,6 +11992,228 @@
 </file>
 
 <file path=ppt/slides/slide6.xml><?xml version="1.0" encoding="utf-8"?>
+<p:sld xmlns:a="http://schemas.openxmlformats.org/drawingml/2006/main" xmlns:r="http://schemas.openxmlformats.org/officeDocument/2006/relationships" xmlns:p="http://schemas.openxmlformats.org/presentationml/2006/main">
+  <p:cSld>
+    <p:spTree>
+      <p:nvGrpSpPr>
+        <p:cNvPr id="1" name=""/>
+        <p:cNvGrpSpPr/>
+        <p:nvPr/>
+      </p:nvGrpSpPr>
+      <p:grpSpPr>
+        <a:xfrm>
+          <a:off x="0" y="0"/>
+          <a:ext cx="0" cy="0"/>
+          <a:chOff x="0" y="0"/>
+          <a:chExt cx="0" cy="0"/>
+        </a:xfrm>
+      </p:grpSpPr>
+      <p:sp>
+        <p:nvSpPr>
+          <p:cNvPr id="6" name="Content Placeholder 5"/>
+          <p:cNvSpPr>
+            <a:spLocks noGrp="1"/>
+          </p:cNvSpPr>
+          <p:nvPr>
+            <p:ph idx="1"/>
+          </p:nvPr>
+        </p:nvSpPr>
+        <p:spPr>
+          <a:xfrm>
+            <a:off x="26349" y="1225594"/>
+            <a:ext cx="12192000" cy="4938531"/>
+          </a:xfrm>
+        </p:spPr>
+        <p:txBody>
+          <a:bodyPr/>
+          <a:lstStyle/>
+          <a:p>
+            <a:pPr defTabSz="889000"/>
+            <a:r>
+              <a:rPr lang="en-US" b="0" dirty="0" smtClean="0"/>
+              <a:t>ISO TC 184	: Automation Systems and Integration</a:t>
+            </a:r>
+          </a:p>
+          <a:p>
+            <a:r>
+              <a:rPr lang="en-US" b="0" dirty="0"/>
+              <a:t>	</a:t>
+            </a:r>
+            <a:r>
+              <a:rPr lang="en-US" b="0" dirty="0" smtClean="0"/>
+              <a:t>SC 5 </a:t>
+            </a:r>
+            <a:r>
+              <a:rPr lang="en-US" b="0" dirty="0"/>
+              <a:t>	: Interoperability, integration, and architectures for enterprise </a:t>
+            </a:r>
+            <a:r>
+              <a:rPr lang="en-US" b="0" dirty="0" smtClean="0"/>
+              <a:t>		  	  systems </a:t>
+            </a:r>
+            <a:r>
+              <a:rPr lang="en-US" b="0" dirty="0"/>
+              <a:t>and automation </a:t>
+            </a:r>
+            <a:r>
+              <a:rPr lang="en-US" b="0" dirty="0" smtClean="0"/>
+              <a:t>applications</a:t>
+            </a:r>
+          </a:p>
+          <a:p>
+            <a:endParaRPr lang="en-US" b="0" dirty="0"/>
+          </a:p>
+          <a:p>
+            <a:r>
+              <a:rPr lang="en-US" b="0" dirty="0" smtClean="0"/>
+              <a:t>ISO/DIS 22549-1 	: Assessment </a:t>
+            </a:r>
+            <a:r>
+              <a:rPr lang="en-US" b="0" dirty="0"/>
+              <a:t>on convergence of </a:t>
+            </a:r>
+            <a:r>
+              <a:rPr lang="en-US" b="0" dirty="0" err="1"/>
+              <a:t>informatization</a:t>
+            </a:r>
+            <a:r>
+              <a:rPr lang="en-US" b="0" dirty="0"/>
+              <a:t> and </a:t>
+            </a:r>
+            <a:r>
+              <a:rPr lang="en-US" b="0" dirty="0" smtClean="0"/>
+              <a:t>				  industrialization </a:t>
+            </a:r>
+            <a:r>
+              <a:rPr lang="en-US" b="0" dirty="0"/>
+              <a:t>for industrial enterprises </a:t>
+            </a:r>
+            <a:endParaRPr lang="en-US" b="0" dirty="0" smtClean="0"/>
+          </a:p>
+          <a:p>
+            <a:r>
+              <a:rPr lang="en-US" b="0" dirty="0"/>
+              <a:t>	</a:t>
+            </a:r>
+            <a:r>
+              <a:rPr lang="en-US" b="0" dirty="0" smtClean="0"/>
+              <a:t>	         	  </a:t>
+            </a:r>
+            <a:r>
+              <a:rPr lang="en-US" dirty="0" smtClean="0"/>
+              <a:t>Part </a:t>
+            </a:r>
+            <a:r>
+              <a:rPr lang="en-US" dirty="0"/>
+              <a:t>1: Framework </a:t>
+            </a:r>
+            <a:r>
+              <a:rPr lang="en-US" dirty="0" smtClean="0"/>
+              <a:t>and </a:t>
+            </a:r>
+            <a:r>
+              <a:rPr lang="en-US" dirty="0"/>
+              <a:t>reference </a:t>
+            </a:r>
+            <a:r>
+              <a:rPr lang="en-US" dirty="0" smtClean="0"/>
+              <a:t>model</a:t>
+            </a:r>
+          </a:p>
+          <a:p>
+            <a:endParaRPr lang="en-US" b="0" dirty="0" smtClean="0"/>
+          </a:p>
+          <a:p>
+            <a:r>
+              <a:rPr lang="en-US" b="0" dirty="0" smtClean="0"/>
+              <a:t>ISO/CD 22549-2.2	: Assessment </a:t>
+            </a:r>
+            <a:r>
+              <a:rPr lang="en-US" b="0" dirty="0"/>
+              <a:t>on convergence of </a:t>
+            </a:r>
+            <a:r>
+              <a:rPr lang="en-US" b="0" dirty="0" err="1"/>
+              <a:t>informatization</a:t>
+            </a:r>
+            <a:r>
+              <a:rPr lang="en-US" b="0" dirty="0"/>
+              <a:t> and </a:t>
+            </a:r>
+            <a:r>
+              <a:rPr lang="en-US" b="0" dirty="0" smtClean="0"/>
+              <a:t>				  industrialization </a:t>
+            </a:r>
+            <a:r>
+              <a:rPr lang="en-US" b="0" dirty="0"/>
+              <a:t>for industrial </a:t>
+            </a:r>
+            <a:r>
+              <a:rPr lang="en-US" b="0" dirty="0" smtClean="0"/>
+              <a:t>enterprises</a:t>
+            </a:r>
+          </a:p>
+          <a:p>
+            <a:r>
+              <a:rPr lang="en-US" b="0" dirty="0"/>
+              <a:t>	</a:t>
+            </a:r>
+            <a:r>
+              <a:rPr lang="en-US" b="0" dirty="0" smtClean="0"/>
+              <a:t>		  </a:t>
+            </a:r>
+            <a:r>
+              <a:rPr lang="en-US" dirty="0" smtClean="0"/>
+              <a:t>Part </a:t>
+            </a:r>
+            <a:r>
+              <a:rPr lang="en-US" dirty="0"/>
+              <a:t>2: Maturity model and evaluation methodology </a:t>
+            </a:r>
+            <a:endParaRPr lang="en-US" dirty="0" smtClean="0"/>
+          </a:p>
+          <a:p>
+            <a:endParaRPr lang="en-GB" b="0" dirty="0"/>
+          </a:p>
+        </p:txBody>
+      </p:sp>
+      <p:sp>
+        <p:nvSpPr>
+          <p:cNvPr id="3" name="Title 2"/>
+          <p:cNvSpPr>
+            <a:spLocks noGrp="1"/>
+          </p:cNvSpPr>
+          <p:nvPr>
+            <p:ph type="title"/>
+          </p:nvPr>
+        </p:nvSpPr>
+        <p:spPr/>
+        <p:txBody>
+          <a:bodyPr/>
+          <a:lstStyle/>
+          <a:p>
+            <a:r>
+              <a:rPr lang="en-US" dirty="0" smtClean="0"/>
+              <a:t>Industry Framework</a:t>
+            </a:r>
+            <a:endParaRPr lang="en-GB" dirty="0"/>
+          </a:p>
+        </p:txBody>
+      </p:sp>
+    </p:spTree>
+    <p:extLst>
+      <p:ext uri="{BB962C8B-B14F-4D97-AF65-F5344CB8AC3E}">
+        <p14:creationId xmlns:p14="http://schemas.microsoft.com/office/powerpoint/2010/main" val="820085331"/>
+      </p:ext>
+    </p:extLst>
+  </p:cSld>
+  <p:clrMapOvr>
+    <a:masterClrMapping/>
+  </p:clrMapOvr>
+</p:sld>
+</file>
+
+<file path=ppt/slides/slide7.xml><?xml version="1.0" encoding="utf-8"?>
 <p:sld xmlns:a="http://schemas.openxmlformats.org/drawingml/2006/main" xmlns:r="http://schemas.openxmlformats.org/officeDocument/2006/relationships" xmlns:p="http://schemas.openxmlformats.org/presentationml/2006/main">
   <p:cSld>
     <p:spTree>
@@ -9231,7 +15036,7 @@
 </p:sld>
 </file>
 
-<file path=ppt/slides/slide7.xml><?xml version="1.0" encoding="utf-8"?>
+<file path=ppt/slides/slide8.xml><?xml version="1.0" encoding="utf-8"?>
 <p:sld xmlns:a="http://schemas.openxmlformats.org/drawingml/2006/main" xmlns:r="http://schemas.openxmlformats.org/officeDocument/2006/relationships" xmlns:p="http://schemas.openxmlformats.org/presentationml/2006/main">
   <p:cSld>
     <p:spTree>
@@ -10330,13 +16135,13 @@
               <a:tabLst/>
             </a:pPr>
             <a:r>
-              <a:rPr lang="en-US" sz="1050" dirty="0">
+              <a:rPr lang="en-US" sz="1050" dirty="0" smtClean="0">
                 <a:solidFill>
                   <a:schemeClr val="tx1"/>
                 </a:solidFill>
                 <a:latin typeface="Arial" charset="0"/>
               </a:rPr>
-              <a:t>Infrastructure</a:t>
+              <a:t>Domain</a:t>
             </a:r>
             <a:endParaRPr kumimoji="0" lang="en-US" sz="1050" b="0" i="0" u="none" strike="noStrike" cap="none" normalizeH="0" baseline="0" dirty="0">
               <a:ln>
@@ -12325,7 +18130,7 @@
         </p:nvSpPr>
         <p:spPr bwMode="auto">
           <a:xfrm>
-            <a:off x="8971182" y="1945802"/>
+            <a:off x="8937748" y="2339401"/>
             <a:ext cx="1171812" cy="312954"/>
           </a:xfrm>
           <a:prstGeom prst="rect">
@@ -12389,13 +18194,22 @@
               <a:tabLst/>
             </a:pPr>
             <a:r>
+              <a:rPr lang="en-US" sz="1050" dirty="0" smtClean="0">
+                <a:solidFill>
+                  <a:schemeClr val="tx1"/>
+                </a:solidFill>
+                <a:latin typeface="Arial" charset="0"/>
+              </a:rPr>
+              <a:t>Collaborative </a:t>
+            </a:r>
+            <a:r>
               <a:rPr lang="en-US" sz="1050" dirty="0">
                 <a:solidFill>
                   <a:schemeClr val="tx1"/>
                 </a:solidFill>
                 <a:latin typeface="Arial" charset="0"/>
               </a:rPr>
-              <a:t>Comprehensive Integration</a:t>
+              <a:t>Integration</a:t>
             </a:r>
             <a:endParaRPr kumimoji="0" lang="en-US" sz="1050" b="0" i="0" u="none" strike="noStrike" cap="none" normalizeH="0" baseline="0" dirty="0">
               <a:ln>
@@ -12424,7 +18238,7 @@
         </p:nvSpPr>
         <p:spPr bwMode="auto">
           <a:xfrm>
-            <a:off x="9890462" y="2504521"/>
+            <a:off x="9814669" y="3087689"/>
             <a:ext cx="1882364" cy="312954"/>
           </a:xfrm>
           <a:prstGeom prst="rect">
@@ -12523,7 +18337,7 @@
         </p:nvSpPr>
         <p:spPr bwMode="auto">
           <a:xfrm>
-            <a:off x="9890462" y="2878577"/>
+            <a:off x="9814669" y="3461745"/>
             <a:ext cx="1882364" cy="312954"/>
           </a:xfrm>
           <a:prstGeom prst="rect">
@@ -12616,7 +18430,7 @@
         </p:nvSpPr>
         <p:spPr bwMode="auto">
           <a:xfrm>
-            <a:off x="9890462" y="3252633"/>
+            <a:off x="9814669" y="3835801"/>
             <a:ext cx="1882364" cy="312954"/>
           </a:xfrm>
           <a:prstGeom prst="rect">
@@ -12715,7 +18529,7 @@
         </p:nvSpPr>
         <p:spPr bwMode="auto">
           <a:xfrm>
-            <a:off x="9890462" y="3626689"/>
+            <a:off x="9814669" y="4209857"/>
             <a:ext cx="1882365" cy="312954"/>
           </a:xfrm>
           <a:prstGeom prst="rect">
@@ -12812,13 +18626,12 @@
           <p:cNvCxnSpPr>
             <a:cxnSpLocks/>
             <a:stCxn id="100" idx="1"/>
-            <a:endCxn id="96" idx="2"/>
           </p:cNvCxnSpPr>
           <p:nvPr/>
         </p:nvCxnSpPr>
         <p:spPr bwMode="auto">
           <a:xfrm rot="10800000">
-            <a:off x="9557088" y="2258756"/>
+            <a:off x="9481295" y="2841924"/>
             <a:ext cx="333374" cy="1524410"/>
           </a:xfrm>
           <a:prstGeom prst="bentConnector2">
@@ -12856,13 +18669,12 @@
           <p:cNvCxnSpPr>
             <a:cxnSpLocks/>
             <a:stCxn id="99" idx="1"/>
-            <a:endCxn id="96" idx="2"/>
           </p:cNvCxnSpPr>
           <p:nvPr/>
         </p:nvCxnSpPr>
         <p:spPr bwMode="auto">
           <a:xfrm rot="10800000">
-            <a:off x="9557088" y="2258756"/>
+            <a:off x="9481295" y="2841924"/>
             <a:ext cx="333374" cy="1150354"/>
           </a:xfrm>
           <a:prstGeom prst="bentConnector2">
@@ -12900,13 +18712,12 @@
           <p:cNvCxnSpPr>
             <a:cxnSpLocks/>
             <a:stCxn id="98" idx="1"/>
-            <a:endCxn id="96" idx="2"/>
           </p:cNvCxnSpPr>
           <p:nvPr/>
         </p:nvCxnSpPr>
         <p:spPr bwMode="auto">
           <a:xfrm rot="10800000">
-            <a:off x="9557088" y="2258756"/>
+            <a:off x="9481295" y="2841924"/>
             <a:ext cx="333374" cy="776298"/>
           </a:xfrm>
           <a:prstGeom prst="bentConnector2">
@@ -12944,13 +18755,12 @@
           <p:cNvCxnSpPr>
             <a:cxnSpLocks/>
             <a:stCxn id="97" idx="1"/>
-            <a:endCxn id="96" idx="2"/>
           </p:cNvCxnSpPr>
           <p:nvPr/>
         </p:nvCxnSpPr>
         <p:spPr bwMode="auto">
           <a:xfrm rot="10800000">
-            <a:off x="9557088" y="2258756"/>
+            <a:off x="9481295" y="2841924"/>
             <a:ext cx="333374" cy="402242"/>
           </a:xfrm>
           <a:prstGeom prst="bentConnector2">
@@ -12976,6 +18786,168 @@
           </a:fontRef>
         </p:style>
       </p:cxnSp>
+      <p:sp>
+        <p:nvSpPr>
+          <p:cNvPr id="55" name="Rectangle 54">
+            <a:extLst>
+              <a:ext uri="{FF2B5EF4-FFF2-40B4-BE49-F238E27FC236}">
+                <a16:creationId xmlns:a16="http://schemas.microsoft.com/office/drawing/2014/main" id="{05252D39-DEB7-4131-91F2-86C76C1D5242}"/>
+              </a:ext>
+            </a:extLst>
+          </p:cNvPr>
+          <p:cNvSpPr/>
+          <p:nvPr/>
+        </p:nvSpPr>
+        <p:spPr bwMode="auto">
+          <a:xfrm>
+            <a:off x="8937748" y="1944451"/>
+            <a:ext cx="1171812" cy="312954"/>
+          </a:xfrm>
+          <a:prstGeom prst="rect">
+            <a:avLst/>
+          </a:prstGeom>
+          <a:solidFill>
+            <a:schemeClr val="bg1"/>
+          </a:solidFill>
+          <a:ln>
+            <a:solidFill>
+              <a:schemeClr val="bg1"/>
+            </a:solidFill>
+            <a:headEnd type="none" w="sm" len="sm"/>
+            <a:tailEnd type="none" w="sm" len="sm"/>
+          </a:ln>
+          <a:effectLst>
+            <a:outerShdw blurRad="40000" dist="20000" dir="5400000" rotWithShape="0">
+              <a:srgbClr val="000000">
+                <a:alpha val="38000"/>
+              </a:srgbClr>
+            </a:outerShdw>
+            <a:reflection blurRad="165100" endPos="0" dir="5400000" sy="-100000" algn="bl" rotWithShape="0"/>
+          </a:effectLst>
+        </p:spPr>
+        <p:style>
+          <a:lnRef idx="1">
+            <a:schemeClr val="dk1"/>
+          </a:lnRef>
+          <a:fillRef idx="2">
+            <a:schemeClr val="dk1"/>
+          </a:fillRef>
+          <a:effectRef idx="1">
+            <a:schemeClr val="dk1"/>
+          </a:effectRef>
+          <a:fontRef idx="minor">
+            <a:schemeClr val="dk1"/>
+          </a:fontRef>
+        </p:style>
+        <p:txBody>
+          <a:bodyPr vert="horz" wrap="square" lIns="91440" tIns="45720" rIns="91440" bIns="45720" numCol="1" rtlCol="0" anchor="ctr" anchorCtr="0" compatLnSpc="1">
+            <a:prstTxWarp prst="textNoShape">
+              <a:avLst/>
+            </a:prstTxWarp>
+          </a:bodyPr>
+          <a:lstStyle/>
+          <a:p>
+            <a:pPr marL="0" marR="0" indent="0" algn="ctr" defTabSz="914400" rtl="0" eaLnBrk="0" fontAlgn="base" latinLnBrk="0" hangingPunct="0">
+              <a:lnSpc>
+                <a:spcPct val="100000"/>
+              </a:lnSpc>
+              <a:spcBef>
+                <a:spcPct val="0"/>
+              </a:spcBef>
+              <a:spcAft>
+                <a:spcPct val="0"/>
+              </a:spcAft>
+              <a:buClrTx/>
+              <a:buSzTx/>
+              <a:buFontTx/>
+              <a:buNone/>
+              <a:tabLst/>
+            </a:pPr>
+            <a:r>
+              <a:rPr lang="en-US" sz="1050" dirty="0">
+                <a:solidFill>
+                  <a:schemeClr val="tx1"/>
+                </a:solidFill>
+                <a:latin typeface="Arial" charset="0"/>
+              </a:rPr>
+              <a:t>Comprehensive Integration</a:t>
+            </a:r>
+            <a:endParaRPr kumimoji="0" lang="en-US" sz="1050" b="0" i="0" u="none" strike="noStrike" cap="none" normalizeH="0" baseline="0" dirty="0">
+              <a:ln>
+                <a:noFill/>
+              </a:ln>
+              <a:solidFill>
+                <a:schemeClr val="tx1"/>
+              </a:solidFill>
+              <a:effectLst/>
+              <a:latin typeface="Arial" charset="0"/>
+            </a:endParaRPr>
+          </a:p>
+        </p:txBody>
+      </p:sp>
+      <p:sp>
+        <p:nvSpPr>
+          <p:cNvPr id="2" name="Rectangle 1"/>
+          <p:cNvSpPr/>
+          <p:nvPr/>
+        </p:nvSpPr>
+        <p:spPr bwMode="auto">
+          <a:xfrm>
+            <a:off x="8779959" y="1813286"/>
+            <a:ext cx="1460500" cy="1034777"/>
+          </a:xfrm>
+          <a:prstGeom prst="rect">
+            <a:avLst/>
+          </a:prstGeom>
+          <a:noFill/>
+          <a:ln w="9525" cap="flat" cmpd="sng" algn="ctr">
+            <a:solidFill>
+              <a:schemeClr val="bg1"/>
+            </a:solidFill>
+            <a:prstDash val="dash"/>
+            <a:round/>
+            <a:headEnd type="none" w="sm" len="sm"/>
+            <a:tailEnd type="none" w="sm" len="sm"/>
+          </a:ln>
+          <a:effectLst/>
+        </p:spPr>
+        <p:txBody>
+          <a:bodyPr vert="horz" wrap="square" lIns="91440" tIns="45720" rIns="91440" bIns="45720" numCol="1" rtlCol="0" anchor="t" anchorCtr="0" compatLnSpc="1">
+            <a:prstTxWarp prst="textNoShape">
+              <a:avLst/>
+            </a:prstTxWarp>
+          </a:bodyPr>
+          <a:lstStyle/>
+          <a:p>
+            <a:pPr marL="0" marR="0" indent="0" algn="l" defTabSz="914400" rtl="0" eaLnBrk="0" fontAlgn="base" latinLnBrk="0" hangingPunct="0">
+              <a:lnSpc>
+                <a:spcPct val="100000"/>
+              </a:lnSpc>
+              <a:spcBef>
+                <a:spcPct val="0"/>
+              </a:spcBef>
+              <a:spcAft>
+                <a:spcPct val="0"/>
+              </a:spcAft>
+              <a:buClrTx/>
+              <a:buSzTx/>
+              <a:buFontTx/>
+              <a:buNone/>
+              <a:tabLst/>
+            </a:pPr>
+            <a:endParaRPr kumimoji="0" lang="en-GB" sz="900" b="0" i="0" u="none" strike="noStrike" cap="none" normalizeH="0" baseline="0" smtClean="0">
+              <a:ln>
+                <a:noFill/>
+              </a:ln>
+              <a:solidFill>
+                <a:schemeClr val="tx1"/>
+              </a:solidFill>
+              <a:effectLst/>
+              <a:latin typeface="Arial" charset="0"/>
+            </a:endParaRPr>
+          </a:p>
+        </p:txBody>
+      </p:sp>
     </p:spTree>
     <p:extLst>
       <p:ext uri="{BB962C8B-B14F-4D97-AF65-F5344CB8AC3E}">
@@ -12989,7 +18961,7 @@
 </p:sld>
 </file>
 
-<file path=ppt/slides/slide8.xml><?xml version="1.0" encoding="utf-8"?>
+<file path=ppt/slides/slide9.xml><?xml version="1.0" encoding="utf-8"?>
 <p:sld xmlns:a="http://schemas.openxmlformats.org/drawingml/2006/main" xmlns:r="http://schemas.openxmlformats.org/officeDocument/2006/relationships" xmlns:p="http://schemas.openxmlformats.org/presentationml/2006/main">
   <p:cSld>
     <p:spTree>
@@ -13542,2565 +19514,6 @@
     <p:extLst>
       <p:ext uri="{BB962C8B-B14F-4D97-AF65-F5344CB8AC3E}">
         <p14:creationId xmlns:p14="http://schemas.microsoft.com/office/powerpoint/2010/main" val="3800839271"/>
-      </p:ext>
-    </p:extLst>
-  </p:cSld>
-  <p:clrMapOvr>
-    <a:masterClrMapping/>
-  </p:clrMapOvr>
-</p:sld>
-</file>
-
-<file path=ppt/slides/slide9.xml><?xml version="1.0" encoding="utf-8"?>
-<p:sld xmlns:a="http://schemas.openxmlformats.org/drawingml/2006/main" xmlns:r="http://schemas.openxmlformats.org/officeDocument/2006/relationships" xmlns:p="http://schemas.openxmlformats.org/presentationml/2006/main">
-  <p:cSld>
-    <p:spTree>
-      <p:nvGrpSpPr>
-        <p:cNvPr id="1" name=""/>
-        <p:cNvGrpSpPr/>
-        <p:nvPr/>
-      </p:nvGrpSpPr>
-      <p:grpSpPr>
-        <a:xfrm>
-          <a:off x="0" y="0"/>
-          <a:ext cx="0" cy="0"/>
-          <a:chOff x="0" y="0"/>
-          <a:chExt cx="0" cy="0"/>
-        </a:xfrm>
-      </p:grpSpPr>
-      <p:sp>
-        <p:nvSpPr>
-          <p:cNvPr id="10" name="Title 9">
-            <a:extLst>
-              <a:ext uri="{FF2B5EF4-FFF2-40B4-BE49-F238E27FC236}">
-                <a16:creationId xmlns:a16="http://schemas.microsoft.com/office/drawing/2014/main" id="{316E12E7-B44B-4466-B6D8-34BFFE7434A0}"/>
-              </a:ext>
-            </a:extLst>
-          </p:cNvPr>
-          <p:cNvSpPr>
-            <a:spLocks noGrp="1"/>
-          </p:cNvSpPr>
-          <p:nvPr>
-            <p:ph type="title"/>
-          </p:nvPr>
-        </p:nvSpPr>
-        <p:spPr/>
-        <p:txBody>
-          <a:bodyPr/>
-          <a:lstStyle/>
-          <a:p>
-            <a:r>
-              <a:rPr lang="en-US" dirty="0"/>
-              <a:t>Assessment Method</a:t>
-            </a:r>
-          </a:p>
-        </p:txBody>
-      </p:sp>
-      <p:sp>
-        <p:nvSpPr>
-          <p:cNvPr id="13" name="Rectangle 12">
-            <a:extLst>
-              <a:ext uri="{FF2B5EF4-FFF2-40B4-BE49-F238E27FC236}">
-                <a16:creationId xmlns:a16="http://schemas.microsoft.com/office/drawing/2014/main" id="{914187C9-936F-4724-9AD6-3ABEFD5A6DC6}"/>
-              </a:ext>
-            </a:extLst>
-          </p:cNvPr>
-          <p:cNvSpPr/>
-          <p:nvPr/>
-        </p:nvSpPr>
-        <p:spPr bwMode="auto">
-          <a:xfrm>
-            <a:off x="411623" y="1876970"/>
-            <a:ext cx="1262170" cy="437151"/>
-          </a:xfrm>
-          <a:prstGeom prst="rect">
-            <a:avLst/>
-          </a:prstGeom>
-          <a:ln>
-            <a:solidFill>
-              <a:schemeClr val="bg1"/>
-            </a:solidFill>
-            <a:headEnd type="none" w="sm" len="sm"/>
-            <a:tailEnd type="none" w="sm" len="sm"/>
-          </a:ln>
-        </p:spPr>
-        <p:style>
-          <a:lnRef idx="2">
-            <a:schemeClr val="accent3"/>
-          </a:lnRef>
-          <a:fillRef idx="1">
-            <a:schemeClr val="lt1"/>
-          </a:fillRef>
-          <a:effectRef idx="0">
-            <a:schemeClr val="accent3"/>
-          </a:effectRef>
-          <a:fontRef idx="minor">
-            <a:schemeClr val="dk1"/>
-          </a:fontRef>
-        </p:style>
-        <p:txBody>
-          <a:bodyPr vert="horz" wrap="square" lIns="91440" tIns="45720" rIns="91440" bIns="45720" numCol="1" rtlCol="0" anchor="ctr" anchorCtr="0" compatLnSpc="1">
-            <a:prstTxWarp prst="textNoShape">
-              <a:avLst/>
-            </a:prstTxWarp>
-          </a:bodyPr>
-          <a:lstStyle/>
-          <a:p>
-            <a:pPr marL="0" marR="0" indent="0" algn="ctr" defTabSz="914400" rtl="0" eaLnBrk="0" fontAlgn="base" latinLnBrk="0" hangingPunct="0">
-              <a:lnSpc>
-                <a:spcPct val="100000"/>
-              </a:lnSpc>
-              <a:spcBef>
-                <a:spcPct val="0"/>
-              </a:spcBef>
-              <a:spcAft>
-                <a:spcPct val="0"/>
-              </a:spcAft>
-              <a:buClrTx/>
-              <a:buSzTx/>
-              <a:buFontTx/>
-              <a:buNone/>
-              <a:tabLst/>
-            </a:pPr>
-            <a:r>
-              <a:rPr lang="en-US" sz="1050" dirty="0">
-                <a:solidFill>
-                  <a:schemeClr val="tx1"/>
-                </a:solidFill>
-                <a:latin typeface="Arial" charset="0"/>
-              </a:rPr>
-              <a:t>Evaluate Level 1 Questions</a:t>
-            </a:r>
-            <a:endParaRPr kumimoji="0" lang="en-US" sz="1050" b="0" i="0" u="none" strike="noStrike" cap="none" normalizeH="0" baseline="0" dirty="0">
-              <a:ln>
-                <a:noFill/>
-              </a:ln>
-              <a:solidFill>
-                <a:schemeClr val="tx1"/>
-              </a:solidFill>
-              <a:effectLst/>
-              <a:latin typeface="Arial" charset="0"/>
-            </a:endParaRPr>
-          </a:p>
-        </p:txBody>
-      </p:sp>
-      <p:sp>
-        <p:nvSpPr>
-          <p:cNvPr id="24" name="Rectangle 23">
-            <a:extLst>
-              <a:ext uri="{FF2B5EF4-FFF2-40B4-BE49-F238E27FC236}">
-                <a16:creationId xmlns:a16="http://schemas.microsoft.com/office/drawing/2014/main" id="{82F68958-9DE7-45E1-863E-98FF8143B791}"/>
-              </a:ext>
-            </a:extLst>
-          </p:cNvPr>
-          <p:cNvSpPr/>
-          <p:nvPr/>
-        </p:nvSpPr>
-        <p:spPr bwMode="auto">
-          <a:xfrm>
-            <a:off x="2043711" y="2617009"/>
-            <a:ext cx="1262170" cy="437151"/>
-          </a:xfrm>
-          <a:prstGeom prst="rect">
-            <a:avLst/>
-          </a:prstGeom>
-          <a:ln>
-            <a:solidFill>
-              <a:schemeClr val="bg1"/>
-            </a:solidFill>
-            <a:headEnd type="none" w="sm" len="sm"/>
-            <a:tailEnd type="none" w="sm" len="sm"/>
-          </a:ln>
-        </p:spPr>
-        <p:style>
-          <a:lnRef idx="2">
-            <a:schemeClr val="accent3"/>
-          </a:lnRef>
-          <a:fillRef idx="1">
-            <a:schemeClr val="lt1"/>
-          </a:fillRef>
-          <a:effectRef idx="0">
-            <a:schemeClr val="accent3"/>
-          </a:effectRef>
-          <a:fontRef idx="minor">
-            <a:schemeClr val="dk1"/>
-          </a:fontRef>
-        </p:style>
-        <p:txBody>
-          <a:bodyPr vert="horz" wrap="square" lIns="91440" tIns="45720" rIns="91440" bIns="45720" numCol="1" rtlCol="0" anchor="ctr" anchorCtr="0" compatLnSpc="1">
-            <a:prstTxWarp prst="textNoShape">
-              <a:avLst/>
-            </a:prstTxWarp>
-          </a:bodyPr>
-          <a:lstStyle/>
-          <a:p>
-            <a:pPr marL="0" marR="0" indent="0" algn="ctr" defTabSz="914400" rtl="0" eaLnBrk="0" fontAlgn="base" latinLnBrk="0" hangingPunct="0">
-              <a:lnSpc>
-                <a:spcPct val="100000"/>
-              </a:lnSpc>
-              <a:spcBef>
-                <a:spcPct val="0"/>
-              </a:spcBef>
-              <a:spcAft>
-                <a:spcPct val="0"/>
-              </a:spcAft>
-              <a:buClrTx/>
-              <a:buSzTx/>
-              <a:buFontTx/>
-              <a:buNone/>
-              <a:tabLst/>
-            </a:pPr>
-            <a:r>
-              <a:rPr lang="en-US" sz="1050" dirty="0">
-                <a:solidFill>
-                  <a:schemeClr val="tx1"/>
-                </a:solidFill>
-                <a:latin typeface="Arial" charset="0"/>
-              </a:rPr>
-              <a:t>Evaluate Level 2 Questions</a:t>
-            </a:r>
-            <a:endParaRPr kumimoji="0" lang="en-US" sz="1050" b="0" i="0" u="none" strike="noStrike" cap="none" normalizeH="0" baseline="0" dirty="0">
-              <a:ln>
-                <a:noFill/>
-              </a:ln>
-              <a:solidFill>
-                <a:schemeClr val="tx1"/>
-              </a:solidFill>
-              <a:effectLst/>
-              <a:latin typeface="Arial" charset="0"/>
-            </a:endParaRPr>
-          </a:p>
-        </p:txBody>
-      </p:sp>
-      <p:sp>
-        <p:nvSpPr>
-          <p:cNvPr id="25" name="Rectangle 24">
-            <a:extLst>
-              <a:ext uri="{FF2B5EF4-FFF2-40B4-BE49-F238E27FC236}">
-                <a16:creationId xmlns:a16="http://schemas.microsoft.com/office/drawing/2014/main" id="{D982B3AB-52EA-40D5-A13E-F0CBC3C2BE2A}"/>
-              </a:ext>
-            </a:extLst>
-          </p:cNvPr>
-          <p:cNvSpPr/>
-          <p:nvPr/>
-        </p:nvSpPr>
-        <p:spPr bwMode="auto">
-          <a:xfrm>
-            <a:off x="3676449" y="3325954"/>
-            <a:ext cx="1262170" cy="437151"/>
-          </a:xfrm>
-          <a:prstGeom prst="rect">
-            <a:avLst/>
-          </a:prstGeom>
-          <a:ln>
-            <a:solidFill>
-              <a:schemeClr val="bg1"/>
-            </a:solidFill>
-            <a:headEnd type="none" w="sm" len="sm"/>
-            <a:tailEnd type="none" w="sm" len="sm"/>
-          </a:ln>
-        </p:spPr>
-        <p:style>
-          <a:lnRef idx="2">
-            <a:schemeClr val="accent3"/>
-          </a:lnRef>
-          <a:fillRef idx="1">
-            <a:schemeClr val="lt1"/>
-          </a:fillRef>
-          <a:effectRef idx="0">
-            <a:schemeClr val="accent3"/>
-          </a:effectRef>
-          <a:fontRef idx="minor">
-            <a:schemeClr val="dk1"/>
-          </a:fontRef>
-        </p:style>
-        <p:txBody>
-          <a:bodyPr vert="horz" wrap="square" lIns="91440" tIns="45720" rIns="91440" bIns="45720" numCol="1" rtlCol="0" anchor="ctr" anchorCtr="0" compatLnSpc="1">
-            <a:prstTxWarp prst="textNoShape">
-              <a:avLst/>
-            </a:prstTxWarp>
-          </a:bodyPr>
-          <a:lstStyle/>
-          <a:p>
-            <a:pPr marL="0" marR="0" indent="0" algn="ctr" defTabSz="914400" rtl="0" eaLnBrk="0" fontAlgn="base" latinLnBrk="0" hangingPunct="0">
-              <a:lnSpc>
-                <a:spcPct val="100000"/>
-              </a:lnSpc>
-              <a:spcBef>
-                <a:spcPct val="0"/>
-              </a:spcBef>
-              <a:spcAft>
-                <a:spcPct val="0"/>
-              </a:spcAft>
-              <a:buClrTx/>
-              <a:buSzTx/>
-              <a:buFontTx/>
-              <a:buNone/>
-              <a:tabLst/>
-            </a:pPr>
-            <a:r>
-              <a:rPr lang="en-US" sz="1050" dirty="0">
-                <a:solidFill>
-                  <a:schemeClr val="tx1"/>
-                </a:solidFill>
-                <a:latin typeface="Arial" charset="0"/>
-              </a:rPr>
-              <a:t>Evaluate Level 3 Questions</a:t>
-            </a:r>
-            <a:endParaRPr kumimoji="0" lang="en-US" sz="1050" b="0" i="0" u="none" strike="noStrike" cap="none" normalizeH="0" baseline="0" dirty="0">
-              <a:ln>
-                <a:noFill/>
-              </a:ln>
-              <a:solidFill>
-                <a:schemeClr val="tx1"/>
-              </a:solidFill>
-              <a:effectLst/>
-              <a:latin typeface="Arial" charset="0"/>
-            </a:endParaRPr>
-          </a:p>
-        </p:txBody>
-      </p:sp>
-      <p:sp>
-        <p:nvSpPr>
-          <p:cNvPr id="26" name="Rectangle 25">
-            <a:extLst>
-              <a:ext uri="{FF2B5EF4-FFF2-40B4-BE49-F238E27FC236}">
-                <a16:creationId xmlns:a16="http://schemas.microsoft.com/office/drawing/2014/main" id="{F3DA4185-AECB-46DC-85C4-312CA19B8BE5}"/>
-              </a:ext>
-            </a:extLst>
-          </p:cNvPr>
-          <p:cNvSpPr/>
-          <p:nvPr/>
-        </p:nvSpPr>
-        <p:spPr bwMode="auto">
-          <a:xfrm>
-            <a:off x="5364738" y="4052237"/>
-            <a:ext cx="1262170" cy="437151"/>
-          </a:xfrm>
-          <a:prstGeom prst="rect">
-            <a:avLst/>
-          </a:prstGeom>
-          <a:ln>
-            <a:solidFill>
-              <a:schemeClr val="bg1"/>
-            </a:solidFill>
-            <a:headEnd type="none" w="sm" len="sm"/>
-            <a:tailEnd type="none" w="sm" len="sm"/>
-          </a:ln>
-        </p:spPr>
-        <p:style>
-          <a:lnRef idx="2">
-            <a:schemeClr val="accent3"/>
-          </a:lnRef>
-          <a:fillRef idx="1">
-            <a:schemeClr val="lt1"/>
-          </a:fillRef>
-          <a:effectRef idx="0">
-            <a:schemeClr val="accent3"/>
-          </a:effectRef>
-          <a:fontRef idx="minor">
-            <a:schemeClr val="dk1"/>
-          </a:fontRef>
-        </p:style>
-        <p:txBody>
-          <a:bodyPr vert="horz" wrap="square" lIns="91440" tIns="45720" rIns="91440" bIns="45720" numCol="1" rtlCol="0" anchor="ctr" anchorCtr="0" compatLnSpc="1">
-            <a:prstTxWarp prst="textNoShape">
-              <a:avLst/>
-            </a:prstTxWarp>
-          </a:bodyPr>
-          <a:lstStyle/>
-          <a:p>
-            <a:pPr marL="0" marR="0" indent="0" algn="ctr" defTabSz="914400" rtl="0" eaLnBrk="0" fontAlgn="base" latinLnBrk="0" hangingPunct="0">
-              <a:lnSpc>
-                <a:spcPct val="100000"/>
-              </a:lnSpc>
-              <a:spcBef>
-                <a:spcPct val="0"/>
-              </a:spcBef>
-              <a:spcAft>
-                <a:spcPct val="0"/>
-              </a:spcAft>
-              <a:buClrTx/>
-              <a:buSzTx/>
-              <a:buFontTx/>
-              <a:buNone/>
-              <a:tabLst/>
-            </a:pPr>
-            <a:r>
-              <a:rPr lang="en-US" sz="1050" dirty="0">
-                <a:solidFill>
-                  <a:schemeClr val="tx1"/>
-                </a:solidFill>
-                <a:latin typeface="Arial" charset="0"/>
-              </a:rPr>
-              <a:t>Evaluate Level 4 Questions</a:t>
-            </a:r>
-            <a:endParaRPr kumimoji="0" lang="en-US" sz="1050" b="0" i="0" u="none" strike="noStrike" cap="none" normalizeH="0" baseline="0" dirty="0">
-              <a:ln>
-                <a:noFill/>
-              </a:ln>
-              <a:solidFill>
-                <a:schemeClr val="tx1"/>
-              </a:solidFill>
-              <a:effectLst/>
-              <a:latin typeface="Arial" charset="0"/>
-            </a:endParaRPr>
-          </a:p>
-        </p:txBody>
-      </p:sp>
-      <p:sp>
-        <p:nvSpPr>
-          <p:cNvPr id="27" name="Rectangle 26">
-            <a:extLst>
-              <a:ext uri="{FF2B5EF4-FFF2-40B4-BE49-F238E27FC236}">
-                <a16:creationId xmlns:a16="http://schemas.microsoft.com/office/drawing/2014/main" id="{5A6B6D8E-1610-4FA6-862B-D26343A1A8A2}"/>
-              </a:ext>
-            </a:extLst>
-          </p:cNvPr>
-          <p:cNvSpPr/>
-          <p:nvPr/>
-        </p:nvSpPr>
-        <p:spPr bwMode="auto">
-          <a:xfrm>
-            <a:off x="6952831" y="4787505"/>
-            <a:ext cx="1262170" cy="437151"/>
-          </a:xfrm>
-          <a:prstGeom prst="rect">
-            <a:avLst/>
-          </a:prstGeom>
-          <a:ln>
-            <a:solidFill>
-              <a:schemeClr val="bg1"/>
-            </a:solidFill>
-            <a:headEnd type="none" w="sm" len="sm"/>
-            <a:tailEnd type="none" w="sm" len="sm"/>
-          </a:ln>
-        </p:spPr>
-        <p:style>
-          <a:lnRef idx="2">
-            <a:schemeClr val="accent3"/>
-          </a:lnRef>
-          <a:fillRef idx="1">
-            <a:schemeClr val="lt1"/>
-          </a:fillRef>
-          <a:effectRef idx="0">
-            <a:schemeClr val="accent3"/>
-          </a:effectRef>
-          <a:fontRef idx="minor">
-            <a:schemeClr val="dk1"/>
-          </a:fontRef>
-        </p:style>
-        <p:txBody>
-          <a:bodyPr vert="horz" wrap="square" lIns="91440" tIns="45720" rIns="91440" bIns="45720" numCol="1" rtlCol="0" anchor="ctr" anchorCtr="0" compatLnSpc="1">
-            <a:prstTxWarp prst="textNoShape">
-              <a:avLst/>
-            </a:prstTxWarp>
-          </a:bodyPr>
-          <a:lstStyle/>
-          <a:p>
-            <a:pPr marL="0" marR="0" indent="0" algn="ctr" defTabSz="914400" rtl="0" eaLnBrk="0" fontAlgn="base" latinLnBrk="0" hangingPunct="0">
-              <a:lnSpc>
-                <a:spcPct val="100000"/>
-              </a:lnSpc>
-              <a:spcBef>
-                <a:spcPct val="0"/>
-              </a:spcBef>
-              <a:spcAft>
-                <a:spcPct val="0"/>
-              </a:spcAft>
-              <a:buClrTx/>
-              <a:buSzTx/>
-              <a:buFontTx/>
-              <a:buNone/>
-              <a:tabLst/>
-            </a:pPr>
-            <a:r>
-              <a:rPr lang="en-US" sz="1050" dirty="0">
-                <a:solidFill>
-                  <a:schemeClr val="tx1"/>
-                </a:solidFill>
-                <a:latin typeface="Arial" charset="0"/>
-              </a:rPr>
-              <a:t>Evaluate Level 5 Questions</a:t>
-            </a:r>
-            <a:endParaRPr kumimoji="0" lang="en-US" sz="1050" b="0" i="0" u="none" strike="noStrike" cap="none" normalizeH="0" baseline="0" dirty="0">
-              <a:ln>
-                <a:noFill/>
-              </a:ln>
-              <a:solidFill>
-                <a:schemeClr val="tx1"/>
-              </a:solidFill>
-              <a:effectLst/>
-              <a:latin typeface="Arial" charset="0"/>
-            </a:endParaRPr>
-          </a:p>
-        </p:txBody>
-      </p:sp>
-      <p:sp>
-        <p:nvSpPr>
-          <p:cNvPr id="28" name="Flowchart: Decision 27">
-            <a:extLst>
-              <a:ext uri="{FF2B5EF4-FFF2-40B4-BE49-F238E27FC236}">
-                <a16:creationId xmlns:a16="http://schemas.microsoft.com/office/drawing/2014/main" id="{19566EA7-8C29-4F2B-A82F-B2EC0FC3AE2B}"/>
-              </a:ext>
-            </a:extLst>
-          </p:cNvPr>
-          <p:cNvSpPr/>
-          <p:nvPr/>
-        </p:nvSpPr>
-        <p:spPr bwMode="auto">
-          <a:xfrm>
-            <a:off x="461594" y="2617009"/>
-            <a:ext cx="1162228" cy="437151"/>
-          </a:xfrm>
-          <a:prstGeom prst="flowChartDecision">
-            <a:avLst/>
-          </a:prstGeom>
-          <a:ln>
-            <a:solidFill>
-              <a:schemeClr val="bg1"/>
-            </a:solidFill>
-            <a:headEnd type="none" w="sm" len="sm"/>
-            <a:tailEnd type="none" w="sm" len="sm"/>
-          </a:ln>
-        </p:spPr>
-        <p:style>
-          <a:lnRef idx="2">
-            <a:schemeClr val="accent3"/>
-          </a:lnRef>
-          <a:fillRef idx="1">
-            <a:schemeClr val="lt1"/>
-          </a:fillRef>
-          <a:effectRef idx="0">
-            <a:schemeClr val="accent3"/>
-          </a:effectRef>
-          <a:fontRef idx="minor">
-            <a:schemeClr val="dk1"/>
-          </a:fontRef>
-        </p:style>
-        <p:txBody>
-          <a:bodyPr vert="horz" wrap="square" lIns="91440" tIns="45720" rIns="91440" bIns="45720" numCol="1" rtlCol="0" anchor="t" anchorCtr="0" compatLnSpc="1">
-            <a:prstTxWarp prst="textNoShape">
-              <a:avLst/>
-            </a:prstTxWarp>
-          </a:bodyPr>
-          <a:lstStyle/>
-          <a:p>
-            <a:pPr marL="0" marR="0" indent="0" algn="l" defTabSz="914400" rtl="0" eaLnBrk="0" fontAlgn="base" latinLnBrk="0" hangingPunct="0">
-              <a:lnSpc>
-                <a:spcPct val="100000"/>
-              </a:lnSpc>
-              <a:spcBef>
-                <a:spcPct val="0"/>
-              </a:spcBef>
-              <a:spcAft>
-                <a:spcPct val="0"/>
-              </a:spcAft>
-              <a:buClrTx/>
-              <a:buSzTx/>
-              <a:buFontTx/>
-              <a:buNone/>
-              <a:tabLst/>
-            </a:pPr>
-            <a:r>
-              <a:rPr kumimoji="0" lang="en-US" sz="900" b="0" i="0" u="none" strike="noStrike" cap="none" normalizeH="0" baseline="0" dirty="0">
-                <a:ln>
-                  <a:noFill/>
-                </a:ln>
-                <a:solidFill>
-                  <a:schemeClr val="tx1"/>
-                </a:solidFill>
-                <a:effectLst/>
-                <a:latin typeface="Arial" charset="0"/>
-              </a:rPr>
-              <a:t>All YES</a:t>
-            </a:r>
-          </a:p>
-        </p:txBody>
-      </p:sp>
-      <p:sp>
-        <p:nvSpPr>
-          <p:cNvPr id="29" name="Flowchart: Decision 28">
-            <a:extLst>
-              <a:ext uri="{FF2B5EF4-FFF2-40B4-BE49-F238E27FC236}">
-                <a16:creationId xmlns:a16="http://schemas.microsoft.com/office/drawing/2014/main" id="{BD4ED6D0-93D6-419F-9F8D-D5463B85BFD1}"/>
-              </a:ext>
-            </a:extLst>
-          </p:cNvPr>
-          <p:cNvSpPr/>
-          <p:nvPr/>
-        </p:nvSpPr>
-        <p:spPr bwMode="auto">
-          <a:xfrm>
-            <a:off x="2093682" y="3325954"/>
-            <a:ext cx="1162228" cy="437151"/>
-          </a:xfrm>
-          <a:prstGeom prst="flowChartDecision">
-            <a:avLst/>
-          </a:prstGeom>
-          <a:ln>
-            <a:solidFill>
-              <a:schemeClr val="bg1"/>
-            </a:solidFill>
-            <a:headEnd type="none" w="sm" len="sm"/>
-            <a:tailEnd type="none" w="sm" len="sm"/>
-          </a:ln>
-        </p:spPr>
-        <p:style>
-          <a:lnRef idx="2">
-            <a:schemeClr val="accent3"/>
-          </a:lnRef>
-          <a:fillRef idx="1">
-            <a:schemeClr val="lt1"/>
-          </a:fillRef>
-          <a:effectRef idx="0">
-            <a:schemeClr val="accent3"/>
-          </a:effectRef>
-          <a:fontRef idx="minor">
-            <a:schemeClr val="dk1"/>
-          </a:fontRef>
-        </p:style>
-        <p:txBody>
-          <a:bodyPr vert="horz" wrap="square" lIns="91440" tIns="45720" rIns="91440" bIns="45720" numCol="1" rtlCol="0" anchor="t" anchorCtr="0" compatLnSpc="1">
-            <a:prstTxWarp prst="textNoShape">
-              <a:avLst/>
-            </a:prstTxWarp>
-          </a:bodyPr>
-          <a:lstStyle/>
-          <a:p>
-            <a:pPr marL="0" marR="0" indent="0" algn="l" defTabSz="914400" rtl="0" eaLnBrk="0" fontAlgn="base" latinLnBrk="0" hangingPunct="0">
-              <a:lnSpc>
-                <a:spcPct val="100000"/>
-              </a:lnSpc>
-              <a:spcBef>
-                <a:spcPct val="0"/>
-              </a:spcBef>
-              <a:spcAft>
-                <a:spcPct val="0"/>
-              </a:spcAft>
-              <a:buClrTx/>
-              <a:buSzTx/>
-              <a:buFontTx/>
-              <a:buNone/>
-              <a:tabLst/>
-            </a:pPr>
-            <a:r>
-              <a:rPr kumimoji="0" lang="en-US" sz="900" b="0" i="0" u="none" strike="noStrike" cap="none" normalizeH="0" baseline="0" dirty="0">
-                <a:ln>
-                  <a:noFill/>
-                </a:ln>
-                <a:solidFill>
-                  <a:schemeClr val="tx1"/>
-                </a:solidFill>
-                <a:effectLst/>
-                <a:latin typeface="Arial" charset="0"/>
-              </a:rPr>
-              <a:t>All YES</a:t>
-            </a:r>
-          </a:p>
-        </p:txBody>
-      </p:sp>
-      <p:sp>
-        <p:nvSpPr>
-          <p:cNvPr id="30" name="Flowchart: Decision 29">
-            <a:extLst>
-              <a:ext uri="{FF2B5EF4-FFF2-40B4-BE49-F238E27FC236}">
-                <a16:creationId xmlns:a16="http://schemas.microsoft.com/office/drawing/2014/main" id="{40038E56-ACC4-4C12-87C0-77D1CA266011}"/>
-              </a:ext>
-            </a:extLst>
-          </p:cNvPr>
-          <p:cNvSpPr/>
-          <p:nvPr/>
-        </p:nvSpPr>
-        <p:spPr bwMode="auto">
-          <a:xfrm>
-            <a:off x="3726420" y="4052237"/>
-            <a:ext cx="1162228" cy="437151"/>
-          </a:xfrm>
-          <a:prstGeom prst="flowChartDecision">
-            <a:avLst/>
-          </a:prstGeom>
-          <a:ln>
-            <a:solidFill>
-              <a:schemeClr val="bg1"/>
-            </a:solidFill>
-            <a:headEnd type="none" w="sm" len="sm"/>
-            <a:tailEnd type="none" w="sm" len="sm"/>
-          </a:ln>
-        </p:spPr>
-        <p:style>
-          <a:lnRef idx="2">
-            <a:schemeClr val="accent3"/>
-          </a:lnRef>
-          <a:fillRef idx="1">
-            <a:schemeClr val="lt1"/>
-          </a:fillRef>
-          <a:effectRef idx="0">
-            <a:schemeClr val="accent3"/>
-          </a:effectRef>
-          <a:fontRef idx="minor">
-            <a:schemeClr val="dk1"/>
-          </a:fontRef>
-        </p:style>
-        <p:txBody>
-          <a:bodyPr vert="horz" wrap="square" lIns="91440" tIns="45720" rIns="91440" bIns="45720" numCol="1" rtlCol="0" anchor="t" anchorCtr="0" compatLnSpc="1">
-            <a:prstTxWarp prst="textNoShape">
-              <a:avLst/>
-            </a:prstTxWarp>
-          </a:bodyPr>
-          <a:lstStyle/>
-          <a:p>
-            <a:pPr marL="0" marR="0" indent="0" algn="l" defTabSz="914400" rtl="0" eaLnBrk="0" fontAlgn="base" latinLnBrk="0" hangingPunct="0">
-              <a:lnSpc>
-                <a:spcPct val="100000"/>
-              </a:lnSpc>
-              <a:spcBef>
-                <a:spcPct val="0"/>
-              </a:spcBef>
-              <a:spcAft>
-                <a:spcPct val="0"/>
-              </a:spcAft>
-              <a:buClrTx/>
-              <a:buSzTx/>
-              <a:buFontTx/>
-              <a:buNone/>
-              <a:tabLst/>
-            </a:pPr>
-            <a:r>
-              <a:rPr kumimoji="0" lang="en-US" sz="900" b="0" i="0" u="none" strike="noStrike" cap="none" normalizeH="0" baseline="0" dirty="0">
-                <a:ln>
-                  <a:noFill/>
-                </a:ln>
-                <a:solidFill>
-                  <a:schemeClr val="tx1"/>
-                </a:solidFill>
-                <a:effectLst/>
-                <a:latin typeface="Arial" charset="0"/>
-              </a:rPr>
-              <a:t>All YES</a:t>
-            </a:r>
-          </a:p>
-        </p:txBody>
-      </p:sp>
-      <p:sp>
-        <p:nvSpPr>
-          <p:cNvPr id="31" name="Flowchart: Decision 30">
-            <a:extLst>
-              <a:ext uri="{FF2B5EF4-FFF2-40B4-BE49-F238E27FC236}">
-                <a16:creationId xmlns:a16="http://schemas.microsoft.com/office/drawing/2014/main" id="{22FDC482-3A9B-4B0F-8983-FFDCBC44140C}"/>
-              </a:ext>
-            </a:extLst>
-          </p:cNvPr>
-          <p:cNvSpPr/>
-          <p:nvPr/>
-        </p:nvSpPr>
-        <p:spPr bwMode="auto">
-          <a:xfrm>
-            <a:off x="5414709" y="4787505"/>
-            <a:ext cx="1162228" cy="437151"/>
-          </a:xfrm>
-          <a:prstGeom prst="flowChartDecision">
-            <a:avLst/>
-          </a:prstGeom>
-          <a:ln>
-            <a:solidFill>
-              <a:schemeClr val="bg1"/>
-            </a:solidFill>
-            <a:headEnd type="none" w="sm" len="sm"/>
-            <a:tailEnd type="none" w="sm" len="sm"/>
-          </a:ln>
-        </p:spPr>
-        <p:style>
-          <a:lnRef idx="2">
-            <a:schemeClr val="accent3"/>
-          </a:lnRef>
-          <a:fillRef idx="1">
-            <a:schemeClr val="lt1"/>
-          </a:fillRef>
-          <a:effectRef idx="0">
-            <a:schemeClr val="accent3"/>
-          </a:effectRef>
-          <a:fontRef idx="minor">
-            <a:schemeClr val="dk1"/>
-          </a:fontRef>
-        </p:style>
-        <p:txBody>
-          <a:bodyPr vert="horz" wrap="square" lIns="91440" tIns="45720" rIns="91440" bIns="45720" numCol="1" rtlCol="0" anchor="t" anchorCtr="0" compatLnSpc="1">
-            <a:prstTxWarp prst="textNoShape">
-              <a:avLst/>
-            </a:prstTxWarp>
-          </a:bodyPr>
-          <a:lstStyle/>
-          <a:p>
-            <a:pPr marL="0" marR="0" indent="0" algn="l" defTabSz="914400" rtl="0" eaLnBrk="0" fontAlgn="base" latinLnBrk="0" hangingPunct="0">
-              <a:lnSpc>
-                <a:spcPct val="100000"/>
-              </a:lnSpc>
-              <a:spcBef>
-                <a:spcPct val="0"/>
-              </a:spcBef>
-              <a:spcAft>
-                <a:spcPct val="0"/>
-              </a:spcAft>
-              <a:buClrTx/>
-              <a:buSzTx/>
-              <a:buFontTx/>
-              <a:buNone/>
-              <a:tabLst/>
-            </a:pPr>
-            <a:r>
-              <a:rPr kumimoji="0" lang="en-US" sz="900" b="0" i="0" u="none" strike="noStrike" cap="none" normalizeH="0" baseline="0" dirty="0">
-                <a:ln>
-                  <a:noFill/>
-                </a:ln>
-                <a:solidFill>
-                  <a:schemeClr val="tx1"/>
-                </a:solidFill>
-                <a:effectLst/>
-                <a:latin typeface="Arial" charset="0"/>
-              </a:rPr>
-              <a:t>All YES</a:t>
-            </a:r>
-          </a:p>
-        </p:txBody>
-      </p:sp>
-      <p:sp>
-        <p:nvSpPr>
-          <p:cNvPr id="32" name="Flowchart: Decision 31">
-            <a:extLst>
-              <a:ext uri="{FF2B5EF4-FFF2-40B4-BE49-F238E27FC236}">
-                <a16:creationId xmlns:a16="http://schemas.microsoft.com/office/drawing/2014/main" id="{DD4ACBEE-4707-4DFE-8F9E-3A132A8B871C}"/>
-              </a:ext>
-            </a:extLst>
-          </p:cNvPr>
-          <p:cNvSpPr/>
-          <p:nvPr/>
-        </p:nvSpPr>
-        <p:spPr bwMode="auto">
-          <a:xfrm>
-            <a:off x="7002802" y="5523635"/>
-            <a:ext cx="1162228" cy="437151"/>
-          </a:xfrm>
-          <a:prstGeom prst="flowChartDecision">
-            <a:avLst/>
-          </a:prstGeom>
-          <a:ln>
-            <a:solidFill>
-              <a:schemeClr val="bg1"/>
-            </a:solidFill>
-            <a:headEnd type="none" w="sm" len="sm"/>
-            <a:tailEnd type="none" w="sm" len="sm"/>
-          </a:ln>
-        </p:spPr>
-        <p:style>
-          <a:lnRef idx="2">
-            <a:schemeClr val="accent3"/>
-          </a:lnRef>
-          <a:fillRef idx="1">
-            <a:schemeClr val="lt1"/>
-          </a:fillRef>
-          <a:effectRef idx="0">
-            <a:schemeClr val="accent3"/>
-          </a:effectRef>
-          <a:fontRef idx="minor">
-            <a:schemeClr val="dk1"/>
-          </a:fontRef>
-        </p:style>
-        <p:txBody>
-          <a:bodyPr vert="horz" wrap="square" lIns="91440" tIns="45720" rIns="91440" bIns="45720" numCol="1" rtlCol="0" anchor="t" anchorCtr="0" compatLnSpc="1">
-            <a:prstTxWarp prst="textNoShape">
-              <a:avLst/>
-            </a:prstTxWarp>
-          </a:bodyPr>
-          <a:lstStyle/>
-          <a:p>
-            <a:pPr marL="0" marR="0" indent="0" algn="l" defTabSz="914400" rtl="0" eaLnBrk="0" fontAlgn="base" latinLnBrk="0" hangingPunct="0">
-              <a:lnSpc>
-                <a:spcPct val="100000"/>
-              </a:lnSpc>
-              <a:spcBef>
-                <a:spcPct val="0"/>
-              </a:spcBef>
-              <a:spcAft>
-                <a:spcPct val="0"/>
-              </a:spcAft>
-              <a:buClrTx/>
-              <a:buSzTx/>
-              <a:buFontTx/>
-              <a:buNone/>
-              <a:tabLst/>
-            </a:pPr>
-            <a:r>
-              <a:rPr kumimoji="0" lang="en-US" sz="900" b="0" i="0" u="none" strike="noStrike" cap="none" normalizeH="0" baseline="0" dirty="0">
-                <a:ln>
-                  <a:noFill/>
-                </a:ln>
-                <a:solidFill>
-                  <a:schemeClr val="tx1"/>
-                </a:solidFill>
-                <a:effectLst/>
-                <a:latin typeface="Arial" charset="0"/>
-              </a:rPr>
-              <a:t>All YES</a:t>
-            </a:r>
-          </a:p>
-        </p:txBody>
-      </p:sp>
-      <p:sp>
-        <p:nvSpPr>
-          <p:cNvPr id="33" name="Rectangle: Rounded Corners 32">
-            <a:extLst>
-              <a:ext uri="{FF2B5EF4-FFF2-40B4-BE49-F238E27FC236}">
-                <a16:creationId xmlns:a16="http://schemas.microsoft.com/office/drawing/2014/main" id="{75C94096-B1A1-4A6D-B74B-671FE02D1715}"/>
-              </a:ext>
-            </a:extLst>
-          </p:cNvPr>
-          <p:cNvSpPr/>
-          <p:nvPr/>
-        </p:nvSpPr>
-        <p:spPr bwMode="auto">
-          <a:xfrm>
-            <a:off x="414412" y="3313812"/>
-            <a:ext cx="1256592" cy="461434"/>
-          </a:xfrm>
-          <a:prstGeom prst="roundRect">
-            <a:avLst/>
-          </a:prstGeom>
-          <a:solidFill>
-            <a:schemeClr val="bg1"/>
-          </a:solidFill>
-          <a:ln>
-            <a:solidFill>
-              <a:schemeClr val="bg1"/>
-            </a:solidFill>
-            <a:headEnd type="none" w="sm" len="sm"/>
-            <a:tailEnd type="none" w="sm" len="sm"/>
-          </a:ln>
-        </p:spPr>
-        <p:style>
-          <a:lnRef idx="1">
-            <a:schemeClr val="dk1"/>
-          </a:lnRef>
-          <a:fillRef idx="2">
-            <a:schemeClr val="dk1"/>
-          </a:fillRef>
-          <a:effectRef idx="1">
-            <a:schemeClr val="dk1"/>
-          </a:effectRef>
-          <a:fontRef idx="minor">
-            <a:schemeClr val="dk1"/>
-          </a:fontRef>
-        </p:style>
-        <p:txBody>
-          <a:bodyPr vert="horz" wrap="square" lIns="91440" tIns="45720" rIns="91440" bIns="45720" numCol="1" rtlCol="0" anchor="ctr" anchorCtr="0" compatLnSpc="1">
-            <a:prstTxWarp prst="textNoShape">
-              <a:avLst/>
-            </a:prstTxWarp>
-          </a:bodyPr>
-          <a:lstStyle/>
-          <a:p>
-            <a:pPr marL="0" marR="0" indent="0" algn="ctr" defTabSz="914400" rtl="0" eaLnBrk="0" fontAlgn="base" latinLnBrk="0" hangingPunct="0">
-              <a:lnSpc>
-                <a:spcPct val="100000"/>
-              </a:lnSpc>
-              <a:spcBef>
-                <a:spcPct val="0"/>
-              </a:spcBef>
-              <a:spcAft>
-                <a:spcPct val="0"/>
-              </a:spcAft>
-              <a:buClrTx/>
-              <a:buSzTx/>
-              <a:buFontTx/>
-              <a:buNone/>
-              <a:tabLst/>
-            </a:pPr>
-            <a:r>
-              <a:rPr lang="en-US" sz="1400" dirty="0">
-                <a:solidFill>
-                  <a:schemeClr val="tx1"/>
-                </a:solidFill>
-                <a:latin typeface="Arial" charset="0"/>
-              </a:rPr>
-              <a:t>Maturity Level 0</a:t>
-            </a:r>
-            <a:endParaRPr kumimoji="0" lang="en-US" sz="1400" b="0" i="0" u="none" strike="noStrike" cap="none" normalizeH="0" baseline="0" dirty="0">
-              <a:ln>
-                <a:noFill/>
-              </a:ln>
-              <a:solidFill>
-                <a:schemeClr val="tx1"/>
-              </a:solidFill>
-              <a:effectLst/>
-              <a:latin typeface="Arial" charset="0"/>
-            </a:endParaRPr>
-          </a:p>
-        </p:txBody>
-      </p:sp>
-      <p:sp>
-        <p:nvSpPr>
-          <p:cNvPr id="34" name="Rectangle: Rounded Corners 33">
-            <a:extLst>
-              <a:ext uri="{FF2B5EF4-FFF2-40B4-BE49-F238E27FC236}">
-                <a16:creationId xmlns:a16="http://schemas.microsoft.com/office/drawing/2014/main" id="{72A8741D-2431-40C1-BE02-101035BB7D44}"/>
-              </a:ext>
-            </a:extLst>
-          </p:cNvPr>
-          <p:cNvSpPr/>
-          <p:nvPr/>
-        </p:nvSpPr>
-        <p:spPr bwMode="auto">
-          <a:xfrm>
-            <a:off x="2046500" y="4040095"/>
-            <a:ext cx="1256592" cy="461434"/>
-          </a:xfrm>
-          <a:prstGeom prst="roundRect">
-            <a:avLst/>
-          </a:prstGeom>
-          <a:solidFill>
-            <a:schemeClr val="bg1"/>
-          </a:solidFill>
-          <a:ln>
-            <a:solidFill>
-              <a:schemeClr val="bg1"/>
-            </a:solidFill>
-            <a:headEnd type="none" w="sm" len="sm"/>
-            <a:tailEnd type="none" w="sm" len="sm"/>
-          </a:ln>
-        </p:spPr>
-        <p:style>
-          <a:lnRef idx="1">
-            <a:schemeClr val="dk1"/>
-          </a:lnRef>
-          <a:fillRef idx="2">
-            <a:schemeClr val="dk1"/>
-          </a:fillRef>
-          <a:effectRef idx="1">
-            <a:schemeClr val="dk1"/>
-          </a:effectRef>
-          <a:fontRef idx="minor">
-            <a:schemeClr val="dk1"/>
-          </a:fontRef>
-        </p:style>
-        <p:txBody>
-          <a:bodyPr vert="horz" wrap="square" lIns="91440" tIns="45720" rIns="91440" bIns="45720" numCol="1" rtlCol="0" anchor="ctr" anchorCtr="0" compatLnSpc="1">
-            <a:prstTxWarp prst="textNoShape">
-              <a:avLst/>
-            </a:prstTxWarp>
-          </a:bodyPr>
-          <a:lstStyle/>
-          <a:p>
-            <a:pPr marL="0" marR="0" indent="0" algn="ctr" defTabSz="914400" rtl="0" eaLnBrk="0" fontAlgn="base" latinLnBrk="0" hangingPunct="0">
-              <a:lnSpc>
-                <a:spcPct val="100000"/>
-              </a:lnSpc>
-              <a:spcBef>
-                <a:spcPct val="0"/>
-              </a:spcBef>
-              <a:spcAft>
-                <a:spcPct val="0"/>
-              </a:spcAft>
-              <a:buClrTx/>
-              <a:buSzTx/>
-              <a:buFontTx/>
-              <a:buNone/>
-              <a:tabLst/>
-            </a:pPr>
-            <a:r>
-              <a:rPr lang="en-US" sz="1400" dirty="0">
-                <a:solidFill>
-                  <a:schemeClr val="tx1"/>
-                </a:solidFill>
-                <a:latin typeface="Arial" charset="0"/>
-              </a:rPr>
-              <a:t>Maturity Level 1</a:t>
-            </a:r>
-            <a:endParaRPr kumimoji="0" lang="en-US" sz="1400" b="0" i="0" u="none" strike="noStrike" cap="none" normalizeH="0" baseline="0" dirty="0">
-              <a:ln>
-                <a:noFill/>
-              </a:ln>
-              <a:solidFill>
-                <a:schemeClr val="tx1"/>
-              </a:solidFill>
-              <a:effectLst/>
-              <a:latin typeface="Arial" charset="0"/>
-            </a:endParaRPr>
-          </a:p>
-        </p:txBody>
-      </p:sp>
-      <p:sp>
-        <p:nvSpPr>
-          <p:cNvPr id="35" name="Rectangle: Rounded Corners 34">
-            <a:extLst>
-              <a:ext uri="{FF2B5EF4-FFF2-40B4-BE49-F238E27FC236}">
-                <a16:creationId xmlns:a16="http://schemas.microsoft.com/office/drawing/2014/main" id="{1DA37281-6158-4C91-BDCC-C0878112DCAA}"/>
-              </a:ext>
-            </a:extLst>
-          </p:cNvPr>
-          <p:cNvSpPr/>
-          <p:nvPr/>
-        </p:nvSpPr>
-        <p:spPr bwMode="auto">
-          <a:xfrm>
-            <a:off x="3679238" y="4775363"/>
-            <a:ext cx="1256592" cy="461434"/>
-          </a:xfrm>
-          <a:prstGeom prst="roundRect">
-            <a:avLst/>
-          </a:prstGeom>
-          <a:solidFill>
-            <a:schemeClr val="bg1"/>
-          </a:solidFill>
-          <a:ln>
-            <a:solidFill>
-              <a:schemeClr val="bg1"/>
-            </a:solidFill>
-            <a:headEnd type="none" w="sm" len="sm"/>
-            <a:tailEnd type="none" w="sm" len="sm"/>
-          </a:ln>
-        </p:spPr>
-        <p:style>
-          <a:lnRef idx="1">
-            <a:schemeClr val="dk1"/>
-          </a:lnRef>
-          <a:fillRef idx="2">
-            <a:schemeClr val="dk1"/>
-          </a:fillRef>
-          <a:effectRef idx="1">
-            <a:schemeClr val="dk1"/>
-          </a:effectRef>
-          <a:fontRef idx="minor">
-            <a:schemeClr val="dk1"/>
-          </a:fontRef>
-        </p:style>
-        <p:txBody>
-          <a:bodyPr vert="horz" wrap="square" lIns="91440" tIns="45720" rIns="91440" bIns="45720" numCol="1" rtlCol="0" anchor="ctr" anchorCtr="0" compatLnSpc="1">
-            <a:prstTxWarp prst="textNoShape">
-              <a:avLst/>
-            </a:prstTxWarp>
-          </a:bodyPr>
-          <a:lstStyle/>
-          <a:p>
-            <a:pPr marL="0" marR="0" indent="0" algn="ctr" defTabSz="914400" rtl="0" eaLnBrk="0" fontAlgn="base" latinLnBrk="0" hangingPunct="0">
-              <a:lnSpc>
-                <a:spcPct val="100000"/>
-              </a:lnSpc>
-              <a:spcBef>
-                <a:spcPct val="0"/>
-              </a:spcBef>
-              <a:spcAft>
-                <a:spcPct val="0"/>
-              </a:spcAft>
-              <a:buClrTx/>
-              <a:buSzTx/>
-              <a:buFontTx/>
-              <a:buNone/>
-              <a:tabLst/>
-            </a:pPr>
-            <a:r>
-              <a:rPr lang="en-US" sz="1400" dirty="0">
-                <a:solidFill>
-                  <a:schemeClr val="tx1"/>
-                </a:solidFill>
-                <a:latin typeface="Arial" charset="0"/>
-              </a:rPr>
-              <a:t>Maturity Level 2</a:t>
-            </a:r>
-            <a:endParaRPr kumimoji="0" lang="en-US" sz="1400" b="0" i="0" u="none" strike="noStrike" cap="none" normalizeH="0" baseline="0" dirty="0">
-              <a:ln>
-                <a:noFill/>
-              </a:ln>
-              <a:solidFill>
-                <a:schemeClr val="tx1"/>
-              </a:solidFill>
-              <a:effectLst/>
-              <a:latin typeface="Arial" charset="0"/>
-            </a:endParaRPr>
-          </a:p>
-        </p:txBody>
-      </p:sp>
-      <p:sp>
-        <p:nvSpPr>
-          <p:cNvPr id="36" name="Rectangle: Rounded Corners 35">
-            <a:extLst>
-              <a:ext uri="{FF2B5EF4-FFF2-40B4-BE49-F238E27FC236}">
-                <a16:creationId xmlns:a16="http://schemas.microsoft.com/office/drawing/2014/main" id="{1295CE9D-CCF7-419E-99E5-44655995E087}"/>
-              </a:ext>
-            </a:extLst>
-          </p:cNvPr>
-          <p:cNvSpPr/>
-          <p:nvPr/>
-        </p:nvSpPr>
-        <p:spPr bwMode="auto">
-          <a:xfrm>
-            <a:off x="5367527" y="5511493"/>
-            <a:ext cx="1256592" cy="461434"/>
-          </a:xfrm>
-          <a:prstGeom prst="roundRect">
-            <a:avLst/>
-          </a:prstGeom>
-          <a:solidFill>
-            <a:schemeClr val="bg1"/>
-          </a:solidFill>
-          <a:ln>
-            <a:solidFill>
-              <a:schemeClr val="bg1"/>
-            </a:solidFill>
-            <a:headEnd type="none" w="sm" len="sm"/>
-            <a:tailEnd type="none" w="sm" len="sm"/>
-          </a:ln>
-        </p:spPr>
-        <p:style>
-          <a:lnRef idx="1">
-            <a:schemeClr val="dk1"/>
-          </a:lnRef>
-          <a:fillRef idx="2">
-            <a:schemeClr val="dk1"/>
-          </a:fillRef>
-          <a:effectRef idx="1">
-            <a:schemeClr val="dk1"/>
-          </a:effectRef>
-          <a:fontRef idx="minor">
-            <a:schemeClr val="dk1"/>
-          </a:fontRef>
-        </p:style>
-        <p:txBody>
-          <a:bodyPr vert="horz" wrap="square" lIns="91440" tIns="45720" rIns="91440" bIns="45720" numCol="1" rtlCol="0" anchor="ctr" anchorCtr="0" compatLnSpc="1">
-            <a:prstTxWarp prst="textNoShape">
-              <a:avLst/>
-            </a:prstTxWarp>
-          </a:bodyPr>
-          <a:lstStyle/>
-          <a:p>
-            <a:pPr marL="0" marR="0" indent="0" algn="ctr" defTabSz="914400" rtl="0" eaLnBrk="0" fontAlgn="base" latinLnBrk="0" hangingPunct="0">
-              <a:lnSpc>
-                <a:spcPct val="100000"/>
-              </a:lnSpc>
-              <a:spcBef>
-                <a:spcPct val="0"/>
-              </a:spcBef>
-              <a:spcAft>
-                <a:spcPct val="0"/>
-              </a:spcAft>
-              <a:buClrTx/>
-              <a:buSzTx/>
-              <a:buFontTx/>
-              <a:buNone/>
-              <a:tabLst/>
-            </a:pPr>
-            <a:r>
-              <a:rPr lang="en-US" sz="1400" dirty="0">
-                <a:solidFill>
-                  <a:schemeClr val="tx1"/>
-                </a:solidFill>
-                <a:latin typeface="Arial" charset="0"/>
-              </a:rPr>
-              <a:t>Maturity Level 3</a:t>
-            </a:r>
-            <a:endParaRPr kumimoji="0" lang="en-US" sz="1400" b="0" i="0" u="none" strike="noStrike" cap="none" normalizeH="0" baseline="0" dirty="0">
-              <a:ln>
-                <a:noFill/>
-              </a:ln>
-              <a:solidFill>
-                <a:schemeClr val="tx1"/>
-              </a:solidFill>
-              <a:effectLst/>
-              <a:latin typeface="Arial" charset="0"/>
-            </a:endParaRPr>
-          </a:p>
-        </p:txBody>
-      </p:sp>
-      <p:sp>
-        <p:nvSpPr>
-          <p:cNvPr id="37" name="Rectangle: Rounded Corners 36">
-            <a:extLst>
-              <a:ext uri="{FF2B5EF4-FFF2-40B4-BE49-F238E27FC236}">
-                <a16:creationId xmlns:a16="http://schemas.microsoft.com/office/drawing/2014/main" id="{116AF774-AC3D-4FFF-8DB0-B0A84D74C25A}"/>
-              </a:ext>
-            </a:extLst>
-          </p:cNvPr>
-          <p:cNvSpPr/>
-          <p:nvPr/>
-        </p:nvSpPr>
-        <p:spPr bwMode="auto">
-          <a:xfrm>
-            <a:off x="6955620" y="6213693"/>
-            <a:ext cx="1256592" cy="461434"/>
-          </a:xfrm>
-          <a:prstGeom prst="roundRect">
-            <a:avLst/>
-          </a:prstGeom>
-          <a:solidFill>
-            <a:schemeClr val="bg1"/>
-          </a:solidFill>
-          <a:ln>
-            <a:solidFill>
-              <a:schemeClr val="bg1"/>
-            </a:solidFill>
-            <a:headEnd type="none" w="sm" len="sm"/>
-            <a:tailEnd type="none" w="sm" len="sm"/>
-          </a:ln>
-        </p:spPr>
-        <p:style>
-          <a:lnRef idx="1">
-            <a:schemeClr val="dk1"/>
-          </a:lnRef>
-          <a:fillRef idx="2">
-            <a:schemeClr val="dk1"/>
-          </a:fillRef>
-          <a:effectRef idx="1">
-            <a:schemeClr val="dk1"/>
-          </a:effectRef>
-          <a:fontRef idx="minor">
-            <a:schemeClr val="dk1"/>
-          </a:fontRef>
-        </p:style>
-        <p:txBody>
-          <a:bodyPr vert="horz" wrap="square" lIns="91440" tIns="45720" rIns="91440" bIns="45720" numCol="1" rtlCol="0" anchor="ctr" anchorCtr="0" compatLnSpc="1">
-            <a:prstTxWarp prst="textNoShape">
-              <a:avLst/>
-            </a:prstTxWarp>
-          </a:bodyPr>
-          <a:lstStyle/>
-          <a:p>
-            <a:pPr marL="0" marR="0" indent="0" algn="ctr" defTabSz="914400" rtl="0" eaLnBrk="0" fontAlgn="base" latinLnBrk="0" hangingPunct="0">
-              <a:lnSpc>
-                <a:spcPct val="100000"/>
-              </a:lnSpc>
-              <a:spcBef>
-                <a:spcPct val="0"/>
-              </a:spcBef>
-              <a:spcAft>
-                <a:spcPct val="0"/>
-              </a:spcAft>
-              <a:buClrTx/>
-              <a:buSzTx/>
-              <a:buFontTx/>
-              <a:buNone/>
-              <a:tabLst/>
-            </a:pPr>
-            <a:r>
-              <a:rPr lang="en-US" sz="1400" dirty="0">
-                <a:solidFill>
-                  <a:schemeClr val="tx1"/>
-                </a:solidFill>
-                <a:latin typeface="Arial" charset="0"/>
-              </a:rPr>
-              <a:t>Maturity Level 4</a:t>
-            </a:r>
-            <a:endParaRPr kumimoji="0" lang="en-US" sz="1400" b="0" i="0" u="none" strike="noStrike" cap="none" normalizeH="0" baseline="0" dirty="0">
-              <a:ln>
-                <a:noFill/>
-              </a:ln>
-              <a:solidFill>
-                <a:schemeClr val="tx1"/>
-              </a:solidFill>
-              <a:effectLst/>
-              <a:latin typeface="Arial" charset="0"/>
-            </a:endParaRPr>
-          </a:p>
-        </p:txBody>
-      </p:sp>
-      <p:cxnSp>
-        <p:nvCxnSpPr>
-          <p:cNvPr id="80" name="Straight Arrow Connector 79">
-            <a:extLst>
-              <a:ext uri="{FF2B5EF4-FFF2-40B4-BE49-F238E27FC236}">
-                <a16:creationId xmlns:a16="http://schemas.microsoft.com/office/drawing/2014/main" id="{B60F2F8B-FC99-4D53-8AEA-E56DF19EC1F7}"/>
-              </a:ext>
-            </a:extLst>
-          </p:cNvPr>
-          <p:cNvCxnSpPr>
-            <a:cxnSpLocks/>
-            <a:stCxn id="13" idx="2"/>
-            <a:endCxn id="28" idx="0"/>
-          </p:cNvCxnSpPr>
-          <p:nvPr/>
-        </p:nvCxnSpPr>
-        <p:spPr bwMode="auto">
-          <a:xfrm>
-            <a:off x="1042708" y="2314121"/>
-            <a:ext cx="0" cy="302888"/>
-          </a:xfrm>
-          <a:prstGeom prst="straightConnector1">
-            <a:avLst/>
-          </a:prstGeom>
-          <a:ln>
-            <a:headEnd type="none" w="sm" len="sm"/>
-            <a:tailEnd type="triangle"/>
-          </a:ln>
-        </p:spPr>
-        <p:style>
-          <a:lnRef idx="2">
-            <a:schemeClr val="accent3"/>
-          </a:lnRef>
-          <a:fillRef idx="0">
-            <a:schemeClr val="accent3"/>
-          </a:fillRef>
-          <a:effectRef idx="1">
-            <a:schemeClr val="accent3"/>
-          </a:effectRef>
-          <a:fontRef idx="minor">
-            <a:schemeClr val="tx1"/>
-          </a:fontRef>
-        </p:style>
-      </p:cxnSp>
-      <p:cxnSp>
-        <p:nvCxnSpPr>
-          <p:cNvPr id="83" name="Straight Arrow Connector 82">
-            <a:extLst>
-              <a:ext uri="{FF2B5EF4-FFF2-40B4-BE49-F238E27FC236}">
-                <a16:creationId xmlns:a16="http://schemas.microsoft.com/office/drawing/2014/main" id="{759A7669-4798-44FB-95CB-E2C3D14966BE}"/>
-              </a:ext>
-            </a:extLst>
-          </p:cNvPr>
-          <p:cNvCxnSpPr>
-            <a:cxnSpLocks/>
-            <a:stCxn id="28" idx="2"/>
-            <a:endCxn id="33" idx="0"/>
-          </p:cNvCxnSpPr>
-          <p:nvPr/>
-        </p:nvCxnSpPr>
-        <p:spPr bwMode="auto">
-          <a:xfrm>
-            <a:off x="1042708" y="3054160"/>
-            <a:ext cx="0" cy="259652"/>
-          </a:xfrm>
-          <a:prstGeom prst="straightConnector1">
-            <a:avLst/>
-          </a:prstGeom>
-          <a:ln>
-            <a:headEnd type="none" w="sm" len="sm"/>
-            <a:tailEnd type="triangle"/>
-          </a:ln>
-        </p:spPr>
-        <p:style>
-          <a:lnRef idx="2">
-            <a:schemeClr val="accent3"/>
-          </a:lnRef>
-          <a:fillRef idx="0">
-            <a:schemeClr val="accent3"/>
-          </a:fillRef>
-          <a:effectRef idx="1">
-            <a:schemeClr val="accent3"/>
-          </a:effectRef>
-          <a:fontRef idx="minor">
-            <a:schemeClr val="tx1"/>
-          </a:fontRef>
-        </p:style>
-      </p:cxnSp>
-      <p:cxnSp>
-        <p:nvCxnSpPr>
-          <p:cNvPr id="86" name="Straight Arrow Connector 85">
-            <a:extLst>
-              <a:ext uri="{FF2B5EF4-FFF2-40B4-BE49-F238E27FC236}">
-                <a16:creationId xmlns:a16="http://schemas.microsoft.com/office/drawing/2014/main" id="{0F2E8AB8-8C25-4435-85E5-48A870D282A2}"/>
-              </a:ext>
-            </a:extLst>
-          </p:cNvPr>
-          <p:cNvCxnSpPr>
-            <a:cxnSpLocks/>
-            <a:stCxn id="32" idx="2"/>
-            <a:endCxn id="37" idx="0"/>
-          </p:cNvCxnSpPr>
-          <p:nvPr/>
-        </p:nvCxnSpPr>
-        <p:spPr bwMode="auto">
-          <a:xfrm>
-            <a:off x="7583916" y="5960786"/>
-            <a:ext cx="0" cy="252907"/>
-          </a:xfrm>
-          <a:prstGeom prst="straightConnector1">
-            <a:avLst/>
-          </a:prstGeom>
-          <a:ln>
-            <a:headEnd type="none" w="sm" len="sm"/>
-            <a:tailEnd type="triangle"/>
-          </a:ln>
-        </p:spPr>
-        <p:style>
-          <a:lnRef idx="2">
-            <a:schemeClr val="accent3"/>
-          </a:lnRef>
-          <a:fillRef idx="0">
-            <a:schemeClr val="accent3"/>
-          </a:fillRef>
-          <a:effectRef idx="1">
-            <a:schemeClr val="accent3"/>
-          </a:effectRef>
-          <a:fontRef idx="minor">
-            <a:schemeClr val="tx1"/>
-          </a:fontRef>
-        </p:style>
-      </p:cxnSp>
-      <p:cxnSp>
-        <p:nvCxnSpPr>
-          <p:cNvPr id="89" name="Straight Arrow Connector 88">
-            <a:extLst>
-              <a:ext uri="{FF2B5EF4-FFF2-40B4-BE49-F238E27FC236}">
-                <a16:creationId xmlns:a16="http://schemas.microsoft.com/office/drawing/2014/main" id="{B919AC31-3DCD-481A-A81A-63A72A5F168A}"/>
-              </a:ext>
-            </a:extLst>
-          </p:cNvPr>
-          <p:cNvCxnSpPr>
-            <a:cxnSpLocks/>
-            <a:stCxn id="27" idx="2"/>
-            <a:endCxn id="32" idx="0"/>
-          </p:cNvCxnSpPr>
-          <p:nvPr/>
-        </p:nvCxnSpPr>
-        <p:spPr bwMode="auto">
-          <a:xfrm>
-            <a:off x="7583916" y="5224656"/>
-            <a:ext cx="0" cy="298979"/>
-          </a:xfrm>
-          <a:prstGeom prst="straightConnector1">
-            <a:avLst/>
-          </a:prstGeom>
-          <a:ln>
-            <a:headEnd type="none" w="sm" len="sm"/>
-            <a:tailEnd type="triangle"/>
-          </a:ln>
-        </p:spPr>
-        <p:style>
-          <a:lnRef idx="2">
-            <a:schemeClr val="accent3"/>
-          </a:lnRef>
-          <a:fillRef idx="0">
-            <a:schemeClr val="accent3"/>
-          </a:fillRef>
-          <a:effectRef idx="1">
-            <a:schemeClr val="accent3"/>
-          </a:effectRef>
-          <a:fontRef idx="minor">
-            <a:schemeClr val="tx1"/>
-          </a:fontRef>
-        </p:style>
-      </p:cxnSp>
-      <p:cxnSp>
-        <p:nvCxnSpPr>
-          <p:cNvPr id="92" name="Straight Arrow Connector 91">
-            <a:extLst>
-              <a:ext uri="{FF2B5EF4-FFF2-40B4-BE49-F238E27FC236}">
-                <a16:creationId xmlns:a16="http://schemas.microsoft.com/office/drawing/2014/main" id="{20093DE1-369D-4570-B285-C22D957BD140}"/>
-              </a:ext>
-            </a:extLst>
-          </p:cNvPr>
-          <p:cNvCxnSpPr>
-            <a:cxnSpLocks/>
-            <a:stCxn id="26" idx="2"/>
-            <a:endCxn id="31" idx="0"/>
-          </p:cNvCxnSpPr>
-          <p:nvPr/>
-        </p:nvCxnSpPr>
-        <p:spPr bwMode="auto">
-          <a:xfrm>
-            <a:off x="5995823" y="4489388"/>
-            <a:ext cx="0" cy="298117"/>
-          </a:xfrm>
-          <a:prstGeom prst="straightConnector1">
-            <a:avLst/>
-          </a:prstGeom>
-          <a:ln>
-            <a:headEnd type="none" w="sm" len="sm"/>
-            <a:tailEnd type="triangle"/>
-          </a:ln>
-        </p:spPr>
-        <p:style>
-          <a:lnRef idx="2">
-            <a:schemeClr val="accent3"/>
-          </a:lnRef>
-          <a:fillRef idx="0">
-            <a:schemeClr val="accent3"/>
-          </a:fillRef>
-          <a:effectRef idx="1">
-            <a:schemeClr val="accent3"/>
-          </a:effectRef>
-          <a:fontRef idx="minor">
-            <a:schemeClr val="tx1"/>
-          </a:fontRef>
-        </p:style>
-      </p:cxnSp>
-      <p:cxnSp>
-        <p:nvCxnSpPr>
-          <p:cNvPr id="95" name="Straight Arrow Connector 94">
-            <a:extLst>
-              <a:ext uri="{FF2B5EF4-FFF2-40B4-BE49-F238E27FC236}">
-                <a16:creationId xmlns:a16="http://schemas.microsoft.com/office/drawing/2014/main" id="{36E34CE9-8146-4353-8719-2082E25045E4}"/>
-              </a:ext>
-            </a:extLst>
-          </p:cNvPr>
-          <p:cNvCxnSpPr>
-            <a:cxnSpLocks/>
-            <a:stCxn id="31" idx="2"/>
-            <a:endCxn id="36" idx="0"/>
-          </p:cNvCxnSpPr>
-          <p:nvPr/>
-        </p:nvCxnSpPr>
-        <p:spPr bwMode="auto">
-          <a:xfrm>
-            <a:off x="5995823" y="5224656"/>
-            <a:ext cx="0" cy="286837"/>
-          </a:xfrm>
-          <a:prstGeom prst="straightConnector1">
-            <a:avLst/>
-          </a:prstGeom>
-          <a:ln>
-            <a:headEnd type="none" w="sm" len="sm"/>
-            <a:tailEnd type="triangle"/>
-          </a:ln>
-        </p:spPr>
-        <p:style>
-          <a:lnRef idx="2">
-            <a:schemeClr val="accent3"/>
-          </a:lnRef>
-          <a:fillRef idx="0">
-            <a:schemeClr val="accent3"/>
-          </a:fillRef>
-          <a:effectRef idx="1">
-            <a:schemeClr val="accent3"/>
-          </a:effectRef>
-          <a:fontRef idx="minor">
-            <a:schemeClr val="tx1"/>
-          </a:fontRef>
-        </p:style>
-      </p:cxnSp>
-      <p:cxnSp>
-        <p:nvCxnSpPr>
-          <p:cNvPr id="99" name="Straight Arrow Connector 98">
-            <a:extLst>
-              <a:ext uri="{FF2B5EF4-FFF2-40B4-BE49-F238E27FC236}">
-                <a16:creationId xmlns:a16="http://schemas.microsoft.com/office/drawing/2014/main" id="{B1C0995A-43D5-40DA-91C1-636592D3426C}"/>
-              </a:ext>
-            </a:extLst>
-          </p:cNvPr>
-          <p:cNvCxnSpPr>
-            <a:cxnSpLocks/>
-            <a:stCxn id="25" idx="2"/>
-            <a:endCxn id="30" idx="0"/>
-          </p:cNvCxnSpPr>
-          <p:nvPr/>
-        </p:nvCxnSpPr>
-        <p:spPr bwMode="auto">
-          <a:xfrm>
-            <a:off x="4307534" y="3763105"/>
-            <a:ext cx="0" cy="289132"/>
-          </a:xfrm>
-          <a:prstGeom prst="straightConnector1">
-            <a:avLst/>
-          </a:prstGeom>
-          <a:ln>
-            <a:headEnd type="none" w="sm" len="sm"/>
-            <a:tailEnd type="triangle"/>
-          </a:ln>
-        </p:spPr>
-        <p:style>
-          <a:lnRef idx="2">
-            <a:schemeClr val="accent3"/>
-          </a:lnRef>
-          <a:fillRef idx="0">
-            <a:schemeClr val="accent3"/>
-          </a:fillRef>
-          <a:effectRef idx="1">
-            <a:schemeClr val="accent3"/>
-          </a:effectRef>
-          <a:fontRef idx="minor">
-            <a:schemeClr val="tx1"/>
-          </a:fontRef>
-        </p:style>
-      </p:cxnSp>
-      <p:cxnSp>
-        <p:nvCxnSpPr>
-          <p:cNvPr id="102" name="Straight Arrow Connector 101">
-            <a:extLst>
-              <a:ext uri="{FF2B5EF4-FFF2-40B4-BE49-F238E27FC236}">
-                <a16:creationId xmlns:a16="http://schemas.microsoft.com/office/drawing/2014/main" id="{F6197BBE-DF75-48CD-AB5E-B5A55FC00319}"/>
-              </a:ext>
-            </a:extLst>
-          </p:cNvPr>
-          <p:cNvCxnSpPr>
-            <a:cxnSpLocks/>
-            <a:stCxn id="30" idx="2"/>
-            <a:endCxn id="35" idx="0"/>
-          </p:cNvCxnSpPr>
-          <p:nvPr/>
-        </p:nvCxnSpPr>
-        <p:spPr bwMode="auto">
-          <a:xfrm>
-            <a:off x="4307534" y="4489388"/>
-            <a:ext cx="0" cy="285975"/>
-          </a:xfrm>
-          <a:prstGeom prst="straightConnector1">
-            <a:avLst/>
-          </a:prstGeom>
-          <a:ln>
-            <a:headEnd type="none" w="sm" len="sm"/>
-            <a:tailEnd type="triangle"/>
-          </a:ln>
-        </p:spPr>
-        <p:style>
-          <a:lnRef idx="2">
-            <a:schemeClr val="accent3"/>
-          </a:lnRef>
-          <a:fillRef idx="0">
-            <a:schemeClr val="accent3"/>
-          </a:fillRef>
-          <a:effectRef idx="1">
-            <a:schemeClr val="accent3"/>
-          </a:effectRef>
-          <a:fontRef idx="minor">
-            <a:schemeClr val="tx1"/>
-          </a:fontRef>
-        </p:style>
-      </p:cxnSp>
-      <p:cxnSp>
-        <p:nvCxnSpPr>
-          <p:cNvPr id="105" name="Straight Arrow Connector 104">
-            <a:extLst>
-              <a:ext uri="{FF2B5EF4-FFF2-40B4-BE49-F238E27FC236}">
-                <a16:creationId xmlns:a16="http://schemas.microsoft.com/office/drawing/2014/main" id="{E1889E20-453D-4670-A136-795C7232D8FB}"/>
-              </a:ext>
-            </a:extLst>
-          </p:cNvPr>
-          <p:cNvCxnSpPr>
-            <a:cxnSpLocks/>
-            <a:stCxn id="24" idx="2"/>
-            <a:endCxn id="29" idx="0"/>
-          </p:cNvCxnSpPr>
-          <p:nvPr/>
-        </p:nvCxnSpPr>
-        <p:spPr bwMode="auto">
-          <a:xfrm>
-            <a:off x="2674796" y="3054160"/>
-            <a:ext cx="0" cy="271794"/>
-          </a:xfrm>
-          <a:prstGeom prst="straightConnector1">
-            <a:avLst/>
-          </a:prstGeom>
-          <a:ln>
-            <a:headEnd type="none" w="sm" len="sm"/>
-            <a:tailEnd type="triangle"/>
-          </a:ln>
-        </p:spPr>
-        <p:style>
-          <a:lnRef idx="2">
-            <a:schemeClr val="accent3"/>
-          </a:lnRef>
-          <a:fillRef idx="0">
-            <a:schemeClr val="accent3"/>
-          </a:fillRef>
-          <a:effectRef idx="1">
-            <a:schemeClr val="accent3"/>
-          </a:effectRef>
-          <a:fontRef idx="minor">
-            <a:schemeClr val="tx1"/>
-          </a:fontRef>
-        </p:style>
-      </p:cxnSp>
-      <p:cxnSp>
-        <p:nvCxnSpPr>
-          <p:cNvPr id="108" name="Straight Arrow Connector 107">
-            <a:extLst>
-              <a:ext uri="{FF2B5EF4-FFF2-40B4-BE49-F238E27FC236}">
-                <a16:creationId xmlns:a16="http://schemas.microsoft.com/office/drawing/2014/main" id="{91DA2378-E390-4548-8581-24A6439B0033}"/>
-              </a:ext>
-            </a:extLst>
-          </p:cNvPr>
-          <p:cNvCxnSpPr>
-            <a:cxnSpLocks/>
-            <a:stCxn id="29" idx="2"/>
-            <a:endCxn id="34" idx="0"/>
-          </p:cNvCxnSpPr>
-          <p:nvPr/>
-        </p:nvCxnSpPr>
-        <p:spPr bwMode="auto">
-          <a:xfrm>
-            <a:off x="2674796" y="3763105"/>
-            <a:ext cx="0" cy="276990"/>
-          </a:xfrm>
-          <a:prstGeom prst="straightConnector1">
-            <a:avLst/>
-          </a:prstGeom>
-          <a:ln>
-            <a:headEnd type="none" w="sm" len="sm"/>
-            <a:tailEnd type="triangle"/>
-          </a:ln>
-        </p:spPr>
-        <p:style>
-          <a:lnRef idx="2">
-            <a:schemeClr val="accent3"/>
-          </a:lnRef>
-          <a:fillRef idx="0">
-            <a:schemeClr val="accent3"/>
-          </a:fillRef>
-          <a:effectRef idx="1">
-            <a:schemeClr val="accent3"/>
-          </a:effectRef>
-          <a:fontRef idx="minor">
-            <a:schemeClr val="tx1"/>
-          </a:fontRef>
-        </p:style>
-      </p:cxnSp>
-      <p:cxnSp>
-        <p:nvCxnSpPr>
-          <p:cNvPr id="111" name="Straight Arrow Connector 110">
-            <a:extLst>
-              <a:ext uri="{FF2B5EF4-FFF2-40B4-BE49-F238E27FC236}">
-                <a16:creationId xmlns:a16="http://schemas.microsoft.com/office/drawing/2014/main" id="{92579403-CEFD-48C4-A02B-0BEDD327CFA8}"/>
-              </a:ext>
-            </a:extLst>
-          </p:cNvPr>
-          <p:cNvCxnSpPr>
-            <a:cxnSpLocks/>
-            <a:stCxn id="28" idx="3"/>
-            <a:endCxn id="24" idx="1"/>
-          </p:cNvCxnSpPr>
-          <p:nvPr/>
-        </p:nvCxnSpPr>
-        <p:spPr bwMode="auto">
-          <a:xfrm>
-            <a:off x="1623822" y="2835585"/>
-            <a:ext cx="419889" cy="0"/>
-          </a:xfrm>
-          <a:prstGeom prst="straightConnector1">
-            <a:avLst/>
-          </a:prstGeom>
-          <a:ln>
-            <a:headEnd type="none" w="sm" len="sm"/>
-            <a:tailEnd type="triangle"/>
-          </a:ln>
-        </p:spPr>
-        <p:style>
-          <a:lnRef idx="2">
-            <a:schemeClr val="accent3"/>
-          </a:lnRef>
-          <a:fillRef idx="0">
-            <a:schemeClr val="accent3"/>
-          </a:fillRef>
-          <a:effectRef idx="1">
-            <a:schemeClr val="accent3"/>
-          </a:effectRef>
-          <a:fontRef idx="minor">
-            <a:schemeClr val="tx1"/>
-          </a:fontRef>
-        </p:style>
-      </p:cxnSp>
-      <p:cxnSp>
-        <p:nvCxnSpPr>
-          <p:cNvPr id="114" name="Straight Arrow Connector 113">
-            <a:extLst>
-              <a:ext uri="{FF2B5EF4-FFF2-40B4-BE49-F238E27FC236}">
-                <a16:creationId xmlns:a16="http://schemas.microsoft.com/office/drawing/2014/main" id="{1D38EDB9-902C-478A-82A3-69D163B4901C}"/>
-              </a:ext>
-            </a:extLst>
-          </p:cNvPr>
-          <p:cNvCxnSpPr>
-            <a:cxnSpLocks/>
-            <a:stCxn id="29" idx="3"/>
-            <a:endCxn id="25" idx="1"/>
-          </p:cNvCxnSpPr>
-          <p:nvPr/>
-        </p:nvCxnSpPr>
-        <p:spPr bwMode="auto">
-          <a:xfrm>
-            <a:off x="3255910" y="3544530"/>
-            <a:ext cx="420539" cy="0"/>
-          </a:xfrm>
-          <a:prstGeom prst="straightConnector1">
-            <a:avLst/>
-          </a:prstGeom>
-          <a:ln>
-            <a:headEnd type="none" w="sm" len="sm"/>
-            <a:tailEnd type="triangle"/>
-          </a:ln>
-        </p:spPr>
-        <p:style>
-          <a:lnRef idx="2">
-            <a:schemeClr val="accent3"/>
-          </a:lnRef>
-          <a:fillRef idx="0">
-            <a:schemeClr val="accent3"/>
-          </a:fillRef>
-          <a:effectRef idx="1">
-            <a:schemeClr val="accent3"/>
-          </a:effectRef>
-          <a:fontRef idx="minor">
-            <a:schemeClr val="tx1"/>
-          </a:fontRef>
-        </p:style>
-      </p:cxnSp>
-      <p:cxnSp>
-        <p:nvCxnSpPr>
-          <p:cNvPr id="117" name="Straight Arrow Connector 116">
-            <a:extLst>
-              <a:ext uri="{FF2B5EF4-FFF2-40B4-BE49-F238E27FC236}">
-                <a16:creationId xmlns:a16="http://schemas.microsoft.com/office/drawing/2014/main" id="{14515E34-0AFF-4948-951F-E5EE57B937B3}"/>
-              </a:ext>
-            </a:extLst>
-          </p:cNvPr>
-          <p:cNvCxnSpPr>
-            <a:cxnSpLocks/>
-            <a:stCxn id="30" idx="3"/>
-            <a:endCxn id="26" idx="1"/>
-          </p:cNvCxnSpPr>
-          <p:nvPr/>
-        </p:nvCxnSpPr>
-        <p:spPr bwMode="auto">
-          <a:xfrm>
-            <a:off x="4888648" y="4270813"/>
-            <a:ext cx="476090" cy="0"/>
-          </a:xfrm>
-          <a:prstGeom prst="straightConnector1">
-            <a:avLst/>
-          </a:prstGeom>
-          <a:ln>
-            <a:headEnd type="none" w="sm" len="sm"/>
-            <a:tailEnd type="triangle"/>
-          </a:ln>
-        </p:spPr>
-        <p:style>
-          <a:lnRef idx="2">
-            <a:schemeClr val="accent3"/>
-          </a:lnRef>
-          <a:fillRef idx="0">
-            <a:schemeClr val="accent3"/>
-          </a:fillRef>
-          <a:effectRef idx="1">
-            <a:schemeClr val="accent3"/>
-          </a:effectRef>
-          <a:fontRef idx="minor">
-            <a:schemeClr val="tx1"/>
-          </a:fontRef>
-        </p:style>
-      </p:cxnSp>
-      <p:cxnSp>
-        <p:nvCxnSpPr>
-          <p:cNvPr id="120" name="Straight Arrow Connector 119">
-            <a:extLst>
-              <a:ext uri="{FF2B5EF4-FFF2-40B4-BE49-F238E27FC236}">
-                <a16:creationId xmlns:a16="http://schemas.microsoft.com/office/drawing/2014/main" id="{4EA5AD7A-D247-45E3-A357-E8A32F6A686D}"/>
-              </a:ext>
-            </a:extLst>
-          </p:cNvPr>
-          <p:cNvCxnSpPr>
-            <a:cxnSpLocks/>
-            <a:stCxn id="31" idx="3"/>
-            <a:endCxn id="27" idx="1"/>
-          </p:cNvCxnSpPr>
-          <p:nvPr/>
-        </p:nvCxnSpPr>
-        <p:spPr bwMode="auto">
-          <a:xfrm>
-            <a:off x="6576937" y="5006081"/>
-            <a:ext cx="375894" cy="0"/>
-          </a:xfrm>
-          <a:prstGeom prst="straightConnector1">
-            <a:avLst/>
-          </a:prstGeom>
-          <a:ln>
-            <a:headEnd type="none" w="sm" len="sm"/>
-            <a:tailEnd type="triangle"/>
-          </a:ln>
-        </p:spPr>
-        <p:style>
-          <a:lnRef idx="2">
-            <a:schemeClr val="accent3"/>
-          </a:lnRef>
-          <a:fillRef idx="0">
-            <a:schemeClr val="accent3"/>
-          </a:fillRef>
-          <a:effectRef idx="1">
-            <a:schemeClr val="accent3"/>
-          </a:effectRef>
-          <a:fontRef idx="minor">
-            <a:schemeClr val="tx1"/>
-          </a:fontRef>
-        </p:style>
-      </p:cxnSp>
-      <p:sp>
-        <p:nvSpPr>
-          <p:cNvPr id="123" name="Rectangle: Rounded Corners 122">
-            <a:extLst>
-              <a:ext uri="{FF2B5EF4-FFF2-40B4-BE49-F238E27FC236}">
-                <a16:creationId xmlns:a16="http://schemas.microsoft.com/office/drawing/2014/main" id="{B46AA925-88BD-42DC-A6C5-C271043C951F}"/>
-              </a:ext>
-            </a:extLst>
-          </p:cNvPr>
-          <p:cNvSpPr/>
-          <p:nvPr/>
-        </p:nvSpPr>
-        <p:spPr bwMode="auto">
-          <a:xfrm>
-            <a:off x="8496530" y="5511493"/>
-            <a:ext cx="1256592" cy="461434"/>
-          </a:xfrm>
-          <a:prstGeom prst="roundRect">
-            <a:avLst/>
-          </a:prstGeom>
-          <a:solidFill>
-            <a:schemeClr val="bg1"/>
-          </a:solidFill>
-          <a:ln>
-            <a:solidFill>
-              <a:schemeClr val="bg1"/>
-            </a:solidFill>
-            <a:headEnd type="none" w="sm" len="sm"/>
-            <a:tailEnd type="none" w="sm" len="sm"/>
-          </a:ln>
-        </p:spPr>
-        <p:style>
-          <a:lnRef idx="1">
-            <a:schemeClr val="dk1"/>
-          </a:lnRef>
-          <a:fillRef idx="2">
-            <a:schemeClr val="dk1"/>
-          </a:fillRef>
-          <a:effectRef idx="1">
-            <a:schemeClr val="dk1"/>
-          </a:effectRef>
-          <a:fontRef idx="minor">
-            <a:schemeClr val="dk1"/>
-          </a:fontRef>
-        </p:style>
-        <p:txBody>
-          <a:bodyPr vert="horz" wrap="square" lIns="91440" tIns="45720" rIns="91440" bIns="45720" numCol="1" rtlCol="0" anchor="ctr" anchorCtr="0" compatLnSpc="1">
-            <a:prstTxWarp prst="textNoShape">
-              <a:avLst/>
-            </a:prstTxWarp>
-          </a:bodyPr>
-          <a:lstStyle/>
-          <a:p>
-            <a:pPr marL="0" marR="0" indent="0" algn="ctr" defTabSz="914400" rtl="0" eaLnBrk="0" fontAlgn="base" latinLnBrk="0" hangingPunct="0">
-              <a:lnSpc>
-                <a:spcPct val="100000"/>
-              </a:lnSpc>
-              <a:spcBef>
-                <a:spcPct val="0"/>
-              </a:spcBef>
-              <a:spcAft>
-                <a:spcPct val="0"/>
-              </a:spcAft>
-              <a:buClrTx/>
-              <a:buSzTx/>
-              <a:buFontTx/>
-              <a:buNone/>
-              <a:tabLst/>
-            </a:pPr>
-            <a:r>
-              <a:rPr lang="en-US" sz="1400" dirty="0">
-                <a:solidFill>
-                  <a:schemeClr val="tx1"/>
-                </a:solidFill>
-                <a:latin typeface="Arial" charset="0"/>
-              </a:rPr>
-              <a:t>Maturity Level 4</a:t>
-            </a:r>
-            <a:endParaRPr kumimoji="0" lang="en-US" sz="1400" b="0" i="0" u="none" strike="noStrike" cap="none" normalizeH="0" baseline="0" dirty="0">
-              <a:ln>
-                <a:noFill/>
-              </a:ln>
-              <a:solidFill>
-                <a:schemeClr val="tx1"/>
-              </a:solidFill>
-              <a:effectLst/>
-              <a:latin typeface="Arial" charset="0"/>
-            </a:endParaRPr>
-          </a:p>
-        </p:txBody>
-      </p:sp>
-      <p:cxnSp>
-        <p:nvCxnSpPr>
-          <p:cNvPr id="124" name="Straight Arrow Connector 123">
-            <a:extLst>
-              <a:ext uri="{FF2B5EF4-FFF2-40B4-BE49-F238E27FC236}">
-                <a16:creationId xmlns:a16="http://schemas.microsoft.com/office/drawing/2014/main" id="{A91CCC50-16BB-4921-B700-EF6811384AF5}"/>
-              </a:ext>
-            </a:extLst>
-          </p:cNvPr>
-          <p:cNvCxnSpPr>
-            <a:cxnSpLocks/>
-            <a:stCxn id="32" idx="3"/>
-            <a:endCxn id="123" idx="1"/>
-          </p:cNvCxnSpPr>
-          <p:nvPr/>
-        </p:nvCxnSpPr>
-        <p:spPr bwMode="auto">
-          <a:xfrm flipV="1">
-            <a:off x="8165030" y="5742210"/>
-            <a:ext cx="331500" cy="1"/>
-          </a:xfrm>
-          <a:prstGeom prst="straightConnector1">
-            <a:avLst/>
-          </a:prstGeom>
-          <a:ln>
-            <a:headEnd type="none" w="sm" len="sm"/>
-            <a:tailEnd type="triangle"/>
-          </a:ln>
-        </p:spPr>
-        <p:style>
-          <a:lnRef idx="2">
-            <a:schemeClr val="accent3"/>
-          </a:lnRef>
-          <a:fillRef idx="0">
-            <a:schemeClr val="accent3"/>
-          </a:fillRef>
-          <a:effectRef idx="1">
-            <a:schemeClr val="accent3"/>
-          </a:effectRef>
-          <a:fontRef idx="minor">
-            <a:schemeClr val="tx1"/>
-          </a:fontRef>
-        </p:style>
-      </p:cxnSp>
-      <p:graphicFrame>
-        <p:nvGraphicFramePr>
-          <p:cNvPr id="129" name="Table 129">
-            <a:extLst>
-              <a:ext uri="{FF2B5EF4-FFF2-40B4-BE49-F238E27FC236}">
-                <a16:creationId xmlns:a16="http://schemas.microsoft.com/office/drawing/2014/main" id="{599C1500-77C7-454C-8CB6-1AF8B45EFBCE}"/>
-              </a:ext>
-            </a:extLst>
-          </p:cNvPr>
-          <p:cNvGraphicFramePr>
-            <a:graphicFrameLocks noGrp="1"/>
-          </p:cNvGraphicFramePr>
-          <p:nvPr>
-            <p:extLst>
-              <p:ext uri="{D42A27DB-BD31-4B8C-83A1-F6EECF244321}">
-                <p14:modId xmlns:p14="http://schemas.microsoft.com/office/powerpoint/2010/main" val="2969580687"/>
-              </p:ext>
-            </p:extLst>
-          </p:nvPr>
-        </p:nvGraphicFramePr>
-        <p:xfrm>
-          <a:off x="5626311" y="1160474"/>
-          <a:ext cx="6173469" cy="2225040"/>
-        </p:xfrm>
-        <a:graphic>
-          <a:graphicData uri="http://schemas.openxmlformats.org/drawingml/2006/table">
-            <a:tbl>
-              <a:tblPr firstRow="1" bandRow="1">
-                <a:tableStyleId>{F2DE63D5-997A-4646-A377-4702673A728D}</a:tableStyleId>
-              </a:tblPr>
-              <a:tblGrid>
-                <a:gridCol w="1353580">
-                  <a:extLst>
-                    <a:ext uri="{9D8B030D-6E8A-4147-A177-3AD203B41FA5}">
-                      <a16:colId xmlns:a16="http://schemas.microsoft.com/office/drawing/2014/main" val="1269394511"/>
-                    </a:ext>
-                  </a:extLst>
-                </a:gridCol>
-                <a:gridCol w="2595965">
-                  <a:extLst>
-                    <a:ext uri="{9D8B030D-6E8A-4147-A177-3AD203B41FA5}">
-                      <a16:colId xmlns:a16="http://schemas.microsoft.com/office/drawing/2014/main" val="3817600966"/>
-                    </a:ext>
-                  </a:extLst>
-                </a:gridCol>
-                <a:gridCol w="2223924">
-                  <a:extLst>
-                    <a:ext uri="{9D8B030D-6E8A-4147-A177-3AD203B41FA5}">
-                      <a16:colId xmlns:a16="http://schemas.microsoft.com/office/drawing/2014/main" val="3875499888"/>
-                    </a:ext>
-                  </a:extLst>
-                </a:gridCol>
-              </a:tblGrid>
-              <a:tr h="370840">
-                <a:tc>
-                  <a:txBody>
-                    <a:bodyPr/>
-                    <a:lstStyle/>
-                    <a:p>
-                      <a:r>
-                        <a:rPr lang="en-US" sz="1400" dirty="0">
-                          <a:solidFill>
-                            <a:schemeClr val="tx1"/>
-                          </a:solidFill>
-                        </a:rPr>
-                        <a:t>Activity</a:t>
-                      </a:r>
-                    </a:p>
-                  </a:txBody>
-                  <a:tcPr/>
-                </a:tc>
-                <a:tc>
-                  <a:txBody>
-                    <a:bodyPr/>
-                    <a:lstStyle/>
-                    <a:p>
-                      <a:r>
-                        <a:rPr lang="en-US" sz="1400" dirty="0">
-                          <a:solidFill>
-                            <a:schemeClr val="tx1"/>
-                          </a:solidFill>
-                        </a:rPr>
-                        <a:t>Question</a:t>
-                      </a:r>
-                    </a:p>
-                  </a:txBody>
-                  <a:tcPr/>
-                </a:tc>
-                <a:tc>
-                  <a:txBody>
-                    <a:bodyPr/>
-                    <a:lstStyle/>
-                    <a:p>
-                      <a:r>
-                        <a:rPr lang="en-US" sz="1400" dirty="0">
-                          <a:solidFill>
-                            <a:schemeClr val="tx1"/>
-                          </a:solidFill>
-                        </a:rPr>
-                        <a:t>Maturity Level Indicator</a:t>
-                      </a:r>
-                    </a:p>
-                  </a:txBody>
-                  <a:tcPr/>
-                </a:tc>
-                <a:extLst>
-                  <a:ext uri="{0D108BD9-81ED-4DB2-BD59-A6C34878D82A}">
-                    <a16:rowId xmlns:a16="http://schemas.microsoft.com/office/drawing/2014/main" val="1624020223"/>
-                  </a:ext>
-                </a:extLst>
-              </a:tr>
-              <a:tr h="370840">
-                <a:tc rowSpan="5">
-                  <a:txBody>
-                    <a:bodyPr/>
-                    <a:lstStyle/>
-                    <a:p>
-                      <a:r>
-                        <a:rPr lang="en-US" sz="1400" dirty="0">
-                          <a:solidFill>
-                            <a:schemeClr val="bg1"/>
-                          </a:solidFill>
-                        </a:rPr>
-                        <a:t>Activity Name</a:t>
-                      </a:r>
-                    </a:p>
-                  </a:txBody>
-                  <a:tcPr/>
-                </a:tc>
-                <a:tc>
-                  <a:txBody>
-                    <a:bodyPr/>
-                    <a:lstStyle/>
-                    <a:p>
-                      <a:r>
-                        <a:rPr lang="en-US" sz="1400" dirty="0">
-                          <a:solidFill>
-                            <a:schemeClr val="bg1"/>
-                          </a:solidFill>
-                        </a:rPr>
-                        <a:t>Questions for maturity level 1</a:t>
-                      </a:r>
-                    </a:p>
-                  </a:txBody>
-                  <a:tcPr/>
-                </a:tc>
-                <a:tc>
-                  <a:txBody>
-                    <a:bodyPr/>
-                    <a:lstStyle/>
-                    <a:p>
-                      <a:r>
-                        <a:rPr lang="en-US" sz="1400" dirty="0">
-                          <a:solidFill>
-                            <a:schemeClr val="bg1"/>
-                          </a:solidFill>
-                        </a:rPr>
-                        <a:t>1</a:t>
-                      </a:r>
-                    </a:p>
-                  </a:txBody>
-                  <a:tcPr/>
-                </a:tc>
-                <a:extLst>
-                  <a:ext uri="{0D108BD9-81ED-4DB2-BD59-A6C34878D82A}">
-                    <a16:rowId xmlns:a16="http://schemas.microsoft.com/office/drawing/2014/main" val="3168831764"/>
-                  </a:ext>
-                </a:extLst>
-              </a:tr>
-              <a:tr h="370840">
-                <a:tc vMerge="1">
-                  <a:txBody>
-                    <a:bodyPr/>
-                    <a:lstStyle/>
-                    <a:p>
-                      <a:endParaRPr lang="en-US" dirty="0"/>
-                    </a:p>
-                  </a:txBody>
-                  <a:tcPr/>
-                </a:tc>
-                <a:tc>
-                  <a:txBody>
-                    <a:bodyPr/>
-                    <a:lstStyle/>
-                    <a:p>
-                      <a:pPr marL="0" marR="0" lvl="0" indent="0" algn="l" defTabSz="914400" rtl="0" eaLnBrk="1" fontAlgn="auto" latinLnBrk="0" hangingPunct="1">
-                        <a:lnSpc>
-                          <a:spcPct val="100000"/>
-                        </a:lnSpc>
-                        <a:spcBef>
-                          <a:spcPts val="0"/>
-                        </a:spcBef>
-                        <a:spcAft>
-                          <a:spcPts val="0"/>
-                        </a:spcAft>
-                        <a:buClrTx/>
-                        <a:buSzTx/>
-                        <a:buFontTx/>
-                        <a:buNone/>
-                        <a:tabLst/>
-                        <a:defRPr/>
-                      </a:pPr>
-                      <a:r>
-                        <a:rPr lang="en-US" sz="1400" dirty="0">
-                          <a:solidFill>
-                            <a:schemeClr val="bg1"/>
-                          </a:solidFill>
-                        </a:rPr>
-                        <a:t>Questions for maturity level 2</a:t>
-                      </a:r>
-                    </a:p>
-                  </a:txBody>
-                  <a:tcPr/>
-                </a:tc>
-                <a:tc>
-                  <a:txBody>
-                    <a:bodyPr/>
-                    <a:lstStyle/>
-                    <a:p>
-                      <a:r>
-                        <a:rPr lang="en-US" sz="1400" dirty="0">
-                          <a:solidFill>
-                            <a:schemeClr val="bg1"/>
-                          </a:solidFill>
-                        </a:rPr>
-                        <a:t>2</a:t>
-                      </a:r>
-                    </a:p>
-                  </a:txBody>
-                  <a:tcPr/>
-                </a:tc>
-                <a:extLst>
-                  <a:ext uri="{0D108BD9-81ED-4DB2-BD59-A6C34878D82A}">
-                    <a16:rowId xmlns:a16="http://schemas.microsoft.com/office/drawing/2014/main" val="871813651"/>
-                  </a:ext>
-                </a:extLst>
-              </a:tr>
-              <a:tr h="370840">
-                <a:tc vMerge="1">
-                  <a:txBody>
-                    <a:bodyPr/>
-                    <a:lstStyle/>
-                    <a:p>
-                      <a:endParaRPr lang="en-US" dirty="0"/>
-                    </a:p>
-                  </a:txBody>
-                  <a:tcPr/>
-                </a:tc>
-                <a:tc>
-                  <a:txBody>
-                    <a:bodyPr/>
-                    <a:lstStyle/>
-                    <a:p>
-                      <a:pPr marL="0" marR="0" lvl="0" indent="0" algn="l" defTabSz="914400" rtl="0" eaLnBrk="1" fontAlgn="auto" latinLnBrk="0" hangingPunct="1">
-                        <a:lnSpc>
-                          <a:spcPct val="100000"/>
-                        </a:lnSpc>
-                        <a:spcBef>
-                          <a:spcPts val="0"/>
-                        </a:spcBef>
-                        <a:spcAft>
-                          <a:spcPts val="0"/>
-                        </a:spcAft>
-                        <a:buClrTx/>
-                        <a:buSzTx/>
-                        <a:buFontTx/>
-                        <a:buNone/>
-                        <a:tabLst/>
-                        <a:defRPr/>
-                      </a:pPr>
-                      <a:r>
-                        <a:rPr lang="en-US" sz="1400" dirty="0">
-                          <a:solidFill>
-                            <a:schemeClr val="bg1"/>
-                          </a:solidFill>
-                        </a:rPr>
-                        <a:t>Questions for maturity level 3</a:t>
-                      </a:r>
-                    </a:p>
-                  </a:txBody>
-                  <a:tcPr/>
-                </a:tc>
-                <a:tc>
-                  <a:txBody>
-                    <a:bodyPr/>
-                    <a:lstStyle/>
-                    <a:p>
-                      <a:r>
-                        <a:rPr lang="en-US" sz="1400" dirty="0">
-                          <a:solidFill>
-                            <a:schemeClr val="bg1"/>
-                          </a:solidFill>
-                        </a:rPr>
-                        <a:t>3</a:t>
-                      </a:r>
-                    </a:p>
-                  </a:txBody>
-                  <a:tcPr/>
-                </a:tc>
-                <a:extLst>
-                  <a:ext uri="{0D108BD9-81ED-4DB2-BD59-A6C34878D82A}">
-                    <a16:rowId xmlns:a16="http://schemas.microsoft.com/office/drawing/2014/main" val="3401549911"/>
-                  </a:ext>
-                </a:extLst>
-              </a:tr>
-              <a:tr h="370840">
-                <a:tc vMerge="1">
-                  <a:txBody>
-                    <a:bodyPr/>
-                    <a:lstStyle/>
-                    <a:p>
-                      <a:endParaRPr lang="en-US" dirty="0"/>
-                    </a:p>
-                  </a:txBody>
-                  <a:tcPr/>
-                </a:tc>
-                <a:tc>
-                  <a:txBody>
-                    <a:bodyPr/>
-                    <a:lstStyle/>
-                    <a:p>
-                      <a:pPr marL="0" marR="0" lvl="0" indent="0" algn="l" defTabSz="914400" rtl="0" eaLnBrk="1" fontAlgn="auto" latinLnBrk="0" hangingPunct="1">
-                        <a:lnSpc>
-                          <a:spcPct val="100000"/>
-                        </a:lnSpc>
-                        <a:spcBef>
-                          <a:spcPts val="0"/>
-                        </a:spcBef>
-                        <a:spcAft>
-                          <a:spcPts val="0"/>
-                        </a:spcAft>
-                        <a:buClrTx/>
-                        <a:buSzTx/>
-                        <a:buFontTx/>
-                        <a:buNone/>
-                        <a:tabLst/>
-                        <a:defRPr/>
-                      </a:pPr>
-                      <a:r>
-                        <a:rPr lang="en-US" sz="1400" dirty="0">
-                          <a:solidFill>
-                            <a:schemeClr val="bg1"/>
-                          </a:solidFill>
-                        </a:rPr>
-                        <a:t>Questions for maturity level 4</a:t>
-                      </a:r>
-                    </a:p>
-                  </a:txBody>
-                  <a:tcPr/>
-                </a:tc>
-                <a:tc>
-                  <a:txBody>
-                    <a:bodyPr/>
-                    <a:lstStyle/>
-                    <a:p>
-                      <a:r>
-                        <a:rPr lang="en-US" sz="1400" dirty="0">
-                          <a:solidFill>
-                            <a:schemeClr val="bg1"/>
-                          </a:solidFill>
-                        </a:rPr>
-                        <a:t>4</a:t>
-                      </a:r>
-                    </a:p>
-                  </a:txBody>
-                  <a:tcPr/>
-                </a:tc>
-                <a:extLst>
-                  <a:ext uri="{0D108BD9-81ED-4DB2-BD59-A6C34878D82A}">
-                    <a16:rowId xmlns:a16="http://schemas.microsoft.com/office/drawing/2014/main" val="241241556"/>
-                  </a:ext>
-                </a:extLst>
-              </a:tr>
-              <a:tr h="370840">
-                <a:tc vMerge="1">
-                  <a:txBody>
-                    <a:bodyPr/>
-                    <a:lstStyle/>
-                    <a:p>
-                      <a:endParaRPr lang="en-US" dirty="0"/>
-                    </a:p>
-                  </a:txBody>
-                  <a:tcPr/>
-                </a:tc>
-                <a:tc>
-                  <a:txBody>
-                    <a:bodyPr/>
-                    <a:lstStyle/>
-                    <a:p>
-                      <a:pPr marL="0" marR="0" lvl="0" indent="0" algn="l" defTabSz="914400" rtl="0" eaLnBrk="1" fontAlgn="auto" latinLnBrk="0" hangingPunct="1">
-                        <a:lnSpc>
-                          <a:spcPct val="100000"/>
-                        </a:lnSpc>
-                        <a:spcBef>
-                          <a:spcPts val="0"/>
-                        </a:spcBef>
-                        <a:spcAft>
-                          <a:spcPts val="0"/>
-                        </a:spcAft>
-                        <a:buClrTx/>
-                        <a:buSzTx/>
-                        <a:buFontTx/>
-                        <a:buNone/>
-                        <a:tabLst/>
-                        <a:defRPr/>
-                      </a:pPr>
-                      <a:r>
-                        <a:rPr lang="en-US" sz="1400" dirty="0">
-                          <a:solidFill>
-                            <a:schemeClr val="bg1"/>
-                          </a:solidFill>
-                        </a:rPr>
-                        <a:t>Questions for maturity level 5</a:t>
-                      </a:r>
-                    </a:p>
-                  </a:txBody>
-                  <a:tcPr/>
-                </a:tc>
-                <a:tc>
-                  <a:txBody>
-                    <a:bodyPr/>
-                    <a:lstStyle/>
-                    <a:p>
-                      <a:r>
-                        <a:rPr lang="en-US" sz="1400" dirty="0">
-                          <a:solidFill>
-                            <a:schemeClr val="bg1"/>
-                          </a:solidFill>
-                        </a:rPr>
-                        <a:t>5</a:t>
-                      </a:r>
-                    </a:p>
-                  </a:txBody>
-                  <a:tcPr/>
-                </a:tc>
-                <a:extLst>
-                  <a:ext uri="{0D108BD9-81ED-4DB2-BD59-A6C34878D82A}">
-                    <a16:rowId xmlns:a16="http://schemas.microsoft.com/office/drawing/2014/main" val="2940673250"/>
-                  </a:ext>
-                </a:extLst>
-              </a:tr>
-            </a:tbl>
-          </a:graphicData>
-        </a:graphic>
-      </p:graphicFrame>
-    </p:spTree>
-    <p:extLst>
-      <p:ext uri="{BB962C8B-B14F-4D97-AF65-F5344CB8AC3E}">
-        <p14:creationId xmlns:p14="http://schemas.microsoft.com/office/powerpoint/2010/main" val="2577340897"/>
       </p:ext>
     </p:extLst>
   </p:cSld>
@@ -17065,12 +20478,21 @@
 </file>
 
 <file path=customXml/item1.xml><?xml version="1.0" encoding="utf-8"?>
+<?mso-contentType ?>
+<FormTemplates xmlns="http://schemas.microsoft.com/sharepoint/v3/contenttype/forms">
+  <Display>DocumentLibraryForm</Display>
+  <Edit>DocumentLibraryForm</Edit>
+  <New>DocumentLibraryForm</New>
+</FormTemplates>
+</file>
+
+<file path=customXml/item2.xml><?xml version="1.0" encoding="utf-8"?>
 <p:properties xmlns:p="http://schemas.microsoft.com/office/2006/metadata/properties" xmlns:xsi="http://www.w3.org/2001/XMLSchema-instance" xmlns:pc="http://schemas.microsoft.com/office/infopath/2007/PartnerControls">
   <documentManagement/>
 </p:properties>
 </file>
 
-<file path=customXml/item2.xml><?xml version="1.0" encoding="utf-8"?>
+<file path=customXml/item3.xml><?xml version="1.0" encoding="utf-8"?>
 <ct:contentTypeSchema xmlns:ct="http://schemas.microsoft.com/office/2006/metadata/contentType" xmlns:ma="http://schemas.microsoft.com/office/2006/metadata/properties/metaAttributes" ct:_="" ma:_="" ma:contentTypeName="Document" ma:contentTypeID="0x0101001F3FAACB45D5BC439EC1DFC57ECB12B0" ma:contentTypeVersion="0" ma:contentTypeDescription="Create a new document." ma:contentTypeScope="" ma:versionID="5c13edb67fa247ac7baf6d1e78167169">
   <xsd:schema xmlns:xsd="http://www.w3.org/2001/XMLSchema" xmlns:xs="http://www.w3.org/2001/XMLSchema" xmlns:p="http://schemas.microsoft.com/office/2006/metadata/properties" targetNamespace="http://schemas.microsoft.com/office/2006/metadata/properties" ma:root="true" ma:fieldsID="c64490b4aec6201516c3a874156f37b2">
     <xsd:element name="properties">
@@ -17184,16 +20606,15 @@
 </ct:contentTypeSchema>
 </file>
 
-<file path=customXml/item3.xml><?xml version="1.0" encoding="utf-8"?>
-<?mso-contentType ?>
-<FormTemplates xmlns="http://schemas.microsoft.com/sharepoint/v3/contenttype/forms">
-  <Display>DocumentLibraryForm</Display>
-  <Edit>DocumentLibraryForm</Edit>
-  <New>DocumentLibraryForm</New>
-</FormTemplates>
+<file path=customXml/itemProps1.xml><?xml version="1.0" encoding="utf-8"?>
+<ds:datastoreItem xmlns:ds="http://schemas.openxmlformats.org/officeDocument/2006/customXml" ds:itemID="{1B8C7F6B-4992-4AAE-AD38-5D4F5B814904}">
+  <ds:schemaRefs>
+    <ds:schemaRef ds:uri="http://schemas.microsoft.com/sharepoint/v3/contenttype/forms"/>
+  </ds:schemaRefs>
+</ds:datastoreItem>
 </file>
 
-<file path=customXml/itemProps1.xml><?xml version="1.0" encoding="utf-8"?>
+<file path=customXml/itemProps2.xml><?xml version="1.0" encoding="utf-8"?>
 <ds:datastoreItem xmlns:ds="http://schemas.openxmlformats.org/officeDocument/2006/customXml" ds:itemID="{0259753E-307B-4C93-BBB6-F1AAD8AE0AB9}">
   <ds:schemaRefs>
     <ds:schemaRef ds:uri="http://purl.org/dc/terms/"/>
@@ -17208,7 +20629,7 @@
 </ds:datastoreItem>
 </file>
 
-<file path=customXml/itemProps2.xml><?xml version="1.0" encoding="utf-8"?>
+<file path=customXml/itemProps3.xml><?xml version="1.0" encoding="utf-8"?>
 <ds:datastoreItem xmlns:ds="http://schemas.openxmlformats.org/officeDocument/2006/customXml" ds:itemID="{EAC93E3E-CAB0-4A88-B8D1-160E772ACF80}">
   <ds:schemaRefs>
     <ds:schemaRef ds:uri="http://schemas.microsoft.com/office/2006/metadata/contentType"/>
@@ -17222,12 +20643,4 @@
     <ds:schemaRef ds:uri="http://schemas.microsoft.com/office/infopath/2007/PartnerControls"/>
   </ds:schemaRefs>
 </ds:datastoreItem>
-</file>
-
-<file path=customXml/itemProps3.xml><?xml version="1.0" encoding="utf-8"?>
-<ds:datastoreItem xmlns:ds="http://schemas.openxmlformats.org/officeDocument/2006/customXml" ds:itemID="{1B8C7F6B-4992-4AAE-AD38-5D4F5B814904}">
-  <ds:schemaRefs>
-    <ds:schemaRef ds:uri="http://schemas.microsoft.com/sharepoint/v3/contenttype/forms"/>
-  </ds:schemaRefs>
-</ds:datastoreItem>
 </file>